--- a/lectures/12/1_multiple_regression.pptx
+++ b/lectures/12/1_multiple_regression.pptx
@@ -242,7 +242,7 @@
           <a:p>
             <a:fld id="{73B2889B-A0AC-4482-8592-5C96F2309420}" type="datetimeFigureOut">
               <a:rPr lang="en-US" smtClean="0"/>
-              <a:t>11/9/2021</a:t>
+              <a:t>4/10/2022</a:t>
             </a:fld>
             <a:endParaRPr lang="en-US"/>
           </a:p>
@@ -419,7 +419,7 @@
           <a:p>
             <a:fld id="{830EB223-FFC0-462A-A3B8-EAA7CE0F8CBD}" type="datetimeFigureOut">
               <a:rPr lang="en-US" smtClean="0"/>
-              <a:t>11/9/2021</a:t>
+              <a:t>4/10/2022</a:t>
             </a:fld>
             <a:endParaRPr lang="en-US" dirty="0"/>
           </a:p>
@@ -732,7 +732,7 @@
           <a:p>
             <a:r>
               <a:rPr lang="en-US" dirty="0"/>
-              <a:t>Go over the Multiple regression doc</a:t>
+              <a:t>Need to talk about R^2 before letting students answer this one</a:t>
             </a:r>
           </a:p>
         </p:txBody>
@@ -754,7 +754,7 @@
           <a:p>
             <a:fld id="{BC849E9A-41F7-4779-A581-48A7C374A227}" type="slidenum">
               <a:rPr lang="en-US" smtClean="0"/>
-              <a:t>7</a:t>
+              <a:t>5</a:t>
             </a:fld>
             <a:endParaRPr lang="en-US" dirty="0"/>
           </a:p>
@@ -763,7 +763,7 @@
     </p:spTree>
     <p:extLst>
       <p:ext uri="{BB962C8B-B14F-4D97-AF65-F5344CB8AC3E}">
-        <p14:creationId xmlns:p14="http://schemas.microsoft.com/office/powerpoint/2010/main" val="401085325"/>
+        <p14:creationId xmlns:p14="http://schemas.microsoft.com/office/powerpoint/2010/main" val="1583412375"/>
       </p:ext>
     </p:extLst>
   </p:cSld>
@@ -817,6 +817,108 @@
           <a:bodyPr/>
           <a:lstStyle/>
           <a:p>
+            <a:r>
+              <a:rPr lang="en-US" dirty="0"/>
+              <a:t>How can we interpret the first coefficient? </a:t>
+            </a:r>
+          </a:p>
+          <a:p>
+            <a:r>
+              <a:rPr lang="en-US" dirty="0"/>
+              <a:t>After mechanically interpret our last result, how should you think of this coefficient. </a:t>
+            </a:r>
+          </a:p>
+          <a:p>
+            <a:endParaRPr lang="en-US" dirty="0"/>
+          </a:p>
+          <a:p>
+            <a:endParaRPr lang="en-US" dirty="0"/>
+          </a:p>
+          <a:p>
+            <a:endParaRPr lang="en-US" dirty="0"/>
+          </a:p>
+        </p:txBody>
+      </p:sp>
+      <p:sp>
+        <p:nvSpPr>
+          <p:cNvPr id="4" name="Slide Number Placeholder 3"/>
+          <p:cNvSpPr>
+            <a:spLocks noGrp="1"/>
+          </p:cNvSpPr>
+          <p:nvPr>
+            <p:ph type="sldNum" sz="quarter" idx="5"/>
+          </p:nvPr>
+        </p:nvSpPr>
+        <p:spPr/>
+        <p:txBody>
+          <a:bodyPr/>
+          <a:lstStyle/>
+          <a:p>
+            <a:fld id="{BC849E9A-41F7-4779-A581-48A7C374A227}" type="slidenum">
+              <a:rPr lang="en-US" smtClean="0"/>
+              <a:t>16</a:t>
+            </a:fld>
+            <a:endParaRPr lang="en-US" dirty="0"/>
+          </a:p>
+        </p:txBody>
+      </p:sp>
+    </p:spTree>
+    <p:extLst>
+      <p:ext uri="{BB962C8B-B14F-4D97-AF65-F5344CB8AC3E}">
+        <p14:creationId xmlns:p14="http://schemas.microsoft.com/office/powerpoint/2010/main" val="2963586083"/>
+      </p:ext>
+    </p:extLst>
+  </p:cSld>
+  <p:clrMapOvr>
+    <a:masterClrMapping/>
+  </p:clrMapOvr>
+</p:notes>
+</file>
+
+<file path=ppt/notesSlides/notesSlide11.xml><?xml version="1.0" encoding="utf-8"?>
+<p:notes xmlns:a="http://schemas.openxmlformats.org/drawingml/2006/main" xmlns:r="http://schemas.openxmlformats.org/officeDocument/2006/relationships" xmlns:p="http://schemas.openxmlformats.org/presentationml/2006/main">
+  <p:cSld>
+    <p:spTree>
+      <p:nvGrpSpPr>
+        <p:cNvPr id="1" name=""/>
+        <p:cNvGrpSpPr/>
+        <p:nvPr/>
+      </p:nvGrpSpPr>
+      <p:grpSpPr>
+        <a:xfrm>
+          <a:off x="0" y="0"/>
+          <a:ext cx="0" cy="0"/>
+          <a:chOff x="0" y="0"/>
+          <a:chExt cx="0" cy="0"/>
+        </a:xfrm>
+      </p:grpSpPr>
+      <p:sp>
+        <p:nvSpPr>
+          <p:cNvPr id="2" name="Slide Image Placeholder 1"/>
+          <p:cNvSpPr>
+            <a:spLocks noGrp="1" noRot="1" noChangeAspect="1"/>
+          </p:cNvSpPr>
+          <p:nvPr>
+            <p:ph type="sldImg"/>
+          </p:nvPr>
+        </p:nvSpPr>
+        <p:spPr/>
+      </p:sp>
+      <p:sp>
+        <p:nvSpPr>
+          <p:cNvPr id="3" name="Notes Placeholder 2"/>
+          <p:cNvSpPr>
+            <a:spLocks noGrp="1"/>
+          </p:cNvSpPr>
+          <p:nvPr>
+            <p:ph type="body" idx="1"/>
+          </p:nvPr>
+        </p:nvSpPr>
+        <p:spPr/>
+        <p:txBody>
+          <a:bodyPr/>
+          <a:lstStyle/>
+          <a:p>
             <a:pPr marL="0" marR="0" lvl="0" indent="0" algn="l" defTabSz="914400" rtl="0" eaLnBrk="1" fontAlgn="auto" latinLnBrk="0" hangingPunct="1">
               <a:lnSpc>
                 <a:spcPct val="100000"/>
@@ -1158,7 +1260,7 @@
 </p:notes>
 </file>
 
-<file path=ppt/notesSlides/notesSlide11.xml><?xml version="1.0" encoding="utf-8"?>
+<file path=ppt/notesSlides/notesSlide12.xml><?xml version="1.0" encoding="utf-8"?>
 <p:notes xmlns:a="http://schemas.openxmlformats.org/drawingml/2006/main" xmlns:r="http://schemas.openxmlformats.org/officeDocument/2006/relationships" xmlns:p="http://schemas.openxmlformats.org/presentationml/2006/main">
   <p:cSld>
     <p:spTree>
@@ -1325,7 +1427,7 @@
 </p:notes>
 </file>
 
-<file path=ppt/notesSlides/notesSlide12.xml><?xml version="1.0" encoding="utf-8"?>
+<file path=ppt/notesSlides/notesSlide13.xml><?xml version="1.0" encoding="utf-8"?>
 <p:notes xmlns:a="http://schemas.openxmlformats.org/drawingml/2006/main" xmlns:r="http://schemas.openxmlformats.org/officeDocument/2006/relationships" xmlns:p="http://schemas.openxmlformats.org/presentationml/2006/main">
   <p:cSld>
     <p:spTree>
@@ -1472,7 +1574,7 @@
 </p:notes>
 </file>
 
-<file path=ppt/notesSlides/notesSlide13.xml><?xml version="1.0" encoding="utf-8"?>
+<file path=ppt/notesSlides/notesSlide14.xml><?xml version="1.0" encoding="utf-8"?>
 <p:notes xmlns:a="http://schemas.openxmlformats.org/drawingml/2006/main" xmlns:r="http://schemas.openxmlformats.org/officeDocument/2006/relationships" xmlns:p="http://schemas.openxmlformats.org/presentationml/2006/main">
   <p:cSld>
     <p:spTree>
@@ -1619,7 +1721,7 @@
 </p:notes>
 </file>
 
-<file path=ppt/notesSlides/notesSlide14.xml><?xml version="1.0" encoding="utf-8"?>
+<file path=ppt/notesSlides/notesSlide15.xml><?xml version="1.0" encoding="utf-8"?>
 <p:notes xmlns:a="http://schemas.openxmlformats.org/drawingml/2006/main" xmlns:r="http://schemas.openxmlformats.org/officeDocument/2006/relationships" xmlns:p="http://schemas.openxmlformats.org/presentationml/2006/main">
   <p:cSld>
     <p:spTree>
@@ -1775,7 +1877,7 @@
 </p:notes>
 </file>
 
-<file path=ppt/notesSlides/notesSlide15.xml><?xml version="1.0" encoding="utf-8"?>
+<file path=ppt/notesSlides/notesSlide16.xml><?xml version="1.0" encoding="utf-8"?>
 <p:notes xmlns:a="http://schemas.openxmlformats.org/drawingml/2006/main" xmlns:r="http://schemas.openxmlformats.org/officeDocument/2006/relationships" xmlns:p="http://schemas.openxmlformats.org/presentationml/2006/main">
   <p:cSld>
     <p:spTree>
@@ -1925,177 +2027,6 @@
 </p:notes>
 </file>
 
-<file path=ppt/notesSlides/notesSlide16.xml><?xml version="1.0" encoding="utf-8"?>
-<p:notes xmlns:a="http://schemas.openxmlformats.org/drawingml/2006/main" xmlns:r="http://schemas.openxmlformats.org/officeDocument/2006/relationships" xmlns:p="http://schemas.openxmlformats.org/presentationml/2006/main">
-  <p:cSld>
-    <p:spTree>
-      <p:nvGrpSpPr>
-        <p:cNvPr id="1" name=""/>
-        <p:cNvGrpSpPr/>
-        <p:nvPr/>
-      </p:nvGrpSpPr>
-      <p:grpSpPr>
-        <a:xfrm>
-          <a:off x="0" y="0"/>
-          <a:ext cx="0" cy="0"/>
-          <a:chOff x="0" y="0"/>
-          <a:chExt cx="0" cy="0"/>
-        </a:xfrm>
-      </p:grpSpPr>
-      <p:sp>
-        <p:nvSpPr>
-          <p:cNvPr id="2" name="Slide Image Placeholder 1"/>
-          <p:cNvSpPr>
-            <a:spLocks noGrp="1" noRot="1" noChangeAspect="1"/>
-          </p:cNvSpPr>
-          <p:nvPr>
-            <p:ph type="sldImg"/>
-          </p:nvPr>
-        </p:nvSpPr>
-        <p:spPr/>
-      </p:sp>
-      <p:sp>
-        <p:nvSpPr>
-          <p:cNvPr id="3" name="Notes Placeholder 2"/>
-          <p:cNvSpPr>
-            <a:spLocks noGrp="1"/>
-          </p:cNvSpPr>
-          <p:nvPr>
-            <p:ph type="body" idx="1"/>
-          </p:nvPr>
-        </p:nvSpPr>
-        <p:spPr/>
-        <p:txBody>
-          <a:bodyPr/>
-          <a:lstStyle/>
-          <a:p>
-            <a:pPr marL="0" marR="0">
-              <a:spcBef>
-                <a:spcPts val="0"/>
-              </a:spcBef>
-              <a:spcAft>
-                <a:spcPts val="0"/>
-              </a:spcAft>
-              <a:tabLst>
-                <a:tab pos="228600" algn="l"/>
-              </a:tabLst>
-            </a:pPr>
-            <a:r>
-              <a:rPr lang="en-US" sz="1800" dirty="0" err="1">
-                <a:effectLst/>
-                <a:latin typeface="Calibri" panose="020F0502020204030204" pitchFamily="34" charset="0"/>
-                <a:ea typeface="Cambria" panose="02040503050406030204" pitchFamily="18" charset="0"/>
-                <a:cs typeface="Times New Roman" panose="02020603050405020304" pitchFamily="18" charset="0"/>
-              </a:rPr>
-              <a:t>R</a:t>
-            </a:r>
-            <a:r>
-              <a:rPr lang="en-US" sz="1800" baseline="30000" dirty="0" err="1">
-                <a:effectLst/>
-                <a:latin typeface="Calibri" panose="020F0502020204030204" pitchFamily="34" charset="0"/>
-                <a:ea typeface="Cambria" panose="02040503050406030204" pitchFamily="18" charset="0"/>
-                <a:cs typeface="Times New Roman" panose="02020603050405020304" pitchFamily="18" charset="0"/>
-              </a:rPr>
-              <a:t>2</a:t>
-            </a:r>
-            <a:r>
-              <a:rPr lang="en-US" sz="1800" dirty="0">
-                <a:effectLst/>
-                <a:latin typeface="Calibri" panose="020F0502020204030204" pitchFamily="34" charset="0"/>
-                <a:ea typeface="Cambria" panose="02040503050406030204" pitchFamily="18" charset="0"/>
-                <a:cs typeface="Times New Roman" panose="02020603050405020304" pitchFamily="18" charset="0"/>
-              </a:rPr>
-              <a:t> for this model is .57, </a:t>
-            </a:r>
-          </a:p>
-          <a:p>
-            <a:pPr marL="0" marR="0">
-              <a:spcBef>
-                <a:spcPts val="0"/>
-              </a:spcBef>
-              <a:spcAft>
-                <a:spcPts val="0"/>
-              </a:spcAft>
-              <a:tabLst>
-                <a:tab pos="228600" algn="l"/>
-              </a:tabLst>
-            </a:pPr>
-            <a:r>
-              <a:rPr lang="en-US" sz="1800" dirty="0">
-                <a:effectLst/>
-                <a:latin typeface="Calibri" panose="020F0502020204030204" pitchFamily="34" charset="0"/>
-                <a:ea typeface="Cambria" panose="02040503050406030204" pitchFamily="18" charset="0"/>
-                <a:cs typeface="Times New Roman" panose="02020603050405020304" pitchFamily="18" charset="0"/>
-              </a:rPr>
-              <a:t>How would you interpret this number? </a:t>
-            </a:r>
-          </a:p>
-          <a:p>
-            <a:pPr marL="0" marR="0">
-              <a:spcBef>
-                <a:spcPts val="0"/>
-              </a:spcBef>
-              <a:spcAft>
-                <a:spcPts val="0"/>
-              </a:spcAft>
-              <a:tabLst>
-                <a:tab pos="228600" algn="l"/>
-              </a:tabLst>
-            </a:pPr>
-            <a:r>
-              <a:rPr lang="en-US" sz="1800" dirty="0">
-                <a:effectLst/>
-                <a:latin typeface="Calibri" panose="020F0502020204030204" pitchFamily="34" charset="0"/>
-                <a:ea typeface="Cambria" panose="02040503050406030204" pitchFamily="18" charset="0"/>
-                <a:cs typeface="Times New Roman" panose="02020603050405020304" pitchFamily="18" charset="0"/>
-              </a:rPr>
-              <a:t>meaning that 57 percent of the variation in monthly purchases is accounted for by this model.  43 percent of the variation in purchase size is explained by other variables not in the model.</a:t>
-            </a:r>
-            <a:endParaRPr lang="en-US" sz="1800" dirty="0">
-              <a:effectLst/>
-              <a:latin typeface="Cambria" panose="02040503050406030204" pitchFamily="18" charset="0"/>
-              <a:ea typeface="Cambria" panose="02040503050406030204" pitchFamily="18" charset="0"/>
-              <a:cs typeface="Times New Roman" panose="02020603050405020304" pitchFamily="18" charset="0"/>
-            </a:endParaRPr>
-          </a:p>
-        </p:txBody>
-      </p:sp>
-      <p:sp>
-        <p:nvSpPr>
-          <p:cNvPr id="4" name="Slide Number Placeholder 3"/>
-          <p:cNvSpPr>
-            <a:spLocks noGrp="1"/>
-          </p:cNvSpPr>
-          <p:nvPr>
-            <p:ph type="sldNum" sz="quarter" idx="5"/>
-          </p:nvPr>
-        </p:nvSpPr>
-        <p:spPr/>
-        <p:txBody>
-          <a:bodyPr/>
-          <a:lstStyle/>
-          <a:p>
-            <a:fld id="{BC849E9A-41F7-4779-A581-48A7C374A227}" type="slidenum">
-              <a:rPr lang="en-US" smtClean="0"/>
-              <a:t>23</a:t>
-            </a:fld>
-            <a:endParaRPr lang="en-US" dirty="0"/>
-          </a:p>
-        </p:txBody>
-      </p:sp>
-    </p:spTree>
-    <p:extLst>
-      <p:ext uri="{BB962C8B-B14F-4D97-AF65-F5344CB8AC3E}">
-        <p14:creationId xmlns:p14="http://schemas.microsoft.com/office/powerpoint/2010/main" val="1405472211"/>
-      </p:ext>
-    </p:extLst>
-  </p:cSld>
-  <p:clrMapOvr>
-    <a:masterClrMapping/>
-  </p:clrMapOvr>
-</p:notes>
-</file>
-
 <file path=ppt/notesSlides/notesSlide17.xml><?xml version="1.0" encoding="utf-8"?>
 <p:notes xmlns:a="http://schemas.openxmlformats.org/drawingml/2006/main" xmlns:r="http://schemas.openxmlformats.org/officeDocument/2006/relationships" xmlns:p="http://schemas.openxmlformats.org/presentationml/2006/main">
   <p:cSld>
@@ -2140,10 +2071,94 @@
           <a:bodyPr/>
           <a:lstStyle/>
           <a:p>
-            <a:r>
-              <a:rPr lang="en-US" dirty="0"/>
-              <a:t>So we are done with the most technical material in this class. </a:t>
-            </a:r>
+            <a:pPr marL="0" marR="0">
+              <a:spcBef>
+                <a:spcPts val="0"/>
+              </a:spcBef>
+              <a:spcAft>
+                <a:spcPts val="0"/>
+              </a:spcAft>
+              <a:tabLst>
+                <a:tab pos="228600" algn="l"/>
+              </a:tabLst>
+            </a:pPr>
+            <a:r>
+              <a:rPr lang="en-US" sz="1800" dirty="0" err="1">
+                <a:effectLst/>
+                <a:latin typeface="Calibri" panose="020F0502020204030204" pitchFamily="34" charset="0"/>
+                <a:ea typeface="Cambria" panose="02040503050406030204" pitchFamily="18" charset="0"/>
+                <a:cs typeface="Times New Roman" panose="02020603050405020304" pitchFamily="18" charset="0"/>
+              </a:rPr>
+              <a:t>R</a:t>
+            </a:r>
+            <a:r>
+              <a:rPr lang="en-US" sz="1800" baseline="30000" dirty="0" err="1">
+                <a:effectLst/>
+                <a:latin typeface="Calibri" panose="020F0502020204030204" pitchFamily="34" charset="0"/>
+                <a:ea typeface="Cambria" panose="02040503050406030204" pitchFamily="18" charset="0"/>
+                <a:cs typeface="Times New Roman" panose="02020603050405020304" pitchFamily="18" charset="0"/>
+              </a:rPr>
+              <a:t>2</a:t>
+            </a:r>
+            <a:r>
+              <a:rPr lang="en-US" sz="1800" dirty="0">
+                <a:effectLst/>
+                <a:latin typeface="Calibri" panose="020F0502020204030204" pitchFamily="34" charset="0"/>
+                <a:ea typeface="Cambria" panose="02040503050406030204" pitchFamily="18" charset="0"/>
+                <a:cs typeface="Times New Roman" panose="02020603050405020304" pitchFamily="18" charset="0"/>
+              </a:rPr>
+              <a:t> for this model is .57, </a:t>
+            </a:r>
+          </a:p>
+          <a:p>
+            <a:pPr marL="0" marR="0">
+              <a:spcBef>
+                <a:spcPts val="0"/>
+              </a:spcBef>
+              <a:spcAft>
+                <a:spcPts val="0"/>
+              </a:spcAft>
+              <a:tabLst>
+                <a:tab pos="228600" algn="l"/>
+              </a:tabLst>
+            </a:pPr>
+            <a:r>
+              <a:rPr lang="en-US" sz="1800" dirty="0">
+                <a:effectLst/>
+                <a:latin typeface="Calibri" panose="020F0502020204030204" pitchFamily="34" charset="0"/>
+                <a:ea typeface="Cambria" panose="02040503050406030204" pitchFamily="18" charset="0"/>
+                <a:cs typeface="Times New Roman" panose="02020603050405020304" pitchFamily="18" charset="0"/>
+              </a:rPr>
+              <a:t>How would you interpret this number? </a:t>
+            </a:r>
+          </a:p>
+          <a:p>
+            <a:pPr marL="0" marR="0">
+              <a:spcBef>
+                <a:spcPts val="0"/>
+              </a:spcBef>
+              <a:spcAft>
+                <a:spcPts val="0"/>
+              </a:spcAft>
+              <a:tabLst>
+                <a:tab pos="228600" algn="l"/>
+              </a:tabLst>
+            </a:pPr>
+            <a:r>
+              <a:rPr lang="en-US" sz="1800" dirty="0">
+                <a:effectLst/>
+                <a:latin typeface="Calibri" panose="020F0502020204030204" pitchFamily="34" charset="0"/>
+                <a:ea typeface="Cambria" panose="02040503050406030204" pitchFamily="18" charset="0"/>
+                <a:cs typeface="Times New Roman" panose="02020603050405020304" pitchFamily="18" charset="0"/>
+              </a:rPr>
+              <a:t>meaning that 57 percent of the variation in monthly purchases is accounted for by this model.  43 percent of the variation in purchase size is explained by other variables not in the model.</a:t>
+            </a:r>
+            <a:endParaRPr lang="en-US" sz="1800" dirty="0">
+              <a:effectLst/>
+              <a:latin typeface="Cambria" panose="02040503050406030204" pitchFamily="18" charset="0"/>
+              <a:ea typeface="Cambria" panose="02040503050406030204" pitchFamily="18" charset="0"/>
+              <a:cs typeface="Times New Roman" panose="02020603050405020304" pitchFamily="18" charset="0"/>
+            </a:endParaRPr>
           </a:p>
         </p:txBody>
       </p:sp>
@@ -2164,7 +2179,7 @@
           <a:p>
             <a:fld id="{BC849E9A-41F7-4779-A581-48A7C374A227}" type="slidenum">
               <a:rPr lang="en-US" smtClean="0"/>
-              <a:t>24</a:t>
+              <a:t>23</a:t>
             </a:fld>
             <a:endParaRPr lang="en-US" dirty="0"/>
           </a:p>
@@ -2173,7 +2188,7 @@
     </p:spTree>
     <p:extLst>
       <p:ext uri="{BB962C8B-B14F-4D97-AF65-F5344CB8AC3E}">
-        <p14:creationId xmlns:p14="http://schemas.microsoft.com/office/powerpoint/2010/main" val="3935181236"/>
+        <p14:creationId xmlns:p14="http://schemas.microsoft.com/office/powerpoint/2010/main" val="1405472211"/>
       </p:ext>
     </p:extLst>
   </p:cSld>
@@ -2229,138 +2244,8 @@
           <a:p>
             <a:r>
               <a:rPr lang="en-US" dirty="0"/>
-              <a:t>You don’t need suit and tie, but since this is a business presentation, hence professional dress is expected. </a:t>
-            </a:r>
-          </a:p>
-          <a:p>
-            <a:endParaRPr lang="en-US" dirty="0"/>
-          </a:p>
-          <a:p>
-            <a:endParaRPr lang="en-US" dirty="0"/>
-          </a:p>
-          <a:p>
-            <a:r>
-              <a:rPr lang="en-US" dirty="0"/>
-              <a:t>Update about the order of presentation. I’ve checked with the syllabus, and the two dates are November 17</a:t>
-            </a:r>
-            <a:r>
-              <a:rPr lang="en-US" baseline="30000" dirty="0"/>
-              <a:t>th</a:t>
-            </a:r>
-            <a:r>
-              <a:rPr lang="en-US" dirty="0"/>
-              <a:t> and 29</a:t>
-            </a:r>
-            <a:r>
-              <a:rPr lang="en-US" baseline="30000" dirty="0"/>
-              <a:t>th</a:t>
-            </a:r>
-            <a:r>
-              <a:rPr lang="en-US" dirty="0"/>
-              <a:t> instead of November 29</a:t>
-            </a:r>
-            <a:r>
-              <a:rPr lang="en-US" baseline="30000" dirty="0"/>
-              <a:t>th</a:t>
-            </a:r>
-            <a:r>
-              <a:rPr lang="en-US" dirty="0"/>
-              <a:t> and December 8</a:t>
-            </a:r>
-            <a:r>
-              <a:rPr lang="en-US" baseline="30000" dirty="0"/>
-              <a:t>th</a:t>
-            </a:r>
-            <a:r>
-              <a:rPr lang="en-US" dirty="0"/>
-              <a:t> </a:t>
-            </a:r>
-          </a:p>
-          <a:p>
-            <a:pPr marL="0" marR="0" lvl="0" indent="0" algn="l" defTabSz="914400" rtl="0" eaLnBrk="1" fontAlgn="auto" latinLnBrk="0" hangingPunct="1">
-              <a:lnSpc>
-                <a:spcPct val="100000"/>
-              </a:lnSpc>
-              <a:spcBef>
-                <a:spcPts val="0"/>
-              </a:spcBef>
-              <a:spcAft>
-                <a:spcPts val="0"/>
-              </a:spcAft>
-              <a:buClrTx/>
-              <a:buSzTx/>
-              <a:buFontTx/>
-              <a:buNone/>
-              <a:tabLst/>
-              <a:defRPr/>
-            </a:pPr>
-            <a:r>
-              <a:rPr lang="en-US" dirty="0"/>
-              <a:t>But in either case, there shouldn’t be a problem since all of you will be in class anyway. And the order of presentation for the two dates remain constant. </a:t>
-            </a:r>
-          </a:p>
-          <a:p>
-            <a:endParaRPr lang="en-US" dirty="0"/>
-          </a:p>
-          <a:p>
-            <a:r>
-              <a:rPr lang="en-US" dirty="0"/>
-              <a:t>Please let me know if your group would like to change the order, I can ask other groups if they want to change with you. </a:t>
-            </a:r>
-          </a:p>
-          <a:p>
-            <a:endParaRPr lang="en-US" dirty="0"/>
-          </a:p>
-          <a:p>
-            <a:r>
-              <a:rPr lang="en-US" dirty="0"/>
-              <a:t>Go over the sample slides link (</a:t>
-            </a:r>
-            <a:r>
-              <a:rPr lang="en-US"/>
-              <a:t>cover expectation as well)</a:t>
-            </a:r>
-          </a:p>
-          <a:p>
-            <a:endParaRPr lang="en-US" dirty="0"/>
-          </a:p>
-          <a:p>
-            <a:endParaRPr lang="en-US" dirty="0"/>
-          </a:p>
-          <a:p>
-            <a:pPr algn="l">
-              <a:buFont typeface="Arial" panose="020B0604020202020204" pitchFamily="34" charset="0"/>
-              <a:buChar char="•"/>
-            </a:pPr>
-            <a:r>
-              <a:rPr lang="en-US" b="0" i="0" dirty="0">
-                <a:solidFill>
-                  <a:srgbClr val="333333"/>
-                </a:solidFill>
-                <a:effectLst/>
-                <a:latin typeface="Lato Extended"/>
-              </a:rPr>
-              <a:t>You are responsible for practicing your presentation on the classroom equipment before presentation day and making sure that everyone in the group is familiar with how the equipment works.</a:t>
-            </a:r>
-          </a:p>
-          <a:p>
-            <a:pPr algn="l">
-              <a:buFont typeface="Arial" panose="020B0604020202020204" pitchFamily="34" charset="0"/>
-              <a:buChar char="•"/>
-            </a:pPr>
-            <a:r>
-              <a:rPr lang="en-US" b="0" i="0" dirty="0">
-                <a:solidFill>
-                  <a:srgbClr val="333333"/>
-                </a:solidFill>
-                <a:effectLst/>
-                <a:latin typeface="Lato Extended"/>
-              </a:rPr>
-              <a:t>On presentation day, you must be set up and ready to go before the beginning of class. If you are not ready at that time, there will be point deductions and you may be asked to give your presentation at another time. Class time is very tightly scheduled during presentation days, and it is necessary that all groups be ready to present at the appointed time.</a:t>
-            </a:r>
-          </a:p>
-          <a:p>
-            <a:endParaRPr lang="en-US" dirty="0"/>
+              <a:t>So we are done with the most technical material in this class. </a:t>
+            </a:r>
           </a:p>
         </p:txBody>
       </p:sp>
@@ -2381,7 +2266,7 @@
           <a:p>
             <a:fld id="{BC849E9A-41F7-4779-A581-48A7C374A227}" type="slidenum">
               <a:rPr lang="en-US" smtClean="0"/>
-              <a:t>25</a:t>
+              <a:t>24</a:t>
             </a:fld>
             <a:endParaRPr lang="en-US" dirty="0"/>
           </a:p>
@@ -2390,7 +2275,7 @@
     </p:spTree>
     <p:extLst>
       <p:ext uri="{BB962C8B-B14F-4D97-AF65-F5344CB8AC3E}">
-        <p14:creationId xmlns:p14="http://schemas.microsoft.com/office/powerpoint/2010/main" val="3750575427"/>
+        <p14:creationId xmlns:p14="http://schemas.microsoft.com/office/powerpoint/2010/main" val="3935181236"/>
       </p:ext>
     </p:extLst>
   </p:cSld>
@@ -2444,6 +2329,139 @@
           <a:bodyPr/>
           <a:lstStyle/>
           <a:p>
+            <a:r>
+              <a:rPr lang="en-US" dirty="0"/>
+              <a:t>You don’t need suit and tie, but since this is a business presentation, hence professional dress is expected. </a:t>
+            </a:r>
+          </a:p>
+          <a:p>
+            <a:endParaRPr lang="en-US" dirty="0"/>
+          </a:p>
+          <a:p>
+            <a:endParaRPr lang="en-US" dirty="0"/>
+          </a:p>
+          <a:p>
+            <a:r>
+              <a:rPr lang="en-US" dirty="0"/>
+              <a:t>Update about the order of presentation. I’ve checked with the syllabus, and the two dates are November 17</a:t>
+            </a:r>
+            <a:r>
+              <a:rPr lang="en-US" baseline="30000" dirty="0"/>
+              <a:t>th</a:t>
+            </a:r>
+            <a:r>
+              <a:rPr lang="en-US" dirty="0"/>
+              <a:t> and 29</a:t>
+            </a:r>
+            <a:r>
+              <a:rPr lang="en-US" baseline="30000" dirty="0"/>
+              <a:t>th</a:t>
+            </a:r>
+            <a:r>
+              <a:rPr lang="en-US" dirty="0"/>
+              <a:t> instead of November 29</a:t>
+            </a:r>
+            <a:r>
+              <a:rPr lang="en-US" baseline="30000" dirty="0"/>
+              <a:t>th</a:t>
+            </a:r>
+            <a:r>
+              <a:rPr lang="en-US" dirty="0"/>
+              <a:t> and December 8</a:t>
+            </a:r>
+            <a:r>
+              <a:rPr lang="en-US" baseline="30000" dirty="0"/>
+              <a:t>th</a:t>
+            </a:r>
+            <a:r>
+              <a:rPr lang="en-US" dirty="0"/>
+              <a:t> </a:t>
+            </a:r>
+          </a:p>
+          <a:p>
+            <a:pPr marL="0" marR="0" lvl="0" indent="0" algn="l" defTabSz="914400" rtl="0" eaLnBrk="1" fontAlgn="auto" latinLnBrk="0" hangingPunct="1">
+              <a:lnSpc>
+                <a:spcPct val="100000"/>
+              </a:lnSpc>
+              <a:spcBef>
+                <a:spcPts val="0"/>
+              </a:spcBef>
+              <a:spcAft>
+                <a:spcPts val="0"/>
+              </a:spcAft>
+              <a:buClrTx/>
+              <a:buSzTx/>
+              <a:buFontTx/>
+              <a:buNone/>
+              <a:tabLst/>
+              <a:defRPr/>
+            </a:pPr>
+            <a:r>
+              <a:rPr lang="en-US" dirty="0"/>
+              <a:t>But in either case, there shouldn’t be a problem since all of you will be in class anyway. And the order of presentation for the two dates remain constant. </a:t>
+            </a:r>
+          </a:p>
+          <a:p>
+            <a:endParaRPr lang="en-US" dirty="0"/>
+          </a:p>
+          <a:p>
+            <a:r>
+              <a:rPr lang="en-US" dirty="0"/>
+              <a:t>Please let me know if your group would like to change the order, I can ask other groups if they want to change with you. </a:t>
+            </a:r>
+          </a:p>
+          <a:p>
+            <a:endParaRPr lang="en-US" dirty="0"/>
+          </a:p>
+          <a:p>
+            <a:r>
+              <a:rPr lang="en-US" dirty="0"/>
+              <a:t>Go over the sample slides link (</a:t>
+            </a:r>
+            <a:r>
+              <a:rPr lang="en-US"/>
+              <a:t>cover expectation as well)</a:t>
+            </a:r>
+          </a:p>
+          <a:p>
+            <a:endParaRPr lang="en-US" dirty="0"/>
+          </a:p>
+          <a:p>
+            <a:endParaRPr lang="en-US" dirty="0"/>
+          </a:p>
+          <a:p>
+            <a:pPr algn="l">
+              <a:buFont typeface="Arial" panose="020B0604020202020204" pitchFamily="34" charset="0"/>
+              <a:buChar char="•"/>
+            </a:pPr>
+            <a:r>
+              <a:rPr lang="en-US" b="0" i="0" dirty="0">
+                <a:solidFill>
+                  <a:srgbClr val="333333"/>
+                </a:solidFill>
+                <a:effectLst/>
+                <a:latin typeface="Lato Extended"/>
+              </a:rPr>
+              <a:t>You are responsible for practicing your presentation on the classroom equipment before presentation day and making sure that everyone in the group is familiar with how the equipment works.</a:t>
+            </a:r>
+          </a:p>
+          <a:p>
+            <a:pPr algn="l">
+              <a:buFont typeface="Arial" panose="020B0604020202020204" pitchFamily="34" charset="0"/>
+              <a:buChar char="•"/>
+            </a:pPr>
+            <a:r>
+              <a:rPr lang="en-US" b="0" i="0" dirty="0">
+                <a:solidFill>
+                  <a:srgbClr val="333333"/>
+                </a:solidFill>
+                <a:effectLst/>
+                <a:latin typeface="Lato Extended"/>
+              </a:rPr>
+              <a:t>On presentation day, you must be set up and ready to go before the beginning of class. If you are not ready at that time, there will be point deductions and you may be asked to give your presentation at another time. Class time is very tightly scheduled during presentation days, and it is necessary that all groups be ready to present at the appointed time.</a:t>
+            </a:r>
+          </a:p>
+          <a:p>
             <a:endParaRPr lang="en-US" dirty="0"/>
           </a:p>
         </p:txBody>
@@ -2465,7 +2483,7 @@
           <a:p>
             <a:fld id="{BC849E9A-41F7-4779-A581-48A7C374A227}" type="slidenum">
               <a:rPr lang="en-US" smtClean="0"/>
-              <a:t>27</a:t>
+              <a:t>25</a:t>
             </a:fld>
             <a:endParaRPr lang="en-US" dirty="0"/>
           </a:p>
@@ -2474,7 +2492,7 @@
     </p:spTree>
     <p:extLst>
       <p:ext uri="{BB962C8B-B14F-4D97-AF65-F5344CB8AC3E}">
-        <p14:creationId xmlns:p14="http://schemas.microsoft.com/office/powerpoint/2010/main" val="1675612197"/>
+        <p14:creationId xmlns:p14="http://schemas.microsoft.com/office/powerpoint/2010/main" val="3750575427"/>
       </p:ext>
     </p:extLst>
   </p:cSld>
@@ -2528,1157 +2546,10 @@
           <a:bodyPr/>
           <a:lstStyle/>
           <a:p>
-            <a:pPr marL="0" marR="0">
-              <a:spcBef>
-                <a:spcPts val="0"/>
-              </a:spcBef>
-              <a:spcAft>
-                <a:spcPts val="0"/>
-              </a:spcAft>
-              <a:tabLst>
-                <a:tab pos="-914400" algn="l"/>
-                <a:tab pos="-457200" algn="l"/>
-                <a:tab pos="457200" algn="l"/>
-                <a:tab pos="914400" algn="l"/>
-                <a:tab pos="1371600" algn="l"/>
-                <a:tab pos="1828800" algn="l"/>
-                <a:tab pos="2286000" algn="l"/>
-                <a:tab pos="2743200" algn="l"/>
-                <a:tab pos="3200400" algn="l"/>
-                <a:tab pos="3657600" algn="l"/>
-                <a:tab pos="4114800" algn="l"/>
-                <a:tab pos="4572000" algn="l"/>
-                <a:tab pos="5029200" algn="l"/>
-                <a:tab pos="5486400" algn="l"/>
-                <a:tab pos="5943600" algn="l"/>
-                <a:tab pos="6400800" algn="l"/>
-                <a:tab pos="6858000" algn="l"/>
-              </a:tabLst>
-            </a:pPr>
-            <a:r>
-              <a:rPr lang="en-US" sz="1800" b="0" i="0" dirty="0">
-                <a:effectLst/>
-                <a:latin typeface="Calibri" panose="020F0502020204030204" pitchFamily="34" charset="0"/>
-                <a:ea typeface="Cambria" panose="02040503050406030204" pitchFamily="18" charset="0"/>
-                <a:cs typeface="Times New Roman" panose="02020603050405020304" pitchFamily="18" charset="0"/>
-              </a:rPr>
-              <a:t>Ask students to think of the possible independent variables that will affect </a:t>
-            </a:r>
-          </a:p>
-          <a:p>
-            <a:pPr marL="0" marR="0">
-              <a:spcBef>
-                <a:spcPts val="0"/>
-              </a:spcBef>
-              <a:spcAft>
-                <a:spcPts val="0"/>
-              </a:spcAft>
-              <a:tabLst>
-                <a:tab pos="-914400" algn="l"/>
-                <a:tab pos="-457200" algn="l"/>
-                <a:tab pos="457200" algn="l"/>
-                <a:tab pos="914400" algn="l"/>
-                <a:tab pos="1371600" algn="l"/>
-                <a:tab pos="1828800" algn="l"/>
-                <a:tab pos="2286000" algn="l"/>
-                <a:tab pos="2743200" algn="l"/>
-                <a:tab pos="3200400" algn="l"/>
-                <a:tab pos="3657600" algn="l"/>
-                <a:tab pos="4114800" algn="l"/>
-                <a:tab pos="4572000" algn="l"/>
-                <a:tab pos="5029200" algn="l"/>
-                <a:tab pos="5486400" algn="l"/>
-                <a:tab pos="5943600" algn="l"/>
-                <a:tab pos="6400800" algn="l"/>
-                <a:tab pos="6858000" algn="l"/>
-              </a:tabLst>
-            </a:pPr>
-            <a:endParaRPr lang="en-US" sz="1800" b="1" i="1" dirty="0">
-              <a:effectLst/>
-              <a:latin typeface="Calibri" panose="020F0502020204030204" pitchFamily="34" charset="0"/>
-              <a:ea typeface="Cambria" panose="02040503050406030204" pitchFamily="18" charset="0"/>
-              <a:cs typeface="Times New Roman" panose="02020603050405020304" pitchFamily="18" charset="0"/>
-            </a:endParaRPr>
-          </a:p>
-          <a:p>
-            <a:pPr marL="0" marR="0">
-              <a:spcBef>
-                <a:spcPts val="0"/>
-              </a:spcBef>
-              <a:spcAft>
-                <a:spcPts val="0"/>
-              </a:spcAft>
-              <a:tabLst>
-                <a:tab pos="-914400" algn="l"/>
-                <a:tab pos="-457200" algn="l"/>
-                <a:tab pos="457200" algn="l"/>
-                <a:tab pos="914400" algn="l"/>
-                <a:tab pos="1371600" algn="l"/>
-                <a:tab pos="1828800" algn="l"/>
-                <a:tab pos="2286000" algn="l"/>
-                <a:tab pos="2743200" algn="l"/>
-                <a:tab pos="3200400" algn="l"/>
-                <a:tab pos="3657600" algn="l"/>
-                <a:tab pos="4114800" algn="l"/>
-                <a:tab pos="4572000" algn="l"/>
-                <a:tab pos="5029200" algn="l"/>
-                <a:tab pos="5486400" algn="l"/>
-                <a:tab pos="5943600" algn="l"/>
-                <a:tab pos="6400800" algn="l"/>
-                <a:tab pos="6858000" algn="l"/>
-              </a:tabLst>
-            </a:pPr>
-            <a:r>
-              <a:rPr lang="en-US" sz="1800" b="1" i="1" dirty="0">
-                <a:effectLst/>
-                <a:latin typeface="Calibri" panose="020F0502020204030204" pitchFamily="34" charset="0"/>
-                <a:ea typeface="Cambria" panose="02040503050406030204" pitchFamily="18" charset="0"/>
-                <a:cs typeface="Times New Roman" panose="02020603050405020304" pitchFamily="18" charset="0"/>
-              </a:rPr>
-              <a:t>Screen job applicants:</a:t>
-            </a:r>
-            <a:r>
-              <a:rPr lang="en-US" sz="1800" dirty="0">
-                <a:effectLst/>
-                <a:latin typeface="Calibri" panose="020F0502020204030204" pitchFamily="34" charset="0"/>
-                <a:ea typeface="Cambria" panose="02040503050406030204" pitchFamily="18" charset="0"/>
-                <a:cs typeface="Times New Roman" panose="02020603050405020304" pitchFamily="18" charset="0"/>
-              </a:rPr>
-              <a:t>  Multiple regression can be used to build a mathematical model to identify applicants that are more likely to do well in a particular job</a:t>
-            </a:r>
-            <a:endParaRPr lang="en-US" sz="1800" dirty="0">
-              <a:effectLst/>
-              <a:latin typeface="Cambria" panose="02040503050406030204" pitchFamily="18" charset="0"/>
-              <a:ea typeface="Cambria" panose="02040503050406030204" pitchFamily="18" charset="0"/>
-              <a:cs typeface="Times New Roman" panose="02020603050405020304" pitchFamily="18" charset="0"/>
-            </a:endParaRPr>
-          </a:p>
-          <a:p>
-            <a:pPr marL="0" marR="0">
-              <a:spcBef>
-                <a:spcPts val="0"/>
-              </a:spcBef>
-              <a:spcAft>
-                <a:spcPts val="0"/>
-              </a:spcAft>
-              <a:tabLst>
-                <a:tab pos="-914400" algn="l"/>
-                <a:tab pos="-457200" algn="l"/>
-                <a:tab pos="457200" algn="l"/>
-                <a:tab pos="914400" algn="l"/>
-                <a:tab pos="1371600" algn="l"/>
-                <a:tab pos="1828800" algn="l"/>
-                <a:tab pos="2286000" algn="l"/>
-                <a:tab pos="2743200" algn="l"/>
-                <a:tab pos="3200400" algn="l"/>
-                <a:tab pos="3657600" algn="l"/>
-                <a:tab pos="4114800" algn="l"/>
-                <a:tab pos="4572000" algn="l"/>
-                <a:tab pos="5029200" algn="l"/>
-                <a:tab pos="5486400" algn="l"/>
-                <a:tab pos="5943600" algn="l"/>
-                <a:tab pos="6400800" algn="l"/>
-                <a:tab pos="6858000" algn="l"/>
-              </a:tabLst>
-            </a:pPr>
-            <a:r>
-              <a:rPr lang="en-US" sz="1800" dirty="0">
-                <a:effectLst/>
-                <a:latin typeface="Calibri" panose="020F0502020204030204" pitchFamily="34" charset="0"/>
-                <a:ea typeface="Cambria" panose="02040503050406030204" pitchFamily="18" charset="0"/>
-                <a:cs typeface="Times New Roman" panose="02020603050405020304" pitchFamily="18" charset="0"/>
-              </a:rPr>
-              <a:t> </a:t>
-            </a:r>
-            <a:endParaRPr lang="en-US" sz="1800" dirty="0">
-              <a:effectLst/>
-              <a:latin typeface="Cambria" panose="02040503050406030204" pitchFamily="18" charset="0"/>
-              <a:ea typeface="Cambria" panose="02040503050406030204" pitchFamily="18" charset="0"/>
-              <a:cs typeface="Times New Roman" panose="02020603050405020304" pitchFamily="18" charset="0"/>
-            </a:endParaRPr>
-          </a:p>
-          <a:p>
-            <a:pPr marL="342900" marR="0" lvl="0" indent="-342900">
-              <a:spcBef>
-                <a:spcPts val="0"/>
-              </a:spcBef>
-              <a:spcAft>
-                <a:spcPts val="0"/>
-              </a:spcAft>
-              <a:buFont typeface="Symbol" panose="05050102010706020507" pitchFamily="18" charset="2"/>
-              <a:buChar char=""/>
-              <a:tabLst>
-                <a:tab pos="-914400" algn="l"/>
-                <a:tab pos="-457200" algn="l"/>
-                <a:tab pos="457200" algn="l"/>
-                <a:tab pos="914400" algn="l"/>
-                <a:tab pos="1371600" algn="l"/>
-                <a:tab pos="1828800" algn="l"/>
-                <a:tab pos="2286000" algn="l"/>
-                <a:tab pos="2743200" algn="l"/>
-                <a:tab pos="3200400" algn="l"/>
-                <a:tab pos="3657600" algn="l"/>
-                <a:tab pos="4114800" algn="l"/>
-                <a:tab pos="4572000" algn="l"/>
-                <a:tab pos="5029200" algn="l"/>
-                <a:tab pos="5486400" algn="l"/>
-                <a:tab pos="5943600" algn="l"/>
-                <a:tab pos="6400800" algn="l"/>
-                <a:tab pos="6858000" algn="l"/>
-              </a:tabLst>
-            </a:pPr>
-            <a:r>
-              <a:rPr lang="en-US" sz="1800" dirty="0">
-                <a:effectLst/>
-                <a:latin typeface="Calibri" panose="020F0502020204030204" pitchFamily="34" charset="0"/>
-                <a:ea typeface="Cambria" panose="02040503050406030204" pitchFamily="18" charset="0"/>
-                <a:cs typeface="Times New Roman" panose="02020603050405020304" pitchFamily="18" charset="0"/>
-              </a:rPr>
-              <a:t>The model would simultaneously consider multiple factors such as work experience, college major, GPA, and performance on screening tests, to “predict” success</a:t>
-            </a:r>
-            <a:endParaRPr lang="en-US" sz="1800" dirty="0">
-              <a:effectLst/>
-              <a:latin typeface="Cambria" panose="02040503050406030204" pitchFamily="18" charset="0"/>
-              <a:ea typeface="Cambria" panose="02040503050406030204" pitchFamily="18" charset="0"/>
-              <a:cs typeface="Times New Roman" panose="02020603050405020304" pitchFamily="18" charset="0"/>
-            </a:endParaRPr>
-          </a:p>
-          <a:p>
-            <a:pPr marL="0" marR="0">
-              <a:spcBef>
-                <a:spcPts val="0"/>
-              </a:spcBef>
-              <a:spcAft>
-                <a:spcPts val="0"/>
-              </a:spcAft>
-              <a:tabLst>
-                <a:tab pos="-914400" algn="l"/>
-                <a:tab pos="-457200" algn="l"/>
-                <a:tab pos="457200" algn="l"/>
-                <a:tab pos="914400" algn="l"/>
-                <a:tab pos="1371600" algn="l"/>
-                <a:tab pos="1828800" algn="l"/>
-                <a:tab pos="2286000" algn="l"/>
-                <a:tab pos="2743200" algn="l"/>
-                <a:tab pos="3200400" algn="l"/>
-                <a:tab pos="3657600" algn="l"/>
-                <a:tab pos="4114800" algn="l"/>
-                <a:tab pos="4572000" algn="l"/>
-                <a:tab pos="5029200" algn="l"/>
-                <a:tab pos="5486400" algn="l"/>
-                <a:tab pos="5943600" algn="l"/>
-                <a:tab pos="6400800" algn="l"/>
-                <a:tab pos="6858000" algn="l"/>
-              </a:tabLst>
-            </a:pPr>
-            <a:r>
-              <a:rPr lang="en-US" sz="1800" dirty="0">
-                <a:effectLst/>
-                <a:latin typeface="Calibri" panose="020F0502020204030204" pitchFamily="34" charset="0"/>
-                <a:ea typeface="Cambria" panose="02040503050406030204" pitchFamily="18" charset="0"/>
-                <a:cs typeface="Times New Roman" panose="02020603050405020304" pitchFamily="18" charset="0"/>
-              </a:rPr>
-              <a:t> </a:t>
-            </a:r>
-            <a:endParaRPr lang="en-US" sz="1800" dirty="0">
-              <a:effectLst/>
-              <a:latin typeface="Cambria" panose="02040503050406030204" pitchFamily="18" charset="0"/>
-              <a:ea typeface="Cambria" panose="02040503050406030204" pitchFamily="18" charset="0"/>
-              <a:cs typeface="Times New Roman" panose="02020603050405020304" pitchFamily="18" charset="0"/>
-            </a:endParaRPr>
-          </a:p>
-          <a:p>
-            <a:pPr marL="342900" marR="0" lvl="0" indent="-342900">
-              <a:spcBef>
-                <a:spcPts val="0"/>
-              </a:spcBef>
-              <a:spcAft>
-                <a:spcPts val="0"/>
-              </a:spcAft>
-              <a:buFont typeface="Symbol" panose="05050102010706020507" pitchFamily="18" charset="2"/>
-              <a:buChar char=""/>
-              <a:tabLst>
-                <a:tab pos="-914400" algn="l"/>
-                <a:tab pos="-457200" algn="l"/>
-                <a:tab pos="457200" algn="l"/>
-                <a:tab pos="914400" algn="l"/>
-                <a:tab pos="1371600" algn="l"/>
-                <a:tab pos="1828800" algn="l"/>
-                <a:tab pos="2286000" algn="l"/>
-                <a:tab pos="2743200" algn="l"/>
-                <a:tab pos="3200400" algn="l"/>
-                <a:tab pos="3657600" algn="l"/>
-                <a:tab pos="4114800" algn="l"/>
-                <a:tab pos="4572000" algn="l"/>
-                <a:tab pos="5029200" algn="l"/>
-                <a:tab pos="5486400" algn="l"/>
-                <a:tab pos="5943600" algn="l"/>
-                <a:tab pos="6400800" algn="l"/>
-                <a:tab pos="6858000" algn="l"/>
-              </a:tabLst>
-            </a:pPr>
-            <a:r>
-              <a:rPr lang="en-US" sz="1800" dirty="0">
-                <a:effectLst/>
-                <a:latin typeface="Calibri" panose="020F0502020204030204" pitchFamily="34" charset="0"/>
-                <a:ea typeface="Cambria" panose="02040503050406030204" pitchFamily="18" charset="0"/>
-                <a:cs typeface="Times New Roman" panose="02020603050405020304" pitchFamily="18" charset="0"/>
-              </a:rPr>
-              <a:t>This model won’t actually predict whether a particular applicant will do well.  It will simply describe what characteristics have been associated with success for past applicants who  were hired </a:t>
-            </a:r>
-            <a:endParaRPr lang="en-US" sz="1800" dirty="0">
-              <a:effectLst/>
-              <a:latin typeface="Cambria" panose="02040503050406030204" pitchFamily="18" charset="0"/>
-              <a:ea typeface="Cambria" panose="02040503050406030204" pitchFamily="18" charset="0"/>
-              <a:cs typeface="Times New Roman" panose="02020603050405020304" pitchFamily="18" charset="0"/>
-            </a:endParaRPr>
-          </a:p>
-          <a:p>
-            <a:pPr marL="0" marR="0">
-              <a:spcBef>
-                <a:spcPts val="0"/>
-              </a:spcBef>
-              <a:spcAft>
-                <a:spcPts val="0"/>
-              </a:spcAft>
-              <a:tabLst>
-                <a:tab pos="-914400" algn="l"/>
-                <a:tab pos="-457200" algn="l"/>
-                <a:tab pos="457200" algn="l"/>
-                <a:tab pos="914400" algn="l"/>
-                <a:tab pos="1371600" algn="l"/>
-                <a:tab pos="1828800" algn="l"/>
-                <a:tab pos="2286000" algn="l"/>
-                <a:tab pos="2743200" algn="l"/>
-                <a:tab pos="3200400" algn="l"/>
-                <a:tab pos="3657600" algn="l"/>
-                <a:tab pos="4114800" algn="l"/>
-                <a:tab pos="4572000" algn="l"/>
-                <a:tab pos="5029200" algn="l"/>
-                <a:tab pos="5486400" algn="l"/>
-                <a:tab pos="5943600" algn="l"/>
-                <a:tab pos="6400800" algn="l"/>
-                <a:tab pos="6858000" algn="l"/>
-              </a:tabLst>
-            </a:pPr>
-            <a:r>
-              <a:rPr lang="en-US" sz="1800" dirty="0">
-                <a:effectLst/>
-                <a:latin typeface="Calibri" panose="020F0502020204030204" pitchFamily="34" charset="0"/>
-                <a:ea typeface="Cambria" panose="02040503050406030204" pitchFamily="18" charset="0"/>
-                <a:cs typeface="Times New Roman" panose="02020603050405020304" pitchFamily="18" charset="0"/>
-              </a:rPr>
-              <a:t> </a:t>
-            </a:r>
-            <a:endParaRPr lang="en-US" sz="1800" dirty="0">
-              <a:effectLst/>
-              <a:latin typeface="Cambria" panose="02040503050406030204" pitchFamily="18" charset="0"/>
-              <a:ea typeface="Cambria" panose="02040503050406030204" pitchFamily="18" charset="0"/>
-              <a:cs typeface="Times New Roman" panose="02020603050405020304" pitchFamily="18" charset="0"/>
-            </a:endParaRPr>
-          </a:p>
-          <a:p>
-            <a:pPr marL="0" marR="0">
-              <a:spcBef>
-                <a:spcPts val="0"/>
-              </a:spcBef>
-              <a:spcAft>
-                <a:spcPts val="0"/>
-              </a:spcAft>
-              <a:tabLst>
-                <a:tab pos="-914400" algn="l"/>
-                <a:tab pos="-457200" algn="l"/>
-                <a:tab pos="457200" algn="l"/>
-                <a:tab pos="914400" algn="l"/>
-                <a:tab pos="1371600" algn="l"/>
-                <a:tab pos="1828800" algn="l"/>
-                <a:tab pos="2286000" algn="l"/>
-                <a:tab pos="2743200" algn="l"/>
-                <a:tab pos="3200400" algn="l"/>
-                <a:tab pos="3657600" algn="l"/>
-                <a:tab pos="4114800" algn="l"/>
-                <a:tab pos="4572000" algn="l"/>
-                <a:tab pos="5029200" algn="l"/>
-                <a:tab pos="5486400" algn="l"/>
-                <a:tab pos="5943600" algn="l"/>
-                <a:tab pos="6400800" algn="l"/>
-                <a:tab pos="6858000" algn="l"/>
-              </a:tabLst>
-            </a:pPr>
-            <a:r>
-              <a:rPr lang="en-US" sz="1800" b="1" i="1" dirty="0">
-                <a:effectLst/>
-                <a:latin typeface="Calibri" panose="020F0502020204030204" pitchFamily="34" charset="0"/>
-                <a:ea typeface="Cambria" panose="02040503050406030204" pitchFamily="18" charset="0"/>
-                <a:cs typeface="Times New Roman" panose="02020603050405020304" pitchFamily="18" charset="0"/>
-              </a:rPr>
-              <a:t>Identify successful locations:</a:t>
-            </a:r>
-            <a:r>
-              <a:rPr lang="en-US" sz="1800" dirty="0">
-                <a:effectLst/>
-                <a:latin typeface="Calibri" panose="020F0502020204030204" pitchFamily="34" charset="0"/>
-                <a:ea typeface="Cambria" panose="02040503050406030204" pitchFamily="18" charset="0"/>
-                <a:cs typeface="Times New Roman" panose="02020603050405020304" pitchFamily="18" charset="0"/>
-              </a:rPr>
-              <a:t>  Multiple regression can be used to build a model to estimate/predict which retail locations are most likely to be successful for a sandwich shop</a:t>
-            </a:r>
-            <a:endParaRPr lang="en-US" sz="1800" dirty="0">
-              <a:effectLst/>
-              <a:latin typeface="Cambria" panose="02040503050406030204" pitchFamily="18" charset="0"/>
-              <a:ea typeface="Cambria" panose="02040503050406030204" pitchFamily="18" charset="0"/>
-              <a:cs typeface="Times New Roman" panose="02020603050405020304" pitchFamily="18" charset="0"/>
-            </a:endParaRPr>
-          </a:p>
-          <a:p>
-            <a:pPr marL="0" marR="0">
-              <a:spcBef>
-                <a:spcPts val="0"/>
-              </a:spcBef>
-              <a:spcAft>
-                <a:spcPts val="0"/>
-              </a:spcAft>
-              <a:tabLst>
-                <a:tab pos="-914400" algn="l"/>
-                <a:tab pos="-457200" algn="l"/>
-                <a:tab pos="457200" algn="l"/>
-                <a:tab pos="914400" algn="l"/>
-                <a:tab pos="1371600" algn="l"/>
-                <a:tab pos="1828800" algn="l"/>
-                <a:tab pos="2286000" algn="l"/>
-                <a:tab pos="2743200" algn="l"/>
-                <a:tab pos="3200400" algn="l"/>
-                <a:tab pos="3657600" algn="l"/>
-                <a:tab pos="4114800" algn="l"/>
-                <a:tab pos="4572000" algn="l"/>
-                <a:tab pos="5029200" algn="l"/>
-                <a:tab pos="5486400" algn="l"/>
-                <a:tab pos="5943600" algn="l"/>
-                <a:tab pos="6400800" algn="l"/>
-                <a:tab pos="6858000" algn="l"/>
-              </a:tabLst>
-            </a:pPr>
-            <a:r>
-              <a:rPr lang="en-US" sz="1800" dirty="0">
-                <a:effectLst/>
-                <a:latin typeface="Calibri" panose="020F0502020204030204" pitchFamily="34" charset="0"/>
-                <a:ea typeface="Cambria" panose="02040503050406030204" pitchFamily="18" charset="0"/>
-                <a:cs typeface="Times New Roman" panose="02020603050405020304" pitchFamily="18" charset="0"/>
-              </a:rPr>
-              <a:t> </a:t>
-            </a:r>
-            <a:endParaRPr lang="en-US" sz="1800" dirty="0">
-              <a:effectLst/>
-              <a:latin typeface="Cambria" panose="02040503050406030204" pitchFamily="18" charset="0"/>
-              <a:ea typeface="Cambria" panose="02040503050406030204" pitchFamily="18" charset="0"/>
-              <a:cs typeface="Times New Roman" panose="02020603050405020304" pitchFamily="18" charset="0"/>
-            </a:endParaRPr>
-          </a:p>
-          <a:p>
-            <a:pPr marL="342900" marR="0" lvl="0" indent="-342900">
-              <a:spcBef>
-                <a:spcPts val="0"/>
-              </a:spcBef>
-              <a:spcAft>
-                <a:spcPts val="0"/>
-              </a:spcAft>
-              <a:buFont typeface="Symbol" panose="05050102010706020507" pitchFamily="18" charset="2"/>
-              <a:buChar char=""/>
-              <a:tabLst>
-                <a:tab pos="-914400" algn="l"/>
-                <a:tab pos="-457200" algn="l"/>
-                <a:tab pos="457200" algn="l"/>
-                <a:tab pos="914400" algn="l"/>
-                <a:tab pos="1371600" algn="l"/>
-                <a:tab pos="1828800" algn="l"/>
-                <a:tab pos="2286000" algn="l"/>
-                <a:tab pos="2743200" algn="l"/>
-                <a:tab pos="3200400" algn="l"/>
-                <a:tab pos="3657600" algn="l"/>
-                <a:tab pos="4114800" algn="l"/>
-                <a:tab pos="4572000" algn="l"/>
-                <a:tab pos="5029200" algn="l"/>
-                <a:tab pos="5486400" algn="l"/>
-                <a:tab pos="5943600" algn="l"/>
-                <a:tab pos="6400800" algn="l"/>
-                <a:tab pos="6858000" algn="l"/>
-              </a:tabLst>
-            </a:pPr>
-            <a:r>
-              <a:rPr lang="en-US" sz="1800" dirty="0">
-                <a:effectLst/>
-                <a:latin typeface="Calibri" panose="020F0502020204030204" pitchFamily="34" charset="0"/>
-                <a:ea typeface="Cambria" panose="02040503050406030204" pitchFamily="18" charset="0"/>
-                <a:cs typeface="Times New Roman" panose="02020603050405020304" pitchFamily="18" charset="0"/>
-              </a:rPr>
-              <a:t>Variables in the model might be amount of foot traffic, amount of auto traffic, proximity of competitors, demographic characteristics of nearby residents, local economic conditions, etc.</a:t>
-            </a:r>
-            <a:endParaRPr lang="en-US" sz="1800" dirty="0">
-              <a:effectLst/>
-              <a:latin typeface="Cambria" panose="02040503050406030204" pitchFamily="18" charset="0"/>
-              <a:ea typeface="Cambria" panose="02040503050406030204" pitchFamily="18" charset="0"/>
-              <a:cs typeface="Times New Roman" panose="02020603050405020304" pitchFamily="18" charset="0"/>
-            </a:endParaRPr>
-          </a:p>
-          <a:p>
-            <a:pPr marL="0" marR="0">
-              <a:spcBef>
-                <a:spcPts val="0"/>
-              </a:spcBef>
-              <a:spcAft>
-                <a:spcPts val="0"/>
-              </a:spcAft>
-              <a:tabLst>
-                <a:tab pos="-914400" algn="l"/>
-                <a:tab pos="-457200" algn="l"/>
-                <a:tab pos="457200" algn="l"/>
-                <a:tab pos="914400" algn="l"/>
-                <a:tab pos="1371600" algn="l"/>
-                <a:tab pos="1828800" algn="l"/>
-                <a:tab pos="2286000" algn="l"/>
-                <a:tab pos="2743200" algn="l"/>
-                <a:tab pos="3200400" algn="l"/>
-                <a:tab pos="3657600" algn="l"/>
-                <a:tab pos="4114800" algn="l"/>
-                <a:tab pos="4572000" algn="l"/>
-                <a:tab pos="5029200" algn="l"/>
-                <a:tab pos="5486400" algn="l"/>
-                <a:tab pos="5943600" algn="l"/>
-                <a:tab pos="6400800" algn="l"/>
-                <a:tab pos="6858000" algn="l"/>
-              </a:tabLst>
-            </a:pPr>
-            <a:r>
-              <a:rPr lang="en-US" sz="1800" dirty="0">
-                <a:effectLst/>
-                <a:latin typeface="Calibri" panose="020F0502020204030204" pitchFamily="34" charset="0"/>
-                <a:ea typeface="Cambria" panose="02040503050406030204" pitchFamily="18" charset="0"/>
-                <a:cs typeface="Times New Roman" panose="02020603050405020304" pitchFamily="18" charset="0"/>
-              </a:rPr>
-              <a:t> </a:t>
-            </a:r>
-            <a:endParaRPr lang="en-US" sz="1800" dirty="0">
-              <a:effectLst/>
-              <a:latin typeface="Cambria" panose="02040503050406030204" pitchFamily="18" charset="0"/>
-              <a:ea typeface="Cambria" panose="02040503050406030204" pitchFamily="18" charset="0"/>
-              <a:cs typeface="Times New Roman" panose="02020603050405020304" pitchFamily="18" charset="0"/>
-            </a:endParaRPr>
-          </a:p>
-          <a:p>
-            <a:pPr marL="342900" marR="0" lvl="0" indent="-342900">
-              <a:spcBef>
-                <a:spcPts val="0"/>
-              </a:spcBef>
-              <a:spcAft>
-                <a:spcPts val="0"/>
-              </a:spcAft>
-              <a:buFont typeface="Symbol" panose="05050102010706020507" pitchFamily="18" charset="2"/>
-              <a:buChar char=""/>
-              <a:tabLst>
-                <a:tab pos="-914400" algn="l"/>
-                <a:tab pos="-457200" algn="l"/>
-                <a:tab pos="457200" algn="l"/>
-                <a:tab pos="914400" algn="l"/>
-                <a:tab pos="1371600" algn="l"/>
-                <a:tab pos="1828800" algn="l"/>
-                <a:tab pos="2286000" algn="l"/>
-                <a:tab pos="2743200" algn="l"/>
-                <a:tab pos="3200400" algn="l"/>
-                <a:tab pos="3657600" algn="l"/>
-                <a:tab pos="4114800" algn="l"/>
-                <a:tab pos="4572000" algn="l"/>
-                <a:tab pos="5029200" algn="l"/>
-                <a:tab pos="5486400" algn="l"/>
-                <a:tab pos="5943600" algn="l"/>
-                <a:tab pos="6400800" algn="l"/>
-                <a:tab pos="6858000" algn="l"/>
-              </a:tabLst>
-            </a:pPr>
-            <a:r>
-              <a:rPr lang="en-US" sz="1800" dirty="0">
-                <a:effectLst/>
-                <a:latin typeface="Calibri" panose="020F0502020204030204" pitchFamily="34" charset="0"/>
-                <a:ea typeface="Cambria" panose="02040503050406030204" pitchFamily="18" charset="0"/>
-                <a:cs typeface="Times New Roman" panose="02020603050405020304" pitchFamily="18" charset="0"/>
-              </a:rPr>
-              <a:t>Again, this model won’t actually predict success, but is a guide describing what’s been successful in the past that helps the company make guesses for the future</a:t>
-            </a:r>
-            <a:endParaRPr lang="en-US" sz="1800" dirty="0">
-              <a:effectLst/>
-              <a:latin typeface="Cambria" panose="02040503050406030204" pitchFamily="18" charset="0"/>
-              <a:ea typeface="Cambria" panose="02040503050406030204" pitchFamily="18" charset="0"/>
-              <a:cs typeface="Times New Roman" panose="02020603050405020304" pitchFamily="18" charset="0"/>
-            </a:endParaRPr>
-          </a:p>
-          <a:p>
-            <a:pPr marL="0" marR="0">
-              <a:spcBef>
-                <a:spcPts val="0"/>
-              </a:spcBef>
-              <a:spcAft>
-                <a:spcPts val="0"/>
-              </a:spcAft>
-            </a:pPr>
-            <a:r>
-              <a:rPr lang="en-US" sz="1800" dirty="0">
-                <a:effectLst/>
-                <a:latin typeface="Calibri" panose="020F0502020204030204" pitchFamily="34" charset="0"/>
-                <a:ea typeface="Cambria" panose="02040503050406030204" pitchFamily="18" charset="0"/>
-                <a:cs typeface="Times New Roman" panose="02020603050405020304" pitchFamily="18" charset="0"/>
-              </a:rPr>
-              <a:t> </a:t>
-            </a:r>
-            <a:endParaRPr lang="en-US" sz="1800" dirty="0">
-              <a:effectLst/>
-              <a:latin typeface="Cambria" panose="02040503050406030204" pitchFamily="18" charset="0"/>
-              <a:ea typeface="Cambria" panose="02040503050406030204" pitchFamily="18" charset="0"/>
-              <a:cs typeface="Times New Roman" panose="02020603050405020304" pitchFamily="18" charset="0"/>
-            </a:endParaRPr>
-          </a:p>
-          <a:p>
-            <a:pPr marL="0" marR="0">
-              <a:spcBef>
-                <a:spcPts val="0"/>
-              </a:spcBef>
-              <a:spcAft>
-                <a:spcPts val="0"/>
-              </a:spcAft>
-              <a:tabLst>
-                <a:tab pos="-914400" algn="l"/>
-                <a:tab pos="-457200" algn="l"/>
-                <a:tab pos="457200" algn="l"/>
-                <a:tab pos="914400" algn="l"/>
-                <a:tab pos="1371600" algn="l"/>
-                <a:tab pos="1828800" algn="l"/>
-                <a:tab pos="2286000" algn="l"/>
-                <a:tab pos="2743200" algn="l"/>
-                <a:tab pos="3200400" algn="l"/>
-                <a:tab pos="3657600" algn="l"/>
-                <a:tab pos="4114800" algn="l"/>
-                <a:tab pos="4572000" algn="l"/>
-                <a:tab pos="5029200" algn="l"/>
-                <a:tab pos="5486400" algn="l"/>
-                <a:tab pos="5943600" algn="l"/>
-                <a:tab pos="6400800" algn="l"/>
-                <a:tab pos="6858000" algn="l"/>
-              </a:tabLst>
-            </a:pPr>
-            <a:r>
-              <a:rPr lang="en-US" sz="1800" b="1" i="1" dirty="0">
-                <a:effectLst/>
-                <a:latin typeface="Calibri" panose="020F0502020204030204" pitchFamily="34" charset="0"/>
-                <a:ea typeface="Cambria" panose="02040503050406030204" pitchFamily="18" charset="0"/>
-                <a:cs typeface="Times New Roman" panose="02020603050405020304" pitchFamily="18" charset="0"/>
-              </a:rPr>
-              <a:t>Factors associated with video streaming service use:</a:t>
-            </a:r>
-            <a:r>
-              <a:rPr lang="en-US" sz="1800" dirty="0">
-                <a:effectLst/>
-                <a:latin typeface="Calibri" panose="020F0502020204030204" pitchFamily="34" charset="0"/>
-                <a:ea typeface="Cambria" panose="02040503050406030204" pitchFamily="18" charset="0"/>
-                <a:cs typeface="Times New Roman" panose="02020603050405020304" pitchFamily="18" charset="0"/>
-              </a:rPr>
-              <a:t>  Multiple regression can be used to identify the characteristics of people who are heavy users of video streaming services </a:t>
-            </a:r>
-            <a:endParaRPr lang="en-US" sz="1800" dirty="0">
-              <a:effectLst/>
-              <a:latin typeface="Cambria" panose="02040503050406030204" pitchFamily="18" charset="0"/>
-              <a:ea typeface="Cambria" panose="02040503050406030204" pitchFamily="18" charset="0"/>
-              <a:cs typeface="Times New Roman" panose="02020603050405020304" pitchFamily="18" charset="0"/>
-            </a:endParaRPr>
-          </a:p>
-          <a:p>
-            <a:pPr marL="0" marR="0">
-              <a:spcBef>
-                <a:spcPts val="0"/>
-              </a:spcBef>
-              <a:spcAft>
-                <a:spcPts val="0"/>
-              </a:spcAft>
-              <a:tabLst>
-                <a:tab pos="-914400" algn="l"/>
-                <a:tab pos="-457200" algn="l"/>
-                <a:tab pos="457200" algn="l"/>
-                <a:tab pos="914400" algn="l"/>
-                <a:tab pos="1371600" algn="l"/>
-                <a:tab pos="1828800" algn="l"/>
-                <a:tab pos="2286000" algn="l"/>
-                <a:tab pos="2743200" algn="l"/>
-                <a:tab pos="3200400" algn="l"/>
-                <a:tab pos="3657600" algn="l"/>
-                <a:tab pos="4114800" algn="l"/>
-                <a:tab pos="4572000" algn="l"/>
-                <a:tab pos="5029200" algn="l"/>
-                <a:tab pos="5486400" algn="l"/>
-                <a:tab pos="5943600" algn="l"/>
-                <a:tab pos="6400800" algn="l"/>
-                <a:tab pos="6858000" algn="l"/>
-              </a:tabLst>
-            </a:pPr>
-            <a:r>
-              <a:rPr lang="en-US" sz="1800" dirty="0">
-                <a:effectLst/>
-                <a:latin typeface="Calibri" panose="020F0502020204030204" pitchFamily="34" charset="0"/>
-                <a:ea typeface="Cambria" panose="02040503050406030204" pitchFamily="18" charset="0"/>
-                <a:cs typeface="Times New Roman" panose="02020603050405020304" pitchFamily="18" charset="0"/>
-              </a:rPr>
-              <a:t> </a:t>
-            </a:r>
-            <a:endParaRPr lang="en-US" sz="1800" dirty="0">
-              <a:effectLst/>
-              <a:latin typeface="Cambria" panose="02040503050406030204" pitchFamily="18" charset="0"/>
-              <a:ea typeface="Cambria" panose="02040503050406030204" pitchFamily="18" charset="0"/>
-              <a:cs typeface="Times New Roman" panose="02020603050405020304" pitchFamily="18" charset="0"/>
-            </a:endParaRPr>
-          </a:p>
-          <a:p>
-            <a:pPr marL="342900" marR="0" lvl="0" indent="-342900">
-              <a:spcBef>
-                <a:spcPts val="0"/>
-              </a:spcBef>
-              <a:spcAft>
-                <a:spcPts val="0"/>
-              </a:spcAft>
-              <a:buFont typeface="Symbol" panose="05050102010706020507" pitchFamily="18" charset="2"/>
-              <a:buChar char=""/>
-              <a:tabLst>
-                <a:tab pos="-914400" algn="l"/>
-                <a:tab pos="-457200" algn="l"/>
-                <a:tab pos="457200" algn="l"/>
-                <a:tab pos="914400" algn="l"/>
-                <a:tab pos="1371600" algn="l"/>
-                <a:tab pos="1828800" algn="l"/>
-                <a:tab pos="2286000" algn="l"/>
-                <a:tab pos="2743200" algn="l"/>
-                <a:tab pos="3200400" algn="l"/>
-                <a:tab pos="3657600" algn="l"/>
-                <a:tab pos="4114800" algn="l"/>
-                <a:tab pos="4572000" algn="l"/>
-                <a:tab pos="5029200" algn="l"/>
-                <a:tab pos="5486400" algn="l"/>
-                <a:tab pos="5943600" algn="l"/>
-                <a:tab pos="6400800" algn="l"/>
-                <a:tab pos="6858000" algn="l"/>
-              </a:tabLst>
-            </a:pPr>
-            <a:r>
-              <a:rPr lang="en-US" sz="1800" dirty="0">
-                <a:effectLst/>
-                <a:latin typeface="Calibri" panose="020F0502020204030204" pitchFamily="34" charset="0"/>
-                <a:ea typeface="Cambria" panose="02040503050406030204" pitchFamily="18" charset="0"/>
-                <a:cs typeface="Times New Roman" panose="02020603050405020304" pitchFamily="18" charset="0"/>
-              </a:rPr>
-              <a:t>Variables in the model might include age, hours of paid employment per week, availability of alternative entertainment options nearby, marital or dating status, and whether the person has children living at home </a:t>
-            </a:r>
-            <a:endParaRPr lang="en-US" sz="1800" dirty="0">
-              <a:effectLst/>
-              <a:latin typeface="Cambria" panose="02040503050406030204" pitchFamily="18" charset="0"/>
-              <a:ea typeface="Cambria" panose="02040503050406030204" pitchFamily="18" charset="0"/>
-              <a:cs typeface="Times New Roman" panose="02020603050405020304" pitchFamily="18" charset="0"/>
-            </a:endParaRPr>
-          </a:p>
-          <a:p>
-            <a:pPr marL="0" marR="0">
-              <a:spcBef>
-                <a:spcPts val="0"/>
-              </a:spcBef>
-              <a:spcAft>
-                <a:spcPts val="0"/>
-              </a:spcAft>
-              <a:tabLst>
-                <a:tab pos="-914400" algn="l"/>
-                <a:tab pos="-457200" algn="l"/>
-                <a:tab pos="457200" algn="l"/>
-                <a:tab pos="914400" algn="l"/>
-                <a:tab pos="1371600" algn="l"/>
-                <a:tab pos="1828800" algn="l"/>
-                <a:tab pos="2286000" algn="l"/>
-                <a:tab pos="2743200" algn="l"/>
-                <a:tab pos="3200400" algn="l"/>
-                <a:tab pos="3657600" algn="l"/>
-                <a:tab pos="4114800" algn="l"/>
-                <a:tab pos="4572000" algn="l"/>
-                <a:tab pos="5029200" algn="l"/>
-                <a:tab pos="5486400" algn="l"/>
-                <a:tab pos="5943600" algn="l"/>
-                <a:tab pos="6400800" algn="l"/>
-                <a:tab pos="6858000" algn="l"/>
-              </a:tabLst>
-            </a:pPr>
-            <a:r>
-              <a:rPr lang="en-US" sz="1800" dirty="0">
-                <a:effectLst/>
-                <a:latin typeface="Calibri" panose="020F0502020204030204" pitchFamily="34" charset="0"/>
-                <a:ea typeface="Cambria" panose="02040503050406030204" pitchFamily="18" charset="0"/>
-                <a:cs typeface="Times New Roman" panose="02020603050405020304" pitchFamily="18" charset="0"/>
-              </a:rPr>
-              <a:t> </a:t>
-            </a:r>
-            <a:endParaRPr lang="en-US" sz="1800" dirty="0">
-              <a:effectLst/>
-              <a:latin typeface="Cambria" panose="02040503050406030204" pitchFamily="18" charset="0"/>
-              <a:ea typeface="Cambria" panose="02040503050406030204" pitchFamily="18" charset="0"/>
-              <a:cs typeface="Times New Roman" panose="02020603050405020304" pitchFamily="18" charset="0"/>
-            </a:endParaRPr>
-          </a:p>
-          <a:p>
-            <a:pPr marL="342900" marR="0" lvl="0" indent="-342900">
-              <a:spcBef>
-                <a:spcPts val="0"/>
-              </a:spcBef>
-              <a:spcAft>
-                <a:spcPts val="0"/>
-              </a:spcAft>
-              <a:buFont typeface="Symbol" panose="05050102010706020507" pitchFamily="18" charset="2"/>
-              <a:buChar char=""/>
-              <a:tabLst>
-                <a:tab pos="-914400" algn="l"/>
-                <a:tab pos="-457200" algn="l"/>
-                <a:tab pos="457200" algn="l"/>
-                <a:tab pos="914400" algn="l"/>
-                <a:tab pos="1371600" algn="l"/>
-                <a:tab pos="1828800" algn="l"/>
-                <a:tab pos="2286000" algn="l"/>
-                <a:tab pos="2743200" algn="l"/>
-                <a:tab pos="3200400" algn="l"/>
-                <a:tab pos="3657600" algn="l"/>
-                <a:tab pos="4114800" algn="l"/>
-                <a:tab pos="4572000" algn="l"/>
-                <a:tab pos="5029200" algn="l"/>
-                <a:tab pos="5486400" algn="l"/>
-                <a:tab pos="5943600" algn="l"/>
-                <a:tab pos="6400800" algn="l"/>
-                <a:tab pos="6858000" algn="l"/>
-              </a:tabLst>
-            </a:pPr>
-            <a:r>
-              <a:rPr lang="en-US" sz="1800" dirty="0">
-                <a:effectLst/>
-                <a:latin typeface="Calibri" panose="020F0502020204030204" pitchFamily="34" charset="0"/>
-                <a:ea typeface="Cambria" panose="02040503050406030204" pitchFamily="18" charset="0"/>
-                <a:cs typeface="Times New Roman" panose="02020603050405020304" pitchFamily="18" charset="0"/>
-              </a:rPr>
-              <a:t>This model will indicate which characteristics are most strongly associated with video streaming service use at the time the data were collected; if the environment changes, the model would no longer be valid</a:t>
-            </a:r>
-          </a:p>
-          <a:p>
-            <a:pPr marL="342900" marR="0" lvl="0" indent="-342900">
-              <a:spcBef>
-                <a:spcPts val="0"/>
-              </a:spcBef>
-              <a:spcAft>
-                <a:spcPts val="0"/>
-              </a:spcAft>
-              <a:buFont typeface="Symbol" panose="05050102010706020507" pitchFamily="18" charset="2"/>
-              <a:buChar char=""/>
-              <a:tabLst>
-                <a:tab pos="-914400" algn="l"/>
-                <a:tab pos="-457200" algn="l"/>
-                <a:tab pos="457200" algn="l"/>
-                <a:tab pos="914400" algn="l"/>
-                <a:tab pos="1371600" algn="l"/>
-                <a:tab pos="1828800" algn="l"/>
-                <a:tab pos="2286000" algn="l"/>
-                <a:tab pos="2743200" algn="l"/>
-                <a:tab pos="3200400" algn="l"/>
-                <a:tab pos="3657600" algn="l"/>
-                <a:tab pos="4114800" algn="l"/>
-                <a:tab pos="4572000" algn="l"/>
-                <a:tab pos="5029200" algn="l"/>
-                <a:tab pos="5486400" algn="l"/>
-                <a:tab pos="5943600" algn="l"/>
-                <a:tab pos="6400800" algn="l"/>
-                <a:tab pos="6858000" algn="l"/>
-              </a:tabLst>
-            </a:pPr>
-            <a:endParaRPr lang="en-US" sz="1800" dirty="0">
-              <a:effectLst/>
-              <a:latin typeface="Calibri" panose="020F0502020204030204" pitchFamily="34" charset="0"/>
-              <a:ea typeface="Cambria" panose="02040503050406030204" pitchFamily="18" charset="0"/>
-              <a:cs typeface="Times New Roman" panose="02020603050405020304" pitchFamily="18" charset="0"/>
-            </a:endParaRPr>
-          </a:p>
-          <a:p>
-            <a:pPr marL="0" marR="0" lvl="0" indent="0">
-              <a:spcBef>
-                <a:spcPts val="0"/>
-              </a:spcBef>
-              <a:spcAft>
-                <a:spcPts val="0"/>
-              </a:spcAft>
-              <a:buFont typeface="Symbol" panose="05050102010706020507" pitchFamily="18" charset="2"/>
-              <a:buNone/>
-              <a:tabLst>
-                <a:tab pos="-914400" algn="l"/>
-                <a:tab pos="-457200" algn="l"/>
-                <a:tab pos="457200" algn="l"/>
-                <a:tab pos="914400" algn="l"/>
-                <a:tab pos="1371600" algn="l"/>
-                <a:tab pos="1828800" algn="l"/>
-                <a:tab pos="2286000" algn="l"/>
-                <a:tab pos="2743200" algn="l"/>
-                <a:tab pos="3200400" algn="l"/>
-                <a:tab pos="3657600" algn="l"/>
-                <a:tab pos="4114800" algn="l"/>
-                <a:tab pos="4572000" algn="l"/>
-                <a:tab pos="5029200" algn="l"/>
-                <a:tab pos="5486400" algn="l"/>
-                <a:tab pos="5943600" algn="l"/>
-                <a:tab pos="6400800" algn="l"/>
-                <a:tab pos="6858000" algn="l"/>
-              </a:tabLst>
-            </a:pPr>
-            <a:r>
-              <a:rPr lang="en-US" sz="1800" dirty="0">
-                <a:effectLst/>
-                <a:latin typeface="Calibri" panose="020F0502020204030204" pitchFamily="34" charset="0"/>
-                <a:ea typeface="Cambria" panose="02040503050406030204" pitchFamily="18" charset="0"/>
-                <a:cs typeface="Times New Roman" panose="02020603050405020304" pitchFamily="18" charset="0"/>
-              </a:rPr>
-              <a:t>2006, Netflix announced their competition to </a:t>
-            </a:r>
-            <a:r>
-              <a:rPr lang="en-US" sz="2800" b="0" i="0" dirty="0">
-                <a:solidFill>
-                  <a:srgbClr val="333333"/>
-                </a:solidFill>
-                <a:effectLst/>
-                <a:latin typeface="georgia" panose="02040502050405020303" pitchFamily="18" charset="0"/>
-              </a:rPr>
-              <a:t>come up with a recommendation software that could do a better job accurately predicting the movies customers would like than Netflix’s in-house software</a:t>
-            </a:r>
-          </a:p>
-          <a:p>
-            <a:pPr marL="0" marR="0" lvl="0" indent="0">
-              <a:spcBef>
-                <a:spcPts val="0"/>
-              </a:spcBef>
-              <a:spcAft>
-                <a:spcPts val="0"/>
-              </a:spcAft>
-              <a:buFont typeface="Symbol" panose="05050102010706020507" pitchFamily="18" charset="2"/>
-              <a:buNone/>
-              <a:tabLst>
-                <a:tab pos="-914400" algn="l"/>
-                <a:tab pos="-457200" algn="l"/>
-                <a:tab pos="457200" algn="l"/>
-                <a:tab pos="914400" algn="l"/>
-                <a:tab pos="1371600" algn="l"/>
-                <a:tab pos="1828800" algn="l"/>
-                <a:tab pos="2286000" algn="l"/>
-                <a:tab pos="2743200" algn="l"/>
-                <a:tab pos="3200400" algn="l"/>
-                <a:tab pos="3657600" algn="l"/>
-                <a:tab pos="4114800" algn="l"/>
-                <a:tab pos="4572000" algn="l"/>
-                <a:tab pos="5029200" algn="l"/>
-                <a:tab pos="5486400" algn="l"/>
-                <a:tab pos="5943600" algn="l"/>
-                <a:tab pos="6400800" algn="l"/>
-                <a:tab pos="6858000" algn="l"/>
-              </a:tabLst>
-            </a:pPr>
-            <a:endParaRPr lang="en-US" sz="1800" dirty="0">
-              <a:effectLst/>
-              <a:latin typeface="Calibri" panose="020F0502020204030204" pitchFamily="34" charset="0"/>
-              <a:ea typeface="Cambria" panose="02040503050406030204" pitchFamily="18" charset="0"/>
-              <a:cs typeface="Times New Roman" panose="02020603050405020304" pitchFamily="18" charset="0"/>
-            </a:endParaRPr>
-          </a:p>
-          <a:p>
-            <a:pPr marL="0" marR="0" lvl="0" indent="0">
-              <a:spcBef>
-                <a:spcPts val="0"/>
-              </a:spcBef>
-              <a:spcAft>
-                <a:spcPts val="0"/>
-              </a:spcAft>
-              <a:buFont typeface="Symbol" panose="05050102010706020507" pitchFamily="18" charset="2"/>
-              <a:buNone/>
-              <a:tabLst>
-                <a:tab pos="-914400" algn="l"/>
-                <a:tab pos="-457200" algn="l"/>
-                <a:tab pos="457200" algn="l"/>
-                <a:tab pos="914400" algn="l"/>
-                <a:tab pos="1371600" algn="l"/>
-                <a:tab pos="1828800" algn="l"/>
-                <a:tab pos="2286000" algn="l"/>
-                <a:tab pos="2743200" algn="l"/>
-                <a:tab pos="3200400" algn="l"/>
-                <a:tab pos="3657600" algn="l"/>
-                <a:tab pos="4114800" algn="l"/>
-                <a:tab pos="4572000" algn="l"/>
-                <a:tab pos="5029200" algn="l"/>
-                <a:tab pos="5486400" algn="l"/>
-                <a:tab pos="5943600" algn="l"/>
-                <a:tab pos="6400800" algn="l"/>
-                <a:tab pos="6858000" algn="l"/>
-              </a:tabLst>
-            </a:pPr>
-            <a:r>
-              <a:rPr lang="en-US" sz="1800" dirty="0">
-                <a:effectLst/>
-                <a:latin typeface="Calibri" panose="020F0502020204030204" pitchFamily="34" charset="0"/>
-                <a:ea typeface="Cambria" panose="02040503050406030204" pitchFamily="18" charset="0"/>
-                <a:cs typeface="Times New Roman" panose="02020603050405020304" pitchFamily="18" charset="0"/>
-              </a:rPr>
-              <a:t>https://bits.blogs.nytimes.com/2009/09/21/netflix-awards-1-million-prize-and-starts-a-new-contest/</a:t>
-            </a:r>
-          </a:p>
-          <a:p>
-            <a:pPr marL="0" marR="0" lvl="0" indent="0">
-              <a:spcBef>
-                <a:spcPts val="0"/>
-              </a:spcBef>
-              <a:spcAft>
-                <a:spcPts val="0"/>
-              </a:spcAft>
-              <a:buFont typeface="Symbol" panose="05050102010706020507" pitchFamily="18" charset="2"/>
-              <a:buNone/>
-              <a:tabLst>
-                <a:tab pos="-914400" algn="l"/>
-                <a:tab pos="-457200" algn="l"/>
-                <a:tab pos="457200" algn="l"/>
-                <a:tab pos="914400" algn="l"/>
-                <a:tab pos="1371600" algn="l"/>
-                <a:tab pos="1828800" algn="l"/>
-                <a:tab pos="2286000" algn="l"/>
-                <a:tab pos="2743200" algn="l"/>
-                <a:tab pos="3200400" algn="l"/>
-                <a:tab pos="3657600" algn="l"/>
-                <a:tab pos="4114800" algn="l"/>
-                <a:tab pos="4572000" algn="l"/>
-                <a:tab pos="5029200" algn="l"/>
-                <a:tab pos="5486400" algn="l"/>
-                <a:tab pos="5943600" algn="l"/>
-                <a:tab pos="6400800" algn="l"/>
-                <a:tab pos="6858000" algn="l"/>
-              </a:tabLst>
-            </a:pPr>
-            <a:endParaRPr lang="en-US" sz="1800" dirty="0">
-              <a:effectLst/>
-              <a:latin typeface="Calibri" panose="020F0502020204030204" pitchFamily="34" charset="0"/>
-              <a:ea typeface="Cambria" panose="02040503050406030204" pitchFamily="18" charset="0"/>
-              <a:cs typeface="Times New Roman" panose="02020603050405020304" pitchFamily="18" charset="0"/>
-            </a:endParaRPr>
-          </a:p>
-          <a:p>
-            <a:pPr marL="0" marR="0" lvl="0" indent="0">
-              <a:spcBef>
-                <a:spcPts val="0"/>
-              </a:spcBef>
-              <a:spcAft>
-                <a:spcPts val="0"/>
-              </a:spcAft>
-              <a:buFont typeface="Symbol" panose="05050102010706020507" pitchFamily="18" charset="2"/>
-              <a:buNone/>
-              <a:tabLst>
-                <a:tab pos="-914400" algn="l"/>
-                <a:tab pos="-457200" algn="l"/>
-                <a:tab pos="457200" algn="l"/>
-                <a:tab pos="914400" algn="l"/>
-                <a:tab pos="1371600" algn="l"/>
-                <a:tab pos="1828800" algn="l"/>
-                <a:tab pos="2286000" algn="l"/>
-                <a:tab pos="2743200" algn="l"/>
-                <a:tab pos="3200400" algn="l"/>
-                <a:tab pos="3657600" algn="l"/>
-                <a:tab pos="4114800" algn="l"/>
-                <a:tab pos="4572000" algn="l"/>
-                <a:tab pos="5029200" algn="l"/>
-                <a:tab pos="5486400" algn="l"/>
-                <a:tab pos="5943600" algn="l"/>
-                <a:tab pos="6400800" algn="l"/>
-                <a:tab pos="6858000" algn="l"/>
-              </a:tabLst>
-            </a:pPr>
-            <a:r>
-              <a:rPr lang="en-US" sz="1800" dirty="0">
-                <a:effectLst/>
-                <a:latin typeface="Calibri" panose="020F0502020204030204" pitchFamily="34" charset="0"/>
-                <a:ea typeface="Cambria" panose="02040503050406030204" pitchFamily="18" charset="0"/>
-                <a:cs typeface="Times New Roman" panose="02020603050405020304" pitchFamily="18" charset="0"/>
-              </a:rPr>
-              <a:t>Interestingly, the algorithm has never been used due to engineering costs (https://www.wired.com/2012/04/netflix-prize-costs/) </a:t>
-            </a:r>
-          </a:p>
-          <a:p>
-            <a:pPr marL="0" marR="0" lvl="0" indent="0">
-              <a:spcBef>
-                <a:spcPts val="0"/>
-              </a:spcBef>
-              <a:spcAft>
-                <a:spcPts val="0"/>
-              </a:spcAft>
-              <a:buFont typeface="Symbol" panose="05050102010706020507" pitchFamily="18" charset="2"/>
-              <a:buNone/>
-              <a:tabLst>
-                <a:tab pos="-914400" algn="l"/>
-                <a:tab pos="-457200" algn="l"/>
-                <a:tab pos="457200" algn="l"/>
-                <a:tab pos="914400" algn="l"/>
-                <a:tab pos="1371600" algn="l"/>
-                <a:tab pos="1828800" algn="l"/>
-                <a:tab pos="2286000" algn="l"/>
-                <a:tab pos="2743200" algn="l"/>
-                <a:tab pos="3200400" algn="l"/>
-                <a:tab pos="3657600" algn="l"/>
-                <a:tab pos="4114800" algn="l"/>
-                <a:tab pos="4572000" algn="l"/>
-                <a:tab pos="5029200" algn="l"/>
-                <a:tab pos="5486400" algn="l"/>
-                <a:tab pos="5943600" algn="l"/>
-                <a:tab pos="6400800" algn="l"/>
-                <a:tab pos="6858000" algn="l"/>
-              </a:tabLst>
-            </a:pPr>
-            <a:endParaRPr lang="en-US" sz="1800" dirty="0">
-              <a:effectLst/>
-              <a:latin typeface="Calibri" panose="020F0502020204030204" pitchFamily="34" charset="0"/>
-              <a:ea typeface="Cambria" panose="02040503050406030204" pitchFamily="18" charset="0"/>
-              <a:cs typeface="Times New Roman" panose="02020603050405020304" pitchFamily="18" charset="0"/>
-            </a:endParaRPr>
-          </a:p>
-          <a:p>
-            <a:pPr marL="0" marR="0" lvl="0" indent="0">
-              <a:spcBef>
-                <a:spcPts val="0"/>
-              </a:spcBef>
-              <a:spcAft>
-                <a:spcPts val="0"/>
-              </a:spcAft>
-              <a:buFont typeface="Symbol" panose="05050102010706020507" pitchFamily="18" charset="2"/>
-              <a:buNone/>
-              <a:tabLst>
-                <a:tab pos="-914400" algn="l"/>
-                <a:tab pos="-457200" algn="l"/>
-                <a:tab pos="457200" algn="l"/>
-                <a:tab pos="914400" algn="l"/>
-                <a:tab pos="1371600" algn="l"/>
-                <a:tab pos="1828800" algn="l"/>
-                <a:tab pos="2286000" algn="l"/>
-                <a:tab pos="2743200" algn="l"/>
-                <a:tab pos="3200400" algn="l"/>
-                <a:tab pos="3657600" algn="l"/>
-                <a:tab pos="4114800" algn="l"/>
-                <a:tab pos="4572000" algn="l"/>
-                <a:tab pos="5029200" algn="l"/>
-                <a:tab pos="5486400" algn="l"/>
-                <a:tab pos="5943600" algn="l"/>
-                <a:tab pos="6400800" algn="l"/>
-                <a:tab pos="6858000" algn="l"/>
-              </a:tabLst>
-            </a:pPr>
-            <a:endParaRPr lang="en-US" sz="1800" dirty="0">
-              <a:effectLst/>
-              <a:latin typeface="Cambria" panose="02040503050406030204" pitchFamily="18" charset="0"/>
-              <a:ea typeface="Cambria" panose="02040503050406030204" pitchFamily="18" charset="0"/>
-              <a:cs typeface="Times New Roman" panose="02020603050405020304" pitchFamily="18" charset="0"/>
-            </a:endParaRPr>
-          </a:p>
-          <a:p>
-            <a:endParaRPr lang="en-US" dirty="0"/>
+            <a:r>
+              <a:rPr lang="en-US" dirty="0"/>
+              <a:t>Go over the Multiple regression doc</a:t>
+            </a:r>
           </a:p>
         </p:txBody>
       </p:sp>
@@ -3699,7 +2570,7 @@
           <a:p>
             <a:fld id="{BC849E9A-41F7-4779-A581-48A7C374A227}" type="slidenum">
               <a:rPr lang="en-US" smtClean="0"/>
-              <a:t>9</a:t>
+              <a:t>7</a:t>
             </a:fld>
             <a:endParaRPr lang="en-US" dirty="0"/>
           </a:p>
@@ -3708,7 +2579,91 @@
     </p:spTree>
     <p:extLst>
       <p:ext uri="{BB962C8B-B14F-4D97-AF65-F5344CB8AC3E}">
-        <p14:creationId xmlns:p14="http://schemas.microsoft.com/office/powerpoint/2010/main" val="297263007"/>
+        <p14:creationId xmlns:p14="http://schemas.microsoft.com/office/powerpoint/2010/main" val="401085325"/>
+      </p:ext>
+    </p:extLst>
+  </p:cSld>
+  <p:clrMapOvr>
+    <a:masterClrMapping/>
+  </p:clrMapOvr>
+</p:notes>
+</file>
+
+<file path=ppt/notesSlides/notesSlide20.xml><?xml version="1.0" encoding="utf-8"?>
+<p:notes xmlns:a="http://schemas.openxmlformats.org/drawingml/2006/main" xmlns:r="http://schemas.openxmlformats.org/officeDocument/2006/relationships" xmlns:p="http://schemas.openxmlformats.org/presentationml/2006/main">
+  <p:cSld>
+    <p:spTree>
+      <p:nvGrpSpPr>
+        <p:cNvPr id="1" name=""/>
+        <p:cNvGrpSpPr/>
+        <p:nvPr/>
+      </p:nvGrpSpPr>
+      <p:grpSpPr>
+        <a:xfrm>
+          <a:off x="0" y="0"/>
+          <a:ext cx="0" cy="0"/>
+          <a:chOff x="0" y="0"/>
+          <a:chExt cx="0" cy="0"/>
+        </a:xfrm>
+      </p:grpSpPr>
+      <p:sp>
+        <p:nvSpPr>
+          <p:cNvPr id="2" name="Slide Image Placeholder 1"/>
+          <p:cNvSpPr>
+            <a:spLocks noGrp="1" noRot="1" noChangeAspect="1"/>
+          </p:cNvSpPr>
+          <p:nvPr>
+            <p:ph type="sldImg"/>
+          </p:nvPr>
+        </p:nvSpPr>
+        <p:spPr/>
+      </p:sp>
+      <p:sp>
+        <p:nvSpPr>
+          <p:cNvPr id="3" name="Notes Placeholder 2"/>
+          <p:cNvSpPr>
+            <a:spLocks noGrp="1"/>
+          </p:cNvSpPr>
+          <p:nvPr>
+            <p:ph type="body" idx="1"/>
+          </p:nvPr>
+        </p:nvSpPr>
+        <p:spPr/>
+        <p:txBody>
+          <a:bodyPr/>
+          <a:lstStyle/>
+          <a:p>
+            <a:endParaRPr lang="en-US" dirty="0"/>
+          </a:p>
+        </p:txBody>
+      </p:sp>
+      <p:sp>
+        <p:nvSpPr>
+          <p:cNvPr id="4" name="Slide Number Placeholder 3"/>
+          <p:cNvSpPr>
+            <a:spLocks noGrp="1"/>
+          </p:cNvSpPr>
+          <p:nvPr>
+            <p:ph type="sldNum" sz="quarter" idx="5"/>
+          </p:nvPr>
+        </p:nvSpPr>
+        <p:spPr/>
+        <p:txBody>
+          <a:bodyPr/>
+          <a:lstStyle/>
+          <a:p>
+            <a:fld id="{BC849E9A-41F7-4779-A581-48A7C374A227}" type="slidenum">
+              <a:rPr lang="en-US" smtClean="0"/>
+              <a:t>27</a:t>
+            </a:fld>
+            <a:endParaRPr lang="en-US" dirty="0"/>
+          </a:p>
+        </p:txBody>
+      </p:sp>
+    </p:spTree>
+    <p:extLst>
+      <p:ext uri="{BB962C8B-B14F-4D97-AF65-F5344CB8AC3E}">
+        <p14:creationId xmlns:p14="http://schemas.microsoft.com/office/powerpoint/2010/main" val="1675612197"/>
       </p:ext>
     </p:extLst>
   </p:cSld>
@@ -3762,28 +2717,587 @@
           <a:bodyPr/>
           <a:lstStyle/>
           <a:p>
-            <a:r>
-              <a:rPr lang="en-US" dirty="0"/>
-              <a:t>Kinds of variables we can include in multiple regression analysis</a:t>
-            </a:r>
-          </a:p>
-          <a:p>
-            <a:endParaRPr lang="en-US" dirty="0"/>
-          </a:p>
-          <a:p>
-            <a:r>
-              <a:rPr lang="en-US" dirty="0"/>
-              <a:t>Ask students: </a:t>
-            </a:r>
-          </a:p>
-          <a:p>
-            <a:r>
-              <a:rPr lang="en-US" dirty="0"/>
-              <a:t>Can somebody remind me what the levels of measurements are and their examples? </a:t>
-            </a:r>
-          </a:p>
-          <a:p>
-            <a:endParaRPr lang="en-US" dirty="0"/>
+            <a:pPr marL="0" marR="0">
+              <a:spcBef>
+                <a:spcPts val="0"/>
+              </a:spcBef>
+              <a:spcAft>
+                <a:spcPts val="0"/>
+              </a:spcAft>
+              <a:tabLst>
+                <a:tab pos="-914400" algn="l"/>
+                <a:tab pos="-457200" algn="l"/>
+                <a:tab pos="457200" algn="l"/>
+                <a:tab pos="914400" algn="l"/>
+                <a:tab pos="1371600" algn="l"/>
+                <a:tab pos="1828800" algn="l"/>
+                <a:tab pos="2286000" algn="l"/>
+                <a:tab pos="2743200" algn="l"/>
+                <a:tab pos="3200400" algn="l"/>
+                <a:tab pos="3657600" algn="l"/>
+                <a:tab pos="4114800" algn="l"/>
+                <a:tab pos="4572000" algn="l"/>
+                <a:tab pos="5029200" algn="l"/>
+                <a:tab pos="5486400" algn="l"/>
+                <a:tab pos="5943600" algn="l"/>
+                <a:tab pos="6400800" algn="l"/>
+                <a:tab pos="6858000" algn="l"/>
+              </a:tabLst>
+            </a:pPr>
+            <a:r>
+              <a:rPr lang="en-US" sz="1800" b="0" i="0" dirty="0">
+                <a:effectLst/>
+                <a:latin typeface="Calibri" panose="020F0502020204030204" pitchFamily="34" charset="0"/>
+                <a:ea typeface="Cambria" panose="02040503050406030204" pitchFamily="18" charset="0"/>
+                <a:cs typeface="Times New Roman" panose="02020603050405020304" pitchFamily="18" charset="0"/>
+              </a:rPr>
+              <a:t>Ask students to think of the possible independent variables that will affect </a:t>
+            </a:r>
+          </a:p>
+          <a:p>
+            <a:pPr marL="0" marR="0">
+              <a:spcBef>
+                <a:spcPts val="0"/>
+              </a:spcBef>
+              <a:spcAft>
+                <a:spcPts val="0"/>
+              </a:spcAft>
+              <a:tabLst>
+                <a:tab pos="-914400" algn="l"/>
+                <a:tab pos="-457200" algn="l"/>
+                <a:tab pos="457200" algn="l"/>
+                <a:tab pos="914400" algn="l"/>
+                <a:tab pos="1371600" algn="l"/>
+                <a:tab pos="1828800" algn="l"/>
+                <a:tab pos="2286000" algn="l"/>
+                <a:tab pos="2743200" algn="l"/>
+                <a:tab pos="3200400" algn="l"/>
+                <a:tab pos="3657600" algn="l"/>
+                <a:tab pos="4114800" algn="l"/>
+                <a:tab pos="4572000" algn="l"/>
+                <a:tab pos="5029200" algn="l"/>
+                <a:tab pos="5486400" algn="l"/>
+                <a:tab pos="5943600" algn="l"/>
+                <a:tab pos="6400800" algn="l"/>
+                <a:tab pos="6858000" algn="l"/>
+              </a:tabLst>
+            </a:pPr>
+            <a:endParaRPr lang="en-US" sz="1800" b="1" i="1" dirty="0">
+              <a:effectLst/>
+              <a:latin typeface="Calibri" panose="020F0502020204030204" pitchFamily="34" charset="0"/>
+              <a:ea typeface="Cambria" panose="02040503050406030204" pitchFamily="18" charset="0"/>
+              <a:cs typeface="Times New Roman" panose="02020603050405020304" pitchFamily="18" charset="0"/>
+            </a:endParaRPr>
+          </a:p>
+          <a:p>
+            <a:pPr marL="0" marR="0">
+              <a:spcBef>
+                <a:spcPts val="0"/>
+              </a:spcBef>
+              <a:spcAft>
+                <a:spcPts val="0"/>
+              </a:spcAft>
+              <a:tabLst>
+                <a:tab pos="-914400" algn="l"/>
+                <a:tab pos="-457200" algn="l"/>
+                <a:tab pos="457200" algn="l"/>
+                <a:tab pos="914400" algn="l"/>
+                <a:tab pos="1371600" algn="l"/>
+                <a:tab pos="1828800" algn="l"/>
+                <a:tab pos="2286000" algn="l"/>
+                <a:tab pos="2743200" algn="l"/>
+                <a:tab pos="3200400" algn="l"/>
+                <a:tab pos="3657600" algn="l"/>
+                <a:tab pos="4114800" algn="l"/>
+                <a:tab pos="4572000" algn="l"/>
+                <a:tab pos="5029200" algn="l"/>
+                <a:tab pos="5486400" algn="l"/>
+                <a:tab pos="5943600" algn="l"/>
+                <a:tab pos="6400800" algn="l"/>
+                <a:tab pos="6858000" algn="l"/>
+              </a:tabLst>
+            </a:pPr>
+            <a:r>
+              <a:rPr lang="en-US" sz="1800" b="1" i="1" dirty="0">
+                <a:effectLst/>
+                <a:latin typeface="Calibri" panose="020F0502020204030204" pitchFamily="34" charset="0"/>
+                <a:ea typeface="Cambria" panose="02040503050406030204" pitchFamily="18" charset="0"/>
+                <a:cs typeface="Times New Roman" panose="02020603050405020304" pitchFamily="18" charset="0"/>
+              </a:rPr>
+              <a:t>Screen job applicants:</a:t>
+            </a:r>
+            <a:r>
+              <a:rPr lang="en-US" sz="1800" dirty="0">
+                <a:effectLst/>
+                <a:latin typeface="Calibri" panose="020F0502020204030204" pitchFamily="34" charset="0"/>
+                <a:ea typeface="Cambria" panose="02040503050406030204" pitchFamily="18" charset="0"/>
+                <a:cs typeface="Times New Roman" panose="02020603050405020304" pitchFamily="18" charset="0"/>
+              </a:rPr>
+              <a:t>  Multiple regression can be used to build a mathematical model to identify applicants that are more likely to do well in a particular job</a:t>
+            </a:r>
+            <a:endParaRPr lang="en-US" sz="1800" dirty="0">
+              <a:effectLst/>
+              <a:latin typeface="Cambria" panose="02040503050406030204" pitchFamily="18" charset="0"/>
+              <a:ea typeface="Cambria" panose="02040503050406030204" pitchFamily="18" charset="0"/>
+              <a:cs typeface="Times New Roman" panose="02020603050405020304" pitchFamily="18" charset="0"/>
+            </a:endParaRPr>
+          </a:p>
+          <a:p>
+            <a:pPr marL="0" marR="0">
+              <a:spcBef>
+                <a:spcPts val="0"/>
+              </a:spcBef>
+              <a:spcAft>
+                <a:spcPts val="0"/>
+              </a:spcAft>
+              <a:tabLst>
+                <a:tab pos="-914400" algn="l"/>
+                <a:tab pos="-457200" algn="l"/>
+                <a:tab pos="457200" algn="l"/>
+                <a:tab pos="914400" algn="l"/>
+                <a:tab pos="1371600" algn="l"/>
+                <a:tab pos="1828800" algn="l"/>
+                <a:tab pos="2286000" algn="l"/>
+                <a:tab pos="2743200" algn="l"/>
+                <a:tab pos="3200400" algn="l"/>
+                <a:tab pos="3657600" algn="l"/>
+                <a:tab pos="4114800" algn="l"/>
+                <a:tab pos="4572000" algn="l"/>
+                <a:tab pos="5029200" algn="l"/>
+                <a:tab pos="5486400" algn="l"/>
+                <a:tab pos="5943600" algn="l"/>
+                <a:tab pos="6400800" algn="l"/>
+                <a:tab pos="6858000" algn="l"/>
+              </a:tabLst>
+            </a:pPr>
+            <a:r>
+              <a:rPr lang="en-US" sz="1800" dirty="0">
+                <a:effectLst/>
+                <a:latin typeface="Calibri" panose="020F0502020204030204" pitchFamily="34" charset="0"/>
+                <a:ea typeface="Cambria" panose="02040503050406030204" pitchFamily="18" charset="0"/>
+                <a:cs typeface="Times New Roman" panose="02020603050405020304" pitchFamily="18" charset="0"/>
+              </a:rPr>
+              <a:t> </a:t>
+            </a:r>
+            <a:endParaRPr lang="en-US" sz="1800" dirty="0">
+              <a:effectLst/>
+              <a:latin typeface="Cambria" panose="02040503050406030204" pitchFamily="18" charset="0"/>
+              <a:ea typeface="Cambria" panose="02040503050406030204" pitchFamily="18" charset="0"/>
+              <a:cs typeface="Times New Roman" panose="02020603050405020304" pitchFamily="18" charset="0"/>
+            </a:endParaRPr>
+          </a:p>
+          <a:p>
+            <a:pPr marL="342900" marR="0" lvl="0" indent="-342900">
+              <a:spcBef>
+                <a:spcPts val="0"/>
+              </a:spcBef>
+              <a:spcAft>
+                <a:spcPts val="0"/>
+              </a:spcAft>
+              <a:buFont typeface="Symbol" panose="05050102010706020507" pitchFamily="18" charset="2"/>
+              <a:buChar char=""/>
+              <a:tabLst>
+                <a:tab pos="-914400" algn="l"/>
+                <a:tab pos="-457200" algn="l"/>
+                <a:tab pos="457200" algn="l"/>
+                <a:tab pos="914400" algn="l"/>
+                <a:tab pos="1371600" algn="l"/>
+                <a:tab pos="1828800" algn="l"/>
+                <a:tab pos="2286000" algn="l"/>
+                <a:tab pos="2743200" algn="l"/>
+                <a:tab pos="3200400" algn="l"/>
+                <a:tab pos="3657600" algn="l"/>
+                <a:tab pos="4114800" algn="l"/>
+                <a:tab pos="4572000" algn="l"/>
+                <a:tab pos="5029200" algn="l"/>
+                <a:tab pos="5486400" algn="l"/>
+                <a:tab pos="5943600" algn="l"/>
+                <a:tab pos="6400800" algn="l"/>
+                <a:tab pos="6858000" algn="l"/>
+              </a:tabLst>
+            </a:pPr>
+            <a:r>
+              <a:rPr lang="en-US" sz="1800" dirty="0">
+                <a:effectLst/>
+                <a:latin typeface="Calibri" panose="020F0502020204030204" pitchFamily="34" charset="0"/>
+                <a:ea typeface="Cambria" panose="02040503050406030204" pitchFamily="18" charset="0"/>
+                <a:cs typeface="Times New Roman" panose="02020603050405020304" pitchFamily="18" charset="0"/>
+              </a:rPr>
+              <a:t>The model would simultaneously consider multiple factors such as work experience, college major, GPA, and performance on screening tests, to “predict” success</a:t>
+            </a:r>
+            <a:endParaRPr lang="en-US" sz="1800" dirty="0">
+              <a:effectLst/>
+              <a:latin typeface="Cambria" panose="02040503050406030204" pitchFamily="18" charset="0"/>
+              <a:ea typeface="Cambria" panose="02040503050406030204" pitchFamily="18" charset="0"/>
+              <a:cs typeface="Times New Roman" panose="02020603050405020304" pitchFamily="18" charset="0"/>
+            </a:endParaRPr>
+          </a:p>
+          <a:p>
+            <a:pPr marL="0" marR="0">
+              <a:spcBef>
+                <a:spcPts val="0"/>
+              </a:spcBef>
+              <a:spcAft>
+                <a:spcPts val="0"/>
+              </a:spcAft>
+              <a:tabLst>
+                <a:tab pos="-914400" algn="l"/>
+                <a:tab pos="-457200" algn="l"/>
+                <a:tab pos="457200" algn="l"/>
+                <a:tab pos="914400" algn="l"/>
+                <a:tab pos="1371600" algn="l"/>
+                <a:tab pos="1828800" algn="l"/>
+                <a:tab pos="2286000" algn="l"/>
+                <a:tab pos="2743200" algn="l"/>
+                <a:tab pos="3200400" algn="l"/>
+                <a:tab pos="3657600" algn="l"/>
+                <a:tab pos="4114800" algn="l"/>
+                <a:tab pos="4572000" algn="l"/>
+                <a:tab pos="5029200" algn="l"/>
+                <a:tab pos="5486400" algn="l"/>
+                <a:tab pos="5943600" algn="l"/>
+                <a:tab pos="6400800" algn="l"/>
+                <a:tab pos="6858000" algn="l"/>
+              </a:tabLst>
+            </a:pPr>
+            <a:r>
+              <a:rPr lang="en-US" sz="1800" dirty="0">
+                <a:effectLst/>
+                <a:latin typeface="Calibri" panose="020F0502020204030204" pitchFamily="34" charset="0"/>
+                <a:ea typeface="Cambria" panose="02040503050406030204" pitchFamily="18" charset="0"/>
+                <a:cs typeface="Times New Roman" panose="02020603050405020304" pitchFamily="18" charset="0"/>
+              </a:rPr>
+              <a:t> </a:t>
+            </a:r>
+            <a:endParaRPr lang="en-US" sz="1800" dirty="0">
+              <a:effectLst/>
+              <a:latin typeface="Cambria" panose="02040503050406030204" pitchFamily="18" charset="0"/>
+              <a:ea typeface="Cambria" panose="02040503050406030204" pitchFamily="18" charset="0"/>
+              <a:cs typeface="Times New Roman" panose="02020603050405020304" pitchFamily="18" charset="0"/>
+            </a:endParaRPr>
+          </a:p>
+          <a:p>
+            <a:pPr marL="342900" marR="0" lvl="0" indent="-342900">
+              <a:spcBef>
+                <a:spcPts val="0"/>
+              </a:spcBef>
+              <a:spcAft>
+                <a:spcPts val="0"/>
+              </a:spcAft>
+              <a:buFont typeface="Symbol" panose="05050102010706020507" pitchFamily="18" charset="2"/>
+              <a:buChar char=""/>
+              <a:tabLst>
+                <a:tab pos="-914400" algn="l"/>
+                <a:tab pos="-457200" algn="l"/>
+                <a:tab pos="457200" algn="l"/>
+                <a:tab pos="914400" algn="l"/>
+                <a:tab pos="1371600" algn="l"/>
+                <a:tab pos="1828800" algn="l"/>
+                <a:tab pos="2286000" algn="l"/>
+                <a:tab pos="2743200" algn="l"/>
+                <a:tab pos="3200400" algn="l"/>
+                <a:tab pos="3657600" algn="l"/>
+                <a:tab pos="4114800" algn="l"/>
+                <a:tab pos="4572000" algn="l"/>
+                <a:tab pos="5029200" algn="l"/>
+                <a:tab pos="5486400" algn="l"/>
+                <a:tab pos="5943600" algn="l"/>
+                <a:tab pos="6400800" algn="l"/>
+                <a:tab pos="6858000" algn="l"/>
+              </a:tabLst>
+            </a:pPr>
+            <a:r>
+              <a:rPr lang="en-US" sz="1800" dirty="0">
+                <a:effectLst/>
+                <a:latin typeface="Calibri" panose="020F0502020204030204" pitchFamily="34" charset="0"/>
+                <a:ea typeface="Cambria" panose="02040503050406030204" pitchFamily="18" charset="0"/>
+                <a:cs typeface="Times New Roman" panose="02020603050405020304" pitchFamily="18" charset="0"/>
+              </a:rPr>
+              <a:t>This model won’t actually predict whether a particular applicant will do well.  It will simply describe what characteristics have been associated with success for past applicants who  were hired </a:t>
+            </a:r>
+            <a:endParaRPr lang="en-US" sz="1800" dirty="0">
+              <a:effectLst/>
+              <a:latin typeface="Cambria" panose="02040503050406030204" pitchFamily="18" charset="0"/>
+              <a:ea typeface="Cambria" panose="02040503050406030204" pitchFamily="18" charset="0"/>
+              <a:cs typeface="Times New Roman" panose="02020603050405020304" pitchFamily="18" charset="0"/>
+            </a:endParaRPr>
+          </a:p>
+          <a:p>
+            <a:pPr marL="0" marR="0">
+              <a:spcBef>
+                <a:spcPts val="0"/>
+              </a:spcBef>
+              <a:spcAft>
+                <a:spcPts val="0"/>
+              </a:spcAft>
+              <a:tabLst>
+                <a:tab pos="-914400" algn="l"/>
+                <a:tab pos="-457200" algn="l"/>
+                <a:tab pos="457200" algn="l"/>
+                <a:tab pos="914400" algn="l"/>
+                <a:tab pos="1371600" algn="l"/>
+                <a:tab pos="1828800" algn="l"/>
+                <a:tab pos="2286000" algn="l"/>
+                <a:tab pos="2743200" algn="l"/>
+                <a:tab pos="3200400" algn="l"/>
+                <a:tab pos="3657600" algn="l"/>
+                <a:tab pos="4114800" algn="l"/>
+                <a:tab pos="4572000" algn="l"/>
+                <a:tab pos="5029200" algn="l"/>
+                <a:tab pos="5486400" algn="l"/>
+                <a:tab pos="5943600" algn="l"/>
+                <a:tab pos="6400800" algn="l"/>
+                <a:tab pos="6858000" algn="l"/>
+              </a:tabLst>
+            </a:pPr>
+            <a:r>
+              <a:rPr lang="en-US" sz="1800" dirty="0">
+                <a:effectLst/>
+                <a:latin typeface="Calibri" panose="020F0502020204030204" pitchFamily="34" charset="0"/>
+                <a:ea typeface="Cambria" panose="02040503050406030204" pitchFamily="18" charset="0"/>
+                <a:cs typeface="Times New Roman" panose="02020603050405020304" pitchFamily="18" charset="0"/>
+              </a:rPr>
+              <a:t> </a:t>
+            </a:r>
+            <a:endParaRPr lang="en-US" sz="1800" dirty="0">
+              <a:effectLst/>
+              <a:latin typeface="Cambria" panose="02040503050406030204" pitchFamily="18" charset="0"/>
+              <a:ea typeface="Cambria" panose="02040503050406030204" pitchFamily="18" charset="0"/>
+              <a:cs typeface="Times New Roman" panose="02020603050405020304" pitchFamily="18" charset="0"/>
+            </a:endParaRPr>
+          </a:p>
+          <a:p>
+            <a:pPr marL="0" marR="0">
+              <a:spcBef>
+                <a:spcPts val="0"/>
+              </a:spcBef>
+              <a:spcAft>
+                <a:spcPts val="0"/>
+              </a:spcAft>
+              <a:tabLst>
+                <a:tab pos="-914400" algn="l"/>
+                <a:tab pos="-457200" algn="l"/>
+                <a:tab pos="457200" algn="l"/>
+                <a:tab pos="914400" algn="l"/>
+                <a:tab pos="1371600" algn="l"/>
+                <a:tab pos="1828800" algn="l"/>
+                <a:tab pos="2286000" algn="l"/>
+                <a:tab pos="2743200" algn="l"/>
+                <a:tab pos="3200400" algn="l"/>
+                <a:tab pos="3657600" algn="l"/>
+                <a:tab pos="4114800" algn="l"/>
+                <a:tab pos="4572000" algn="l"/>
+                <a:tab pos="5029200" algn="l"/>
+                <a:tab pos="5486400" algn="l"/>
+                <a:tab pos="5943600" algn="l"/>
+                <a:tab pos="6400800" algn="l"/>
+                <a:tab pos="6858000" algn="l"/>
+              </a:tabLst>
+            </a:pPr>
+            <a:r>
+              <a:rPr lang="en-US" sz="1800" b="1" i="1" dirty="0">
+                <a:effectLst/>
+                <a:latin typeface="Calibri" panose="020F0502020204030204" pitchFamily="34" charset="0"/>
+                <a:ea typeface="Cambria" panose="02040503050406030204" pitchFamily="18" charset="0"/>
+                <a:cs typeface="Times New Roman" panose="02020603050405020304" pitchFamily="18" charset="0"/>
+              </a:rPr>
+              <a:t>Identify successful locations:</a:t>
+            </a:r>
+            <a:r>
+              <a:rPr lang="en-US" sz="1800" dirty="0">
+                <a:effectLst/>
+                <a:latin typeface="Calibri" panose="020F0502020204030204" pitchFamily="34" charset="0"/>
+                <a:ea typeface="Cambria" panose="02040503050406030204" pitchFamily="18" charset="0"/>
+                <a:cs typeface="Times New Roman" panose="02020603050405020304" pitchFamily="18" charset="0"/>
+              </a:rPr>
+              <a:t>  Multiple regression can be used to build a model to estimate/predict which retail locations are most likely to be successful for a sandwich shop</a:t>
+            </a:r>
+            <a:endParaRPr lang="en-US" sz="1800" dirty="0">
+              <a:effectLst/>
+              <a:latin typeface="Cambria" panose="02040503050406030204" pitchFamily="18" charset="0"/>
+              <a:ea typeface="Cambria" panose="02040503050406030204" pitchFamily="18" charset="0"/>
+              <a:cs typeface="Times New Roman" panose="02020603050405020304" pitchFamily="18" charset="0"/>
+            </a:endParaRPr>
+          </a:p>
+          <a:p>
+            <a:pPr marL="0" marR="0">
+              <a:spcBef>
+                <a:spcPts val="0"/>
+              </a:spcBef>
+              <a:spcAft>
+                <a:spcPts val="0"/>
+              </a:spcAft>
+              <a:tabLst>
+                <a:tab pos="-914400" algn="l"/>
+                <a:tab pos="-457200" algn="l"/>
+                <a:tab pos="457200" algn="l"/>
+                <a:tab pos="914400" algn="l"/>
+                <a:tab pos="1371600" algn="l"/>
+                <a:tab pos="1828800" algn="l"/>
+                <a:tab pos="2286000" algn="l"/>
+                <a:tab pos="2743200" algn="l"/>
+                <a:tab pos="3200400" algn="l"/>
+                <a:tab pos="3657600" algn="l"/>
+                <a:tab pos="4114800" algn="l"/>
+                <a:tab pos="4572000" algn="l"/>
+                <a:tab pos="5029200" algn="l"/>
+                <a:tab pos="5486400" algn="l"/>
+                <a:tab pos="5943600" algn="l"/>
+                <a:tab pos="6400800" algn="l"/>
+                <a:tab pos="6858000" algn="l"/>
+              </a:tabLst>
+            </a:pPr>
+            <a:r>
+              <a:rPr lang="en-US" sz="1800" dirty="0">
+                <a:effectLst/>
+                <a:latin typeface="Calibri" panose="020F0502020204030204" pitchFamily="34" charset="0"/>
+                <a:ea typeface="Cambria" panose="02040503050406030204" pitchFamily="18" charset="0"/>
+                <a:cs typeface="Times New Roman" panose="02020603050405020304" pitchFamily="18" charset="0"/>
+              </a:rPr>
+              <a:t> </a:t>
+            </a:r>
+            <a:endParaRPr lang="en-US" sz="1800" dirty="0">
+              <a:effectLst/>
+              <a:latin typeface="Cambria" panose="02040503050406030204" pitchFamily="18" charset="0"/>
+              <a:ea typeface="Cambria" panose="02040503050406030204" pitchFamily="18" charset="0"/>
+              <a:cs typeface="Times New Roman" panose="02020603050405020304" pitchFamily="18" charset="0"/>
+            </a:endParaRPr>
+          </a:p>
+          <a:p>
+            <a:pPr marL="342900" marR="0" lvl="0" indent="-342900">
+              <a:spcBef>
+                <a:spcPts val="0"/>
+              </a:spcBef>
+              <a:spcAft>
+                <a:spcPts val="0"/>
+              </a:spcAft>
+              <a:buFont typeface="Symbol" panose="05050102010706020507" pitchFamily="18" charset="2"/>
+              <a:buChar char=""/>
+              <a:tabLst>
+                <a:tab pos="-914400" algn="l"/>
+                <a:tab pos="-457200" algn="l"/>
+                <a:tab pos="457200" algn="l"/>
+                <a:tab pos="914400" algn="l"/>
+                <a:tab pos="1371600" algn="l"/>
+                <a:tab pos="1828800" algn="l"/>
+                <a:tab pos="2286000" algn="l"/>
+                <a:tab pos="2743200" algn="l"/>
+                <a:tab pos="3200400" algn="l"/>
+                <a:tab pos="3657600" algn="l"/>
+                <a:tab pos="4114800" algn="l"/>
+                <a:tab pos="4572000" algn="l"/>
+                <a:tab pos="5029200" algn="l"/>
+                <a:tab pos="5486400" algn="l"/>
+                <a:tab pos="5943600" algn="l"/>
+                <a:tab pos="6400800" algn="l"/>
+                <a:tab pos="6858000" algn="l"/>
+              </a:tabLst>
+            </a:pPr>
+            <a:r>
+              <a:rPr lang="en-US" sz="1800" dirty="0">
+                <a:effectLst/>
+                <a:latin typeface="Calibri" panose="020F0502020204030204" pitchFamily="34" charset="0"/>
+                <a:ea typeface="Cambria" panose="02040503050406030204" pitchFamily="18" charset="0"/>
+                <a:cs typeface="Times New Roman" panose="02020603050405020304" pitchFamily="18" charset="0"/>
+              </a:rPr>
+              <a:t>Variables in the model might be amount of foot traffic, amount of auto traffic, proximity of competitors, demographic characteristics of nearby residents, local economic conditions, etc.</a:t>
+            </a:r>
+            <a:endParaRPr lang="en-US" sz="1800" dirty="0">
+              <a:effectLst/>
+              <a:latin typeface="Cambria" panose="02040503050406030204" pitchFamily="18" charset="0"/>
+              <a:ea typeface="Cambria" panose="02040503050406030204" pitchFamily="18" charset="0"/>
+              <a:cs typeface="Times New Roman" panose="02020603050405020304" pitchFamily="18" charset="0"/>
+            </a:endParaRPr>
+          </a:p>
+          <a:p>
+            <a:pPr marL="0" marR="0">
+              <a:spcBef>
+                <a:spcPts val="0"/>
+              </a:spcBef>
+              <a:spcAft>
+                <a:spcPts val="0"/>
+              </a:spcAft>
+              <a:tabLst>
+                <a:tab pos="-914400" algn="l"/>
+                <a:tab pos="-457200" algn="l"/>
+                <a:tab pos="457200" algn="l"/>
+                <a:tab pos="914400" algn="l"/>
+                <a:tab pos="1371600" algn="l"/>
+                <a:tab pos="1828800" algn="l"/>
+                <a:tab pos="2286000" algn="l"/>
+                <a:tab pos="2743200" algn="l"/>
+                <a:tab pos="3200400" algn="l"/>
+                <a:tab pos="3657600" algn="l"/>
+                <a:tab pos="4114800" algn="l"/>
+                <a:tab pos="4572000" algn="l"/>
+                <a:tab pos="5029200" algn="l"/>
+                <a:tab pos="5486400" algn="l"/>
+                <a:tab pos="5943600" algn="l"/>
+                <a:tab pos="6400800" algn="l"/>
+                <a:tab pos="6858000" algn="l"/>
+              </a:tabLst>
+            </a:pPr>
+            <a:r>
+              <a:rPr lang="en-US" sz="1800" dirty="0">
+                <a:effectLst/>
+                <a:latin typeface="Calibri" panose="020F0502020204030204" pitchFamily="34" charset="0"/>
+                <a:ea typeface="Cambria" panose="02040503050406030204" pitchFamily="18" charset="0"/>
+                <a:cs typeface="Times New Roman" panose="02020603050405020304" pitchFamily="18" charset="0"/>
+              </a:rPr>
+              <a:t> </a:t>
+            </a:r>
+            <a:endParaRPr lang="en-US" sz="1800" dirty="0">
+              <a:effectLst/>
+              <a:latin typeface="Cambria" panose="02040503050406030204" pitchFamily="18" charset="0"/>
+              <a:ea typeface="Cambria" panose="02040503050406030204" pitchFamily="18" charset="0"/>
+              <a:cs typeface="Times New Roman" panose="02020603050405020304" pitchFamily="18" charset="0"/>
+            </a:endParaRPr>
+          </a:p>
+          <a:p>
+            <a:pPr marL="342900" marR="0" lvl="0" indent="-342900">
+              <a:spcBef>
+                <a:spcPts val="0"/>
+              </a:spcBef>
+              <a:spcAft>
+                <a:spcPts val="0"/>
+              </a:spcAft>
+              <a:buFont typeface="Symbol" panose="05050102010706020507" pitchFamily="18" charset="2"/>
+              <a:buChar char=""/>
+              <a:tabLst>
+                <a:tab pos="-914400" algn="l"/>
+                <a:tab pos="-457200" algn="l"/>
+                <a:tab pos="457200" algn="l"/>
+                <a:tab pos="914400" algn="l"/>
+                <a:tab pos="1371600" algn="l"/>
+                <a:tab pos="1828800" algn="l"/>
+                <a:tab pos="2286000" algn="l"/>
+                <a:tab pos="2743200" algn="l"/>
+                <a:tab pos="3200400" algn="l"/>
+                <a:tab pos="3657600" algn="l"/>
+                <a:tab pos="4114800" algn="l"/>
+                <a:tab pos="4572000" algn="l"/>
+                <a:tab pos="5029200" algn="l"/>
+                <a:tab pos="5486400" algn="l"/>
+                <a:tab pos="5943600" algn="l"/>
+                <a:tab pos="6400800" algn="l"/>
+                <a:tab pos="6858000" algn="l"/>
+              </a:tabLst>
+            </a:pPr>
+            <a:r>
+              <a:rPr lang="en-US" sz="1800" dirty="0">
+                <a:effectLst/>
+                <a:latin typeface="Calibri" panose="020F0502020204030204" pitchFamily="34" charset="0"/>
+                <a:ea typeface="Cambria" panose="02040503050406030204" pitchFamily="18" charset="0"/>
+                <a:cs typeface="Times New Roman" panose="02020603050405020304" pitchFamily="18" charset="0"/>
+              </a:rPr>
+              <a:t>Again, this model won’t actually predict success, but is a guide describing what’s been successful in the past that helps the company make guesses for the future</a:t>
+            </a:r>
+            <a:endParaRPr lang="en-US" sz="1800" dirty="0">
+              <a:effectLst/>
+              <a:latin typeface="Cambria" panose="02040503050406030204" pitchFamily="18" charset="0"/>
+              <a:ea typeface="Cambria" panose="02040503050406030204" pitchFamily="18" charset="0"/>
+              <a:cs typeface="Times New Roman" panose="02020603050405020304" pitchFamily="18" charset="0"/>
+            </a:endParaRPr>
           </a:p>
           <a:p>
             <a:pPr marL="0" marR="0">
@@ -3795,31 +3309,6 @@
               </a:spcAft>
             </a:pPr>
             <a:r>
-              <a:rPr lang="en-US" sz="1800" b="1" dirty="0">
-                <a:effectLst/>
-                <a:latin typeface="Calibri" panose="020F0502020204030204" pitchFamily="34" charset="0"/>
-                <a:ea typeface="Cambria" panose="02040503050406030204" pitchFamily="18" charset="0"/>
-                <a:cs typeface="Times New Roman" panose="02020603050405020304" pitchFamily="18" charset="0"/>
-              </a:rPr>
-              <a:t>Reviewing levels of measurement</a:t>
-            </a:r>
-            <a:endParaRPr lang="en-US" sz="1800" dirty="0">
-              <a:effectLst/>
-              <a:latin typeface="Cambria" panose="02040503050406030204" pitchFamily="18" charset="0"/>
-              <a:ea typeface="Cambria" panose="02040503050406030204" pitchFamily="18" charset="0"/>
-              <a:cs typeface="Times New Roman" panose="02020603050405020304" pitchFamily="18" charset="0"/>
-            </a:endParaRPr>
-          </a:p>
-          <a:p>
-            <a:pPr marL="0" marR="0">
-              <a:spcBef>
-                <a:spcPts val="0"/>
-              </a:spcBef>
-              <a:spcAft>
-                <a:spcPts val="0"/>
-              </a:spcAft>
-            </a:pPr>
-            <a:r>
               <a:rPr lang="en-US" sz="1800" dirty="0">
                 <a:effectLst/>
                 <a:latin typeface="Calibri" panose="020F0502020204030204" pitchFamily="34" charset="0"/>
@@ -3827,40 +3316,6 @@
                 <a:cs typeface="Times New Roman" panose="02020603050405020304" pitchFamily="18" charset="0"/>
               </a:rPr>
               <a:t> </a:t>
-            </a:r>
-            <a:endParaRPr lang="en-US" sz="1800" dirty="0">
-              <a:effectLst/>
-              <a:latin typeface="Cambria" panose="02040503050406030204" pitchFamily="18" charset="0"/>
-              <a:ea typeface="Cambria" panose="02040503050406030204" pitchFamily="18" charset="0"/>
-              <a:cs typeface="Times New Roman" panose="02020603050405020304" pitchFamily="18" charset="0"/>
-            </a:endParaRPr>
-          </a:p>
-          <a:p>
-            <a:pPr marL="0" marR="0">
-              <a:spcBef>
-                <a:spcPts val="0"/>
-              </a:spcBef>
-              <a:spcAft>
-                <a:spcPts val="0"/>
-              </a:spcAft>
-            </a:pPr>
-            <a:r>
-              <a:rPr lang="en-US" sz="1800" b="1" i="1" dirty="0">
-                <a:effectLst/>
-                <a:latin typeface="Calibri" panose="020F0502020204030204" pitchFamily="34" charset="0"/>
-                <a:ea typeface="Cambria" panose="02040503050406030204" pitchFamily="18" charset="0"/>
-                <a:cs typeface="Times New Roman" panose="02020603050405020304" pitchFamily="18" charset="0"/>
-              </a:rPr>
-              <a:t>Nominal variables</a:t>
-            </a:r>
-            <a:r>
-              <a:rPr lang="en-US" sz="1800" dirty="0">
-                <a:effectLst/>
-                <a:latin typeface="Calibri" panose="020F0502020204030204" pitchFamily="34" charset="0"/>
-                <a:ea typeface="Cambria" panose="02040503050406030204" pitchFamily="18" charset="0"/>
-                <a:cs typeface="Times New Roman" panose="02020603050405020304" pitchFamily="18" charset="0"/>
-              </a:rPr>
-              <a:t> are composed of categories that have no order to them:</a:t>
             </a:r>
             <a:endParaRPr lang="en-US" sz="1800" dirty="0">
               <a:effectLst/>
@@ -3878,9 +3333,34 @@
                 <a:spcPts val="0"/>
               </a:spcAft>
               <a:tabLst>
-                <a:tab pos="228600" algn="l"/>
+                <a:tab pos="-914400" algn="l"/>
+                <a:tab pos="-457200" algn="l"/>
+                <a:tab pos="457200" algn="l"/>
+                <a:tab pos="914400" algn="l"/>
+                <a:tab pos="1371600" algn="l"/>
+                <a:tab pos="1828800" algn="l"/>
+                <a:tab pos="2286000" algn="l"/>
+                <a:tab pos="2743200" algn="l"/>
+                <a:tab pos="3200400" algn="l"/>
+                <a:tab pos="3657600" algn="l"/>
+                <a:tab pos="4114800" algn="l"/>
+                <a:tab pos="4572000" algn="l"/>
+                <a:tab pos="5029200" algn="l"/>
+                <a:tab pos="5486400" algn="l"/>
+                <a:tab pos="5943600" algn="l"/>
+                <a:tab pos="6400800" algn="l"/>
+                <a:tab pos="6858000" algn="l"/>
               </a:tabLst>
             </a:pPr>
+            <a:r>
+              <a:rPr lang="en-US" sz="1800" b="1" i="1" dirty="0">
+                <a:effectLst/>
+                <a:latin typeface="Calibri" panose="020F0502020204030204" pitchFamily="34" charset="0"/>
+                <a:ea typeface="Cambria" panose="02040503050406030204" pitchFamily="18" charset="0"/>
+                <a:cs typeface="Times New Roman" panose="02020603050405020304" pitchFamily="18" charset="0"/>
+              </a:rPr>
+              <a:t>Factors associated with video streaming service use:</a:t>
+            </a:r>
             <a:r>
               <a:rPr lang="en-US" sz="1800" dirty="0">
                 <a:effectLst/>
@@ -3888,7 +3368,7 @@
                 <a:ea typeface="Cambria" panose="02040503050406030204" pitchFamily="18" charset="0"/>
                 <a:cs typeface="Times New Roman" panose="02020603050405020304" pitchFamily="18" charset="0"/>
               </a:rPr>
-              <a:t>	the state a business is located in</a:t>
+              <a:t>  Multiple regression can be used to identify the characteristics of people who are heavy users of video streaming services </a:t>
             </a:r>
             <a:endParaRPr lang="en-US" sz="1800" dirty="0">
               <a:effectLst/>
@@ -3906,7 +3386,23 @@
                 <a:spcPts val="0"/>
               </a:spcAft>
               <a:tabLst>
-                <a:tab pos="228600" algn="l"/>
+                <a:tab pos="-914400" algn="l"/>
+                <a:tab pos="-457200" algn="l"/>
+                <a:tab pos="457200" algn="l"/>
+                <a:tab pos="914400" algn="l"/>
+                <a:tab pos="1371600" algn="l"/>
+                <a:tab pos="1828800" algn="l"/>
+                <a:tab pos="2286000" algn="l"/>
+                <a:tab pos="2743200" algn="l"/>
+                <a:tab pos="3200400" algn="l"/>
+                <a:tab pos="3657600" algn="l"/>
+                <a:tab pos="4114800" algn="l"/>
+                <a:tab pos="4572000" algn="l"/>
+                <a:tab pos="5029200" algn="l"/>
+                <a:tab pos="5486400" algn="l"/>
+                <a:tab pos="5943600" algn="l"/>
+                <a:tab pos="6400800" algn="l"/>
+                <a:tab pos="6858000" algn="l"/>
               </a:tabLst>
             </a:pPr>
             <a:r>
@@ -3916,7 +3412,53 @@
                 <a:ea typeface="Cambria" panose="02040503050406030204" pitchFamily="18" charset="0"/>
                 <a:cs typeface="Times New Roman" panose="02020603050405020304" pitchFamily="18" charset="0"/>
               </a:rPr>
-              <a:t>	a student’s major in college</a:t>
+              <a:t> </a:t>
+            </a:r>
+            <a:endParaRPr lang="en-US" sz="1800" dirty="0">
+              <a:effectLst/>
+              <a:latin typeface="Cambria" panose="02040503050406030204" pitchFamily="18" charset="0"/>
+              <a:ea typeface="Cambria" panose="02040503050406030204" pitchFamily="18" charset="0"/>
+              <a:cs typeface="Times New Roman" panose="02020603050405020304" pitchFamily="18" charset="0"/>
+            </a:endParaRPr>
+          </a:p>
+          <a:p>
+            <a:pPr marL="342900" marR="0" lvl="0" indent="-342900">
+              <a:spcBef>
+                <a:spcPts val="0"/>
+              </a:spcBef>
+              <a:spcAft>
+                <a:spcPts val="0"/>
+              </a:spcAft>
+              <a:buFont typeface="Symbol" panose="05050102010706020507" pitchFamily="18" charset="2"/>
+              <a:buChar char=""/>
+              <a:tabLst>
+                <a:tab pos="-914400" algn="l"/>
+                <a:tab pos="-457200" algn="l"/>
+                <a:tab pos="457200" algn="l"/>
+                <a:tab pos="914400" algn="l"/>
+                <a:tab pos="1371600" algn="l"/>
+                <a:tab pos="1828800" algn="l"/>
+                <a:tab pos="2286000" algn="l"/>
+                <a:tab pos="2743200" algn="l"/>
+                <a:tab pos="3200400" algn="l"/>
+                <a:tab pos="3657600" algn="l"/>
+                <a:tab pos="4114800" algn="l"/>
+                <a:tab pos="4572000" algn="l"/>
+                <a:tab pos="5029200" algn="l"/>
+                <a:tab pos="5486400" algn="l"/>
+                <a:tab pos="5943600" algn="l"/>
+                <a:tab pos="6400800" algn="l"/>
+                <a:tab pos="6858000" algn="l"/>
+              </a:tabLst>
+            </a:pPr>
+            <a:r>
+              <a:rPr lang="en-US" sz="1800" dirty="0">
+                <a:effectLst/>
+                <a:latin typeface="Calibri" panose="020F0502020204030204" pitchFamily="34" charset="0"/>
+                <a:ea typeface="Cambria" panose="02040503050406030204" pitchFamily="18" charset="0"/>
+                <a:cs typeface="Times New Roman" panose="02020603050405020304" pitchFamily="18" charset="0"/>
+              </a:rPr>
+              <a:t>Variables in the model might include age, hours of paid employment per week, availability of alternative entertainment options nearby, marital or dating status, and whether the person has children living at home </a:t>
             </a:r>
             <a:endParaRPr lang="en-US" sz="1800" dirty="0">
               <a:effectLst/>
@@ -3934,35 +3476,23 @@
                 <a:spcPts val="0"/>
               </a:spcAft>
               <a:tabLst>
-                <a:tab pos="228600" algn="l"/>
-              </a:tabLst>
-            </a:pPr>
-            <a:r>
-              <a:rPr lang="en-US" sz="1800" dirty="0">
-                <a:effectLst/>
-                <a:latin typeface="Calibri" panose="020F0502020204030204" pitchFamily="34" charset="0"/>
-                <a:ea typeface="Cambria" panose="02040503050406030204" pitchFamily="18" charset="0"/>
-                <a:cs typeface="Times New Roman" panose="02020603050405020304" pitchFamily="18" charset="0"/>
-              </a:rPr>
-              <a:t>	location of a pharmacy (a free standing store, in a strip mall, or inside a grocery store)</a:t>
-            </a:r>
-            <a:endParaRPr lang="en-US" sz="1800" dirty="0">
-              <a:effectLst/>
-              <a:latin typeface="Cambria" panose="02040503050406030204" pitchFamily="18" charset="0"/>
-              <a:ea typeface="Cambria" panose="02040503050406030204" pitchFamily="18" charset="0"/>
-              <a:cs typeface="Times New Roman" panose="02020603050405020304" pitchFamily="18" charset="0"/>
-            </a:endParaRPr>
-          </a:p>
-          <a:p>
-            <a:pPr marL="0" marR="0">
-              <a:spcBef>
-                <a:spcPts val="0"/>
-              </a:spcBef>
-              <a:spcAft>
-                <a:spcPts val="0"/>
-              </a:spcAft>
-              <a:tabLst>
-                <a:tab pos="228600" algn="l"/>
+                <a:tab pos="-914400" algn="l"/>
+                <a:tab pos="-457200" algn="l"/>
+                <a:tab pos="457200" algn="l"/>
+                <a:tab pos="914400" algn="l"/>
+                <a:tab pos="1371600" algn="l"/>
+                <a:tab pos="1828800" algn="l"/>
+                <a:tab pos="2286000" algn="l"/>
+                <a:tab pos="2743200" algn="l"/>
+                <a:tab pos="3200400" algn="l"/>
+                <a:tab pos="3657600" algn="l"/>
+                <a:tab pos="4114800" algn="l"/>
+                <a:tab pos="4572000" algn="l"/>
+                <a:tab pos="5029200" algn="l"/>
+                <a:tab pos="5486400" algn="l"/>
+                <a:tab pos="5943600" algn="l"/>
+                <a:tab pos="6400800" algn="l"/>
+                <a:tab pos="6858000" algn="l"/>
               </a:tabLst>
             </a:pPr>
             <a:r>
@@ -3982,23 +3512,35 @@
             </a:endParaRPr>
           </a:p>
           <a:p>
-            <a:pPr marL="0" marR="0">
+            <a:pPr marL="342900" marR="0" lvl="0" indent="-342900">
               <a:spcBef>
                 <a:spcPts val="0"/>
               </a:spcBef>
               <a:spcAft>
                 <a:spcPts val="0"/>
               </a:spcAft>
+              <a:buFont typeface="Symbol" panose="05050102010706020507" pitchFamily="18" charset="2"/>
+              <a:buChar char=""/>
+              <a:tabLst>
+                <a:tab pos="-914400" algn="l"/>
+                <a:tab pos="-457200" algn="l"/>
+                <a:tab pos="457200" algn="l"/>
+                <a:tab pos="914400" algn="l"/>
+                <a:tab pos="1371600" algn="l"/>
+                <a:tab pos="1828800" algn="l"/>
+                <a:tab pos="2286000" algn="l"/>
+                <a:tab pos="2743200" algn="l"/>
+                <a:tab pos="3200400" algn="l"/>
+                <a:tab pos="3657600" algn="l"/>
+                <a:tab pos="4114800" algn="l"/>
+                <a:tab pos="4572000" algn="l"/>
+                <a:tab pos="5029200" algn="l"/>
+                <a:tab pos="5486400" algn="l"/>
+                <a:tab pos="5943600" algn="l"/>
+                <a:tab pos="6400800" algn="l"/>
+                <a:tab pos="6858000" algn="l"/>
+              </a:tabLst>
             </a:pPr>
-            <a:r>
-              <a:rPr lang="en-US" sz="1800" b="1" i="1" dirty="0">
-                <a:effectLst/>
-                <a:latin typeface="Calibri" panose="020F0502020204030204" pitchFamily="34" charset="0"/>
-                <a:ea typeface="Cambria" panose="02040503050406030204" pitchFamily="18" charset="0"/>
-                <a:cs typeface="Times New Roman" panose="02020603050405020304" pitchFamily="18" charset="0"/>
-              </a:rPr>
-              <a:t>Binary variables</a:t>
-            </a:r>
             <a:r>
               <a:rPr lang="en-US" sz="1800" dirty="0">
                 <a:effectLst/>
@@ -4006,25 +3548,74 @@
                 <a:ea typeface="Cambria" panose="02040503050406030204" pitchFamily="18" charset="0"/>
                 <a:cs typeface="Times New Roman" panose="02020603050405020304" pitchFamily="18" charset="0"/>
               </a:rPr>
-              <a:t> are a type of nominal variable that has two categories:  </a:t>
-            </a:r>
-            <a:endParaRPr lang="en-US" sz="1800" dirty="0">
-              <a:effectLst/>
-              <a:latin typeface="Cambria" panose="02040503050406030204" pitchFamily="18" charset="0"/>
-              <a:ea typeface="Cambria" panose="02040503050406030204" pitchFamily="18" charset="0"/>
-              <a:cs typeface="Times New Roman" panose="02020603050405020304" pitchFamily="18" charset="0"/>
-            </a:endParaRPr>
-          </a:p>
-          <a:p>
-            <a:pPr marL="0" marR="0">
+              <a:t>This model will indicate which characteristics are most strongly associated with video streaming service use at the time the data were collected; if the environment changes, the model would no longer be valid</a:t>
+            </a:r>
+          </a:p>
+          <a:p>
+            <a:pPr marL="342900" marR="0" lvl="0" indent="-342900">
               <a:spcBef>
                 <a:spcPts val="0"/>
               </a:spcBef>
               <a:spcAft>
                 <a:spcPts val="0"/>
               </a:spcAft>
+              <a:buFont typeface="Symbol" panose="05050102010706020507" pitchFamily="18" charset="2"/>
+              <a:buChar char=""/>
               <a:tabLst>
-                <a:tab pos="228600" algn="l"/>
+                <a:tab pos="-914400" algn="l"/>
+                <a:tab pos="-457200" algn="l"/>
+                <a:tab pos="457200" algn="l"/>
+                <a:tab pos="914400" algn="l"/>
+                <a:tab pos="1371600" algn="l"/>
+                <a:tab pos="1828800" algn="l"/>
+                <a:tab pos="2286000" algn="l"/>
+                <a:tab pos="2743200" algn="l"/>
+                <a:tab pos="3200400" algn="l"/>
+                <a:tab pos="3657600" algn="l"/>
+                <a:tab pos="4114800" algn="l"/>
+                <a:tab pos="4572000" algn="l"/>
+                <a:tab pos="5029200" algn="l"/>
+                <a:tab pos="5486400" algn="l"/>
+                <a:tab pos="5943600" algn="l"/>
+                <a:tab pos="6400800" algn="l"/>
+                <a:tab pos="6858000" algn="l"/>
+              </a:tabLst>
+            </a:pPr>
+            <a:endParaRPr lang="en-US" sz="1800" dirty="0">
+              <a:effectLst/>
+              <a:latin typeface="Calibri" panose="020F0502020204030204" pitchFamily="34" charset="0"/>
+              <a:ea typeface="Cambria" panose="02040503050406030204" pitchFamily="18" charset="0"/>
+              <a:cs typeface="Times New Roman" panose="02020603050405020304" pitchFamily="18" charset="0"/>
+            </a:endParaRPr>
+          </a:p>
+          <a:p>
+            <a:pPr marL="0" marR="0" lvl="0" indent="0">
+              <a:spcBef>
+                <a:spcPts val="0"/>
+              </a:spcBef>
+              <a:spcAft>
+                <a:spcPts val="0"/>
+              </a:spcAft>
+              <a:buFont typeface="Symbol" panose="05050102010706020507" pitchFamily="18" charset="2"/>
+              <a:buNone/>
+              <a:tabLst>
+                <a:tab pos="-914400" algn="l"/>
+                <a:tab pos="-457200" algn="l"/>
+                <a:tab pos="457200" algn="l"/>
+                <a:tab pos="914400" algn="l"/>
+                <a:tab pos="1371600" algn="l"/>
+                <a:tab pos="1828800" algn="l"/>
+                <a:tab pos="2286000" algn="l"/>
+                <a:tab pos="2743200" algn="l"/>
+                <a:tab pos="3200400" algn="l"/>
+                <a:tab pos="3657600" algn="l"/>
+                <a:tab pos="4114800" algn="l"/>
+                <a:tab pos="4572000" algn="l"/>
+                <a:tab pos="5029200" algn="l"/>
+                <a:tab pos="5486400" algn="l"/>
+                <a:tab pos="5943600" algn="l"/>
+                <a:tab pos="6400800" algn="l"/>
+                <a:tab pos="6858000" algn="l"/>
               </a:tabLst>
             </a:pPr>
             <a:r>
@@ -4034,25 +3625,84 @@
                 <a:ea typeface="Cambria" panose="02040503050406030204" pitchFamily="18" charset="0"/>
                 <a:cs typeface="Times New Roman" panose="02020603050405020304" pitchFamily="18" charset="0"/>
               </a:rPr>
-              <a:t> 	yes/no</a:t>
-            </a:r>
-            <a:endParaRPr lang="en-US" sz="1800" dirty="0">
-              <a:effectLst/>
-              <a:latin typeface="Cambria" panose="02040503050406030204" pitchFamily="18" charset="0"/>
-              <a:ea typeface="Cambria" panose="02040503050406030204" pitchFamily="18" charset="0"/>
-              <a:cs typeface="Times New Roman" panose="02020603050405020304" pitchFamily="18" charset="0"/>
-            </a:endParaRPr>
-          </a:p>
-          <a:p>
-            <a:pPr marL="0" marR="0">
+              <a:t>2006, Netflix announced their competition to </a:t>
+            </a:r>
+            <a:r>
+              <a:rPr lang="en-US" sz="2800" b="0" i="0" dirty="0">
+                <a:solidFill>
+                  <a:srgbClr val="333333"/>
+                </a:solidFill>
+                <a:effectLst/>
+                <a:latin typeface="georgia" panose="02040502050405020303" pitchFamily="18" charset="0"/>
+              </a:rPr>
+              <a:t>come up with a recommendation software that could do a better job accurately predicting the movies customers would like than Netflix’s in-house software</a:t>
+            </a:r>
+          </a:p>
+          <a:p>
+            <a:pPr marL="0" marR="0" lvl="0" indent="0">
               <a:spcBef>
                 <a:spcPts val="0"/>
               </a:spcBef>
               <a:spcAft>
                 <a:spcPts val="0"/>
               </a:spcAft>
+              <a:buFont typeface="Symbol" panose="05050102010706020507" pitchFamily="18" charset="2"/>
+              <a:buNone/>
               <a:tabLst>
-                <a:tab pos="228600" algn="l"/>
+                <a:tab pos="-914400" algn="l"/>
+                <a:tab pos="-457200" algn="l"/>
+                <a:tab pos="457200" algn="l"/>
+                <a:tab pos="914400" algn="l"/>
+                <a:tab pos="1371600" algn="l"/>
+                <a:tab pos="1828800" algn="l"/>
+                <a:tab pos="2286000" algn="l"/>
+                <a:tab pos="2743200" algn="l"/>
+                <a:tab pos="3200400" algn="l"/>
+                <a:tab pos="3657600" algn="l"/>
+                <a:tab pos="4114800" algn="l"/>
+                <a:tab pos="4572000" algn="l"/>
+                <a:tab pos="5029200" algn="l"/>
+                <a:tab pos="5486400" algn="l"/>
+                <a:tab pos="5943600" algn="l"/>
+                <a:tab pos="6400800" algn="l"/>
+                <a:tab pos="6858000" algn="l"/>
+              </a:tabLst>
+            </a:pPr>
+            <a:endParaRPr lang="en-US" sz="1800" dirty="0">
+              <a:effectLst/>
+              <a:latin typeface="Calibri" panose="020F0502020204030204" pitchFamily="34" charset="0"/>
+              <a:ea typeface="Cambria" panose="02040503050406030204" pitchFamily="18" charset="0"/>
+              <a:cs typeface="Times New Roman" panose="02020603050405020304" pitchFamily="18" charset="0"/>
+            </a:endParaRPr>
+          </a:p>
+          <a:p>
+            <a:pPr marL="0" marR="0" lvl="0" indent="0">
+              <a:spcBef>
+                <a:spcPts val="0"/>
+              </a:spcBef>
+              <a:spcAft>
+                <a:spcPts val="0"/>
+              </a:spcAft>
+              <a:buFont typeface="Symbol" panose="05050102010706020507" pitchFamily="18" charset="2"/>
+              <a:buNone/>
+              <a:tabLst>
+                <a:tab pos="-914400" algn="l"/>
+                <a:tab pos="-457200" algn="l"/>
+                <a:tab pos="457200" algn="l"/>
+                <a:tab pos="914400" algn="l"/>
+                <a:tab pos="1371600" algn="l"/>
+                <a:tab pos="1828800" algn="l"/>
+                <a:tab pos="2286000" algn="l"/>
+                <a:tab pos="2743200" algn="l"/>
+                <a:tab pos="3200400" algn="l"/>
+                <a:tab pos="3657600" algn="l"/>
+                <a:tab pos="4114800" algn="l"/>
+                <a:tab pos="4572000" algn="l"/>
+                <a:tab pos="5029200" algn="l"/>
+                <a:tab pos="5486400" algn="l"/>
+                <a:tab pos="5943600" algn="l"/>
+                <a:tab pos="6400800" algn="l"/>
+                <a:tab pos="6858000" algn="l"/>
               </a:tabLst>
             </a:pPr>
             <a:r>
@@ -4062,25 +3712,74 @@
                 <a:ea typeface="Cambria" panose="02040503050406030204" pitchFamily="18" charset="0"/>
                 <a:cs typeface="Times New Roman" panose="02020603050405020304" pitchFamily="18" charset="0"/>
               </a:rPr>
-              <a:t>	college graduate/not a college graduate</a:t>
-            </a:r>
-            <a:endParaRPr lang="en-US" sz="1800" dirty="0">
-              <a:effectLst/>
-              <a:latin typeface="Cambria" panose="02040503050406030204" pitchFamily="18" charset="0"/>
-              <a:ea typeface="Cambria" panose="02040503050406030204" pitchFamily="18" charset="0"/>
-              <a:cs typeface="Times New Roman" panose="02020603050405020304" pitchFamily="18" charset="0"/>
-            </a:endParaRPr>
-          </a:p>
-          <a:p>
-            <a:pPr marL="0" marR="0">
+              <a:t>https://bits.blogs.nytimes.com/2009/09/21/netflix-awards-1-million-prize-and-starts-a-new-contest/</a:t>
+            </a:r>
+          </a:p>
+          <a:p>
+            <a:pPr marL="0" marR="0" lvl="0" indent="0">
               <a:spcBef>
                 <a:spcPts val="0"/>
               </a:spcBef>
               <a:spcAft>
                 <a:spcPts val="0"/>
               </a:spcAft>
+              <a:buFont typeface="Symbol" panose="05050102010706020507" pitchFamily="18" charset="2"/>
+              <a:buNone/>
               <a:tabLst>
-                <a:tab pos="228600" algn="l"/>
+                <a:tab pos="-914400" algn="l"/>
+                <a:tab pos="-457200" algn="l"/>
+                <a:tab pos="457200" algn="l"/>
+                <a:tab pos="914400" algn="l"/>
+                <a:tab pos="1371600" algn="l"/>
+                <a:tab pos="1828800" algn="l"/>
+                <a:tab pos="2286000" algn="l"/>
+                <a:tab pos="2743200" algn="l"/>
+                <a:tab pos="3200400" algn="l"/>
+                <a:tab pos="3657600" algn="l"/>
+                <a:tab pos="4114800" algn="l"/>
+                <a:tab pos="4572000" algn="l"/>
+                <a:tab pos="5029200" algn="l"/>
+                <a:tab pos="5486400" algn="l"/>
+                <a:tab pos="5943600" algn="l"/>
+                <a:tab pos="6400800" algn="l"/>
+                <a:tab pos="6858000" algn="l"/>
+              </a:tabLst>
+            </a:pPr>
+            <a:endParaRPr lang="en-US" sz="1800" dirty="0">
+              <a:effectLst/>
+              <a:latin typeface="Calibri" panose="020F0502020204030204" pitchFamily="34" charset="0"/>
+              <a:ea typeface="Cambria" panose="02040503050406030204" pitchFamily="18" charset="0"/>
+              <a:cs typeface="Times New Roman" panose="02020603050405020304" pitchFamily="18" charset="0"/>
+            </a:endParaRPr>
+          </a:p>
+          <a:p>
+            <a:pPr marL="0" marR="0" lvl="0" indent="0">
+              <a:spcBef>
+                <a:spcPts val="0"/>
+              </a:spcBef>
+              <a:spcAft>
+                <a:spcPts val="0"/>
+              </a:spcAft>
+              <a:buFont typeface="Symbol" panose="05050102010706020507" pitchFamily="18" charset="2"/>
+              <a:buNone/>
+              <a:tabLst>
+                <a:tab pos="-914400" algn="l"/>
+                <a:tab pos="-457200" algn="l"/>
+                <a:tab pos="457200" algn="l"/>
+                <a:tab pos="914400" algn="l"/>
+                <a:tab pos="1371600" algn="l"/>
+                <a:tab pos="1828800" algn="l"/>
+                <a:tab pos="2286000" algn="l"/>
+                <a:tab pos="2743200" algn="l"/>
+                <a:tab pos="3200400" algn="l"/>
+                <a:tab pos="3657600" algn="l"/>
+                <a:tab pos="4114800" algn="l"/>
+                <a:tab pos="4572000" algn="l"/>
+                <a:tab pos="5029200" algn="l"/>
+                <a:tab pos="5486400" algn="l"/>
+                <a:tab pos="5943600" algn="l"/>
+                <a:tab pos="6400800" algn="l"/>
+                <a:tab pos="6858000" algn="l"/>
               </a:tabLst>
             </a:pPr>
             <a:r>
@@ -4090,912 +3789,76 @@
                 <a:ea typeface="Cambria" panose="02040503050406030204" pitchFamily="18" charset="0"/>
                 <a:cs typeface="Times New Roman" panose="02020603050405020304" pitchFamily="18" charset="0"/>
               </a:rPr>
-              <a:t>	has coding experience/doesn’t have coding experience</a:t>
-            </a:r>
-            <a:endParaRPr lang="en-US" sz="1800" dirty="0">
-              <a:effectLst/>
-              <a:latin typeface="Cambria" panose="02040503050406030204" pitchFamily="18" charset="0"/>
-              <a:ea typeface="Cambria" panose="02040503050406030204" pitchFamily="18" charset="0"/>
-              <a:cs typeface="Times New Roman" panose="02020603050405020304" pitchFamily="18" charset="0"/>
-            </a:endParaRPr>
-          </a:p>
-          <a:p>
-            <a:pPr marL="0" marR="0">
+              <a:t>Interestingly, the algorithm has never been used due to engineering costs (https://www.wired.com/2012/04/netflix-prize-costs/) </a:t>
+            </a:r>
+          </a:p>
+          <a:p>
+            <a:pPr marL="0" marR="0" lvl="0" indent="0">
               <a:spcBef>
                 <a:spcPts val="0"/>
               </a:spcBef>
               <a:spcAft>
                 <a:spcPts val="0"/>
               </a:spcAft>
+              <a:buFont typeface="Symbol" panose="05050102010706020507" pitchFamily="18" charset="2"/>
+              <a:buNone/>
               <a:tabLst>
-                <a:tab pos="228600" algn="l"/>
+                <a:tab pos="-914400" algn="l"/>
+                <a:tab pos="-457200" algn="l"/>
+                <a:tab pos="457200" algn="l"/>
+                <a:tab pos="914400" algn="l"/>
+                <a:tab pos="1371600" algn="l"/>
+                <a:tab pos="1828800" algn="l"/>
+                <a:tab pos="2286000" algn="l"/>
+                <a:tab pos="2743200" algn="l"/>
+                <a:tab pos="3200400" algn="l"/>
+                <a:tab pos="3657600" algn="l"/>
+                <a:tab pos="4114800" algn="l"/>
+                <a:tab pos="4572000" algn="l"/>
+                <a:tab pos="5029200" algn="l"/>
+                <a:tab pos="5486400" algn="l"/>
+                <a:tab pos="5943600" algn="l"/>
+                <a:tab pos="6400800" algn="l"/>
+                <a:tab pos="6858000" algn="l"/>
               </a:tabLst>
             </a:pPr>
-            <a:r>
-              <a:rPr lang="en-US" sz="1800" dirty="0">
-                <a:effectLst/>
-                <a:latin typeface="Calibri" panose="020F0502020204030204" pitchFamily="34" charset="0"/>
-                <a:ea typeface="Cambria" panose="02040503050406030204" pitchFamily="18" charset="0"/>
-                <a:cs typeface="Times New Roman" panose="02020603050405020304" pitchFamily="18" charset="0"/>
-              </a:rPr>
-              <a:t>	mall store location/free-standing store location</a:t>
-            </a:r>
             <a:endParaRPr lang="en-US" sz="1800" dirty="0">
               <a:effectLst/>
-              <a:latin typeface="Cambria" panose="02040503050406030204" pitchFamily="18" charset="0"/>
+              <a:latin typeface="Calibri" panose="020F0502020204030204" pitchFamily="34" charset="0"/>
               <a:ea typeface="Cambria" panose="02040503050406030204" pitchFamily="18" charset="0"/>
               <a:cs typeface="Times New Roman" panose="02020603050405020304" pitchFamily="18" charset="0"/>
             </a:endParaRPr>
           </a:p>
           <a:p>
-            <a:pPr marL="0" marR="0">
+            <a:pPr marL="0" marR="0" lvl="0" indent="0">
               <a:spcBef>
                 <a:spcPts val="0"/>
               </a:spcBef>
               <a:spcAft>
                 <a:spcPts val="0"/>
               </a:spcAft>
+              <a:buFont typeface="Symbol" panose="05050102010706020507" pitchFamily="18" charset="2"/>
+              <a:buNone/>
               <a:tabLst>
-                <a:tab pos="228600" algn="l"/>
+                <a:tab pos="-914400" algn="l"/>
+                <a:tab pos="-457200" algn="l"/>
+                <a:tab pos="457200" algn="l"/>
+                <a:tab pos="914400" algn="l"/>
+                <a:tab pos="1371600" algn="l"/>
+                <a:tab pos="1828800" algn="l"/>
+                <a:tab pos="2286000" algn="l"/>
+                <a:tab pos="2743200" algn="l"/>
+                <a:tab pos="3200400" algn="l"/>
+                <a:tab pos="3657600" algn="l"/>
+                <a:tab pos="4114800" algn="l"/>
+                <a:tab pos="4572000" algn="l"/>
+                <a:tab pos="5029200" algn="l"/>
+                <a:tab pos="5486400" algn="l"/>
+                <a:tab pos="5943600" algn="l"/>
+                <a:tab pos="6400800" algn="l"/>
+                <a:tab pos="6858000" algn="l"/>
               </a:tabLst>
             </a:pPr>
-            <a:r>
-              <a:rPr lang="en-US" sz="1800" dirty="0">
-                <a:effectLst/>
-                <a:latin typeface="Calibri" panose="020F0502020204030204" pitchFamily="34" charset="0"/>
-                <a:ea typeface="Cambria" panose="02040503050406030204" pitchFamily="18" charset="0"/>
-                <a:cs typeface="Times New Roman" panose="02020603050405020304" pitchFamily="18" charset="0"/>
-              </a:rPr>
-              <a:t>	offers delivery/doesn’t offer delivery</a:t>
-            </a:r>
-            <a:endParaRPr lang="en-US" sz="1800" dirty="0">
-              <a:effectLst/>
-              <a:latin typeface="Cambria" panose="02040503050406030204" pitchFamily="18" charset="0"/>
-              <a:ea typeface="Cambria" panose="02040503050406030204" pitchFamily="18" charset="0"/>
-              <a:cs typeface="Times New Roman" panose="02020603050405020304" pitchFamily="18" charset="0"/>
-            </a:endParaRPr>
-          </a:p>
-          <a:p>
-            <a:pPr marL="0" marR="0">
-              <a:spcBef>
-                <a:spcPts val="0"/>
-              </a:spcBef>
-              <a:spcAft>
-                <a:spcPts val="0"/>
-              </a:spcAft>
-              <a:tabLst>
-                <a:tab pos="228600" algn="l"/>
-              </a:tabLst>
-            </a:pPr>
-            <a:r>
-              <a:rPr lang="en-US" sz="1800" dirty="0">
-                <a:effectLst/>
-                <a:latin typeface="Calibri" panose="020F0502020204030204" pitchFamily="34" charset="0"/>
-                <a:ea typeface="Cambria" panose="02040503050406030204" pitchFamily="18" charset="0"/>
-                <a:cs typeface="Times New Roman" panose="02020603050405020304" pitchFamily="18" charset="0"/>
-              </a:rPr>
-              <a:t>	</a:t>
-            </a:r>
-            <a:endParaRPr lang="en-US" sz="1800" dirty="0">
-              <a:effectLst/>
-              <a:latin typeface="Cambria" panose="02040503050406030204" pitchFamily="18" charset="0"/>
-              <a:ea typeface="Cambria" panose="02040503050406030204" pitchFamily="18" charset="0"/>
-              <a:cs typeface="Times New Roman" panose="02020603050405020304" pitchFamily="18" charset="0"/>
-            </a:endParaRPr>
-          </a:p>
-          <a:p>
-            <a:pPr marL="0" marR="0">
-              <a:spcBef>
-                <a:spcPts val="0"/>
-              </a:spcBef>
-              <a:spcAft>
-                <a:spcPts val="0"/>
-              </a:spcAft>
-            </a:pPr>
-            <a:r>
-              <a:rPr lang="en-US" sz="1800" b="1" i="1" dirty="0">
-                <a:effectLst/>
-                <a:latin typeface="Calibri" panose="020F0502020204030204" pitchFamily="34" charset="0"/>
-                <a:ea typeface="Cambria" panose="02040503050406030204" pitchFamily="18" charset="0"/>
-                <a:cs typeface="Times New Roman" panose="02020603050405020304" pitchFamily="18" charset="0"/>
-              </a:rPr>
-              <a:t>Ordinal variables</a:t>
-            </a:r>
-            <a:r>
-              <a:rPr lang="en-US" sz="1800" dirty="0">
-                <a:effectLst/>
-                <a:latin typeface="Calibri" panose="020F0502020204030204" pitchFamily="34" charset="0"/>
-                <a:ea typeface="Cambria" panose="02040503050406030204" pitchFamily="18" charset="0"/>
-                <a:cs typeface="Times New Roman" panose="02020603050405020304" pitchFamily="18" charset="0"/>
-              </a:rPr>
-              <a:t> have ordered categories:</a:t>
-            </a:r>
-            <a:endParaRPr lang="en-US" sz="1800" dirty="0">
-              <a:effectLst/>
-              <a:latin typeface="Cambria" panose="02040503050406030204" pitchFamily="18" charset="0"/>
-              <a:ea typeface="Cambria" panose="02040503050406030204" pitchFamily="18" charset="0"/>
-              <a:cs typeface="Times New Roman" panose="02020603050405020304" pitchFamily="18" charset="0"/>
-            </a:endParaRPr>
-          </a:p>
-          <a:p>
-            <a:pPr marL="0" marR="0">
-              <a:spcBef>
-                <a:spcPts val="0"/>
-              </a:spcBef>
-              <a:spcAft>
-                <a:spcPts val="0"/>
-              </a:spcAft>
-              <a:tabLst>
-                <a:tab pos="228600" algn="l"/>
-              </a:tabLst>
-            </a:pPr>
-            <a:r>
-              <a:rPr lang="en-US" sz="1800" dirty="0">
-                <a:effectLst/>
-                <a:latin typeface="Calibri" panose="020F0502020204030204" pitchFamily="34" charset="0"/>
-                <a:ea typeface="Cambria" panose="02040503050406030204" pitchFamily="18" charset="0"/>
-                <a:cs typeface="Times New Roman" panose="02020603050405020304" pitchFamily="18" charset="0"/>
-              </a:rPr>
-              <a:t>	age categories (18-25, 26-35, 36-45, 46-60, 60+)</a:t>
-            </a:r>
-            <a:endParaRPr lang="en-US" sz="1800" dirty="0">
-              <a:effectLst/>
-              <a:latin typeface="Cambria" panose="02040503050406030204" pitchFamily="18" charset="0"/>
-              <a:ea typeface="Cambria" panose="02040503050406030204" pitchFamily="18" charset="0"/>
-              <a:cs typeface="Times New Roman" panose="02020603050405020304" pitchFamily="18" charset="0"/>
-            </a:endParaRPr>
-          </a:p>
-          <a:p>
-            <a:pPr marL="0" marR="0">
-              <a:spcBef>
-                <a:spcPts val="0"/>
-              </a:spcBef>
-              <a:spcAft>
-                <a:spcPts val="0"/>
-              </a:spcAft>
-              <a:tabLst>
-                <a:tab pos="228600" algn="l"/>
-              </a:tabLst>
-            </a:pPr>
-            <a:r>
-              <a:rPr lang="en-US" sz="1800" dirty="0">
-                <a:effectLst/>
-                <a:latin typeface="Calibri" panose="020F0502020204030204" pitchFamily="34" charset="0"/>
-                <a:ea typeface="Cambria" panose="02040503050406030204" pitchFamily="18" charset="0"/>
-                <a:cs typeface="Times New Roman" panose="02020603050405020304" pitchFamily="18" charset="0"/>
-              </a:rPr>
-              <a:t>	movie ratings (G, PG, PG-13, R, NC-17)</a:t>
-            </a:r>
-            <a:endParaRPr lang="en-US" sz="1800" dirty="0">
-              <a:effectLst/>
-              <a:latin typeface="Cambria" panose="02040503050406030204" pitchFamily="18" charset="0"/>
-              <a:ea typeface="Cambria" panose="02040503050406030204" pitchFamily="18" charset="0"/>
-              <a:cs typeface="Times New Roman" panose="02020603050405020304" pitchFamily="18" charset="0"/>
-            </a:endParaRPr>
-          </a:p>
-          <a:p>
-            <a:pPr marL="0" marR="0">
-              <a:spcBef>
-                <a:spcPts val="0"/>
-              </a:spcBef>
-              <a:spcAft>
-                <a:spcPts val="0"/>
-              </a:spcAft>
-              <a:tabLst>
-                <a:tab pos="228600" algn="l"/>
-              </a:tabLst>
-            </a:pPr>
-            <a:r>
-              <a:rPr lang="en-US" sz="1800" dirty="0">
-                <a:effectLst/>
-                <a:latin typeface="Calibri" panose="020F0502020204030204" pitchFamily="34" charset="0"/>
-                <a:ea typeface="Cambria" panose="02040503050406030204" pitchFamily="18" charset="0"/>
-                <a:cs typeface="Times New Roman" panose="02020603050405020304" pitchFamily="18" charset="0"/>
-              </a:rPr>
-              <a:t>	clothing sizes (small, medium, large)</a:t>
-            </a:r>
-            <a:endParaRPr lang="en-US" sz="1800" dirty="0">
-              <a:effectLst/>
-              <a:latin typeface="Cambria" panose="02040503050406030204" pitchFamily="18" charset="0"/>
-              <a:ea typeface="Cambria" panose="02040503050406030204" pitchFamily="18" charset="0"/>
-              <a:cs typeface="Times New Roman" panose="02020603050405020304" pitchFamily="18" charset="0"/>
-            </a:endParaRPr>
-          </a:p>
-          <a:p>
-            <a:pPr marL="0" marR="0">
-              <a:spcBef>
-                <a:spcPts val="0"/>
-              </a:spcBef>
-              <a:spcAft>
-                <a:spcPts val="0"/>
-              </a:spcAft>
-              <a:tabLst>
-                <a:tab pos="228600" algn="l"/>
-              </a:tabLst>
-            </a:pPr>
-            <a:r>
-              <a:rPr lang="en-US" sz="1800" dirty="0">
-                <a:effectLst/>
-                <a:latin typeface="Calibri" panose="020F0502020204030204" pitchFamily="34" charset="0"/>
-                <a:ea typeface="Cambria" panose="02040503050406030204" pitchFamily="18" charset="0"/>
-                <a:cs typeface="Times New Roman" panose="02020603050405020304" pitchFamily="18" charset="0"/>
-              </a:rPr>
-              <a:t> </a:t>
-            </a:r>
-            <a:endParaRPr lang="en-US" sz="1800" dirty="0">
-              <a:effectLst/>
-              <a:latin typeface="Cambria" panose="02040503050406030204" pitchFamily="18" charset="0"/>
-              <a:ea typeface="Cambria" panose="02040503050406030204" pitchFamily="18" charset="0"/>
-              <a:cs typeface="Times New Roman" panose="02020603050405020304" pitchFamily="18" charset="0"/>
-            </a:endParaRPr>
-          </a:p>
-          <a:p>
-            <a:pPr marL="0" marR="0">
-              <a:spcBef>
-                <a:spcPts val="0"/>
-              </a:spcBef>
-              <a:spcAft>
-                <a:spcPts val="0"/>
-              </a:spcAft>
-            </a:pPr>
-            <a:r>
-              <a:rPr lang="en-US" sz="1800" b="1" i="1" dirty="0">
-                <a:effectLst/>
-                <a:latin typeface="Calibri" panose="020F0502020204030204" pitchFamily="34" charset="0"/>
-                <a:ea typeface="Cambria" panose="02040503050406030204" pitchFamily="18" charset="0"/>
-                <a:cs typeface="Times New Roman" panose="02020603050405020304" pitchFamily="18" charset="0"/>
-              </a:rPr>
-              <a:t>Interval variables</a:t>
-            </a:r>
-            <a:r>
-              <a:rPr lang="en-US" sz="1800" dirty="0">
-                <a:effectLst/>
-                <a:latin typeface="Calibri" panose="020F0502020204030204" pitchFamily="34" charset="0"/>
-                <a:ea typeface="Cambria" panose="02040503050406030204" pitchFamily="18" charset="0"/>
-                <a:cs typeface="Times New Roman" panose="02020603050405020304" pitchFamily="18" charset="0"/>
-              </a:rPr>
-              <a:t> are scaled variables with equal distances between scale points:</a:t>
-            </a:r>
-            <a:endParaRPr lang="en-US" sz="1800" dirty="0">
-              <a:effectLst/>
-              <a:latin typeface="Cambria" panose="02040503050406030204" pitchFamily="18" charset="0"/>
-              <a:ea typeface="Cambria" panose="02040503050406030204" pitchFamily="18" charset="0"/>
-              <a:cs typeface="Times New Roman" panose="02020603050405020304" pitchFamily="18" charset="0"/>
-            </a:endParaRPr>
-          </a:p>
-          <a:p>
-            <a:pPr marL="0" marR="0">
-              <a:spcBef>
-                <a:spcPts val="0"/>
-              </a:spcBef>
-              <a:spcAft>
-                <a:spcPts val="0"/>
-              </a:spcAft>
-            </a:pPr>
-            <a:r>
-              <a:rPr lang="en-US" sz="1800" dirty="0">
-                <a:effectLst/>
-                <a:latin typeface="Calibri" panose="020F0502020204030204" pitchFamily="34" charset="0"/>
-                <a:ea typeface="Cambria" panose="02040503050406030204" pitchFamily="18" charset="0"/>
-                <a:cs typeface="Times New Roman" panose="02020603050405020304" pitchFamily="18" charset="0"/>
-              </a:rPr>
-              <a:t> </a:t>
-            </a:r>
-            <a:endParaRPr lang="en-US" sz="1800" dirty="0">
-              <a:effectLst/>
-              <a:latin typeface="Cambria" panose="02040503050406030204" pitchFamily="18" charset="0"/>
-              <a:ea typeface="Cambria" panose="02040503050406030204" pitchFamily="18" charset="0"/>
-              <a:cs typeface="Times New Roman" panose="02020603050405020304" pitchFamily="18" charset="0"/>
-            </a:endParaRPr>
-          </a:p>
-          <a:p>
-            <a:pPr marL="0" marR="0">
-              <a:spcBef>
-                <a:spcPts val="0"/>
-              </a:spcBef>
-              <a:spcAft>
-                <a:spcPts val="0"/>
-              </a:spcAft>
-              <a:tabLst>
-                <a:tab pos="228600" algn="l"/>
-              </a:tabLst>
-            </a:pPr>
-            <a:r>
-              <a:rPr lang="en-US" sz="1800" dirty="0">
-                <a:effectLst/>
-                <a:latin typeface="Calibri" panose="020F0502020204030204" pitchFamily="34" charset="0"/>
-                <a:ea typeface="Cambria" panose="02040503050406030204" pitchFamily="18" charset="0"/>
-                <a:cs typeface="Times New Roman" panose="02020603050405020304" pitchFamily="18" charset="0"/>
-              </a:rPr>
-              <a:t>	Job performance evaluation, where 1 = far below expectations and 10 = outstanding performance</a:t>
-            </a:r>
-            <a:endParaRPr lang="en-US" sz="1800" dirty="0">
-              <a:effectLst/>
-              <a:latin typeface="Cambria" panose="02040503050406030204" pitchFamily="18" charset="0"/>
-              <a:ea typeface="Cambria" panose="02040503050406030204" pitchFamily="18" charset="0"/>
-              <a:cs typeface="Times New Roman" panose="02020603050405020304" pitchFamily="18" charset="0"/>
-            </a:endParaRPr>
-          </a:p>
-          <a:p>
-            <a:pPr marL="0" marR="0">
-              <a:spcBef>
-                <a:spcPts val="0"/>
-              </a:spcBef>
-              <a:spcAft>
-                <a:spcPts val="0"/>
-              </a:spcAft>
-              <a:tabLst>
-                <a:tab pos="228600" algn="l"/>
-              </a:tabLst>
-            </a:pPr>
-            <a:r>
-              <a:rPr lang="en-US" sz="1800" dirty="0">
-                <a:effectLst/>
-                <a:latin typeface="Calibri" panose="020F0502020204030204" pitchFamily="34" charset="0"/>
-                <a:ea typeface="Cambria" panose="02040503050406030204" pitchFamily="18" charset="0"/>
-                <a:cs typeface="Times New Roman" panose="02020603050405020304" pitchFamily="18" charset="0"/>
-              </a:rPr>
-              <a:t> </a:t>
-            </a:r>
-            <a:endParaRPr lang="en-US" sz="1800" dirty="0">
-              <a:effectLst/>
-              <a:latin typeface="Cambria" panose="02040503050406030204" pitchFamily="18" charset="0"/>
-              <a:ea typeface="Cambria" panose="02040503050406030204" pitchFamily="18" charset="0"/>
-              <a:cs typeface="Times New Roman" panose="02020603050405020304" pitchFamily="18" charset="0"/>
-            </a:endParaRPr>
-          </a:p>
-          <a:p>
-            <a:pPr marL="0" marR="0">
-              <a:spcBef>
-                <a:spcPts val="0"/>
-              </a:spcBef>
-              <a:spcAft>
-                <a:spcPts val="0"/>
-              </a:spcAft>
-              <a:tabLst>
-                <a:tab pos="228600" algn="l"/>
-              </a:tabLst>
-            </a:pPr>
-            <a:r>
-              <a:rPr lang="en-US" sz="1800" dirty="0">
-                <a:effectLst/>
-                <a:latin typeface="Calibri" panose="020F0502020204030204" pitchFamily="34" charset="0"/>
-                <a:ea typeface="Cambria" panose="02040503050406030204" pitchFamily="18" charset="0"/>
-                <a:cs typeface="Times New Roman" panose="02020603050405020304" pitchFamily="18" charset="0"/>
-              </a:rPr>
-              <a:t>	Taste evaluation scale, where 1 = tastes terrible and 7 = tastes delicious</a:t>
-            </a:r>
-            <a:endParaRPr lang="en-US" sz="1800" dirty="0">
-              <a:effectLst/>
-              <a:latin typeface="Cambria" panose="02040503050406030204" pitchFamily="18" charset="0"/>
-              <a:ea typeface="Cambria" panose="02040503050406030204" pitchFamily="18" charset="0"/>
-              <a:cs typeface="Times New Roman" panose="02020603050405020304" pitchFamily="18" charset="0"/>
-            </a:endParaRPr>
-          </a:p>
-          <a:p>
-            <a:pPr marL="0" marR="0">
-              <a:spcBef>
-                <a:spcPts val="0"/>
-              </a:spcBef>
-              <a:spcAft>
-                <a:spcPts val="0"/>
-              </a:spcAft>
-              <a:tabLst>
-                <a:tab pos="228600" algn="l"/>
-              </a:tabLst>
-            </a:pPr>
-            <a:r>
-              <a:rPr lang="en-US" sz="1800" dirty="0">
-                <a:effectLst/>
-                <a:latin typeface="Calibri" panose="020F0502020204030204" pitchFamily="34" charset="0"/>
-                <a:ea typeface="Cambria" panose="02040503050406030204" pitchFamily="18" charset="0"/>
-                <a:cs typeface="Times New Roman" panose="02020603050405020304" pitchFamily="18" charset="0"/>
-              </a:rPr>
-              <a:t> </a:t>
-            </a:r>
-            <a:endParaRPr lang="en-US" sz="1800" dirty="0">
-              <a:effectLst/>
-              <a:latin typeface="Cambria" panose="02040503050406030204" pitchFamily="18" charset="0"/>
-              <a:ea typeface="Cambria" panose="02040503050406030204" pitchFamily="18" charset="0"/>
-              <a:cs typeface="Times New Roman" panose="02020603050405020304" pitchFamily="18" charset="0"/>
-            </a:endParaRPr>
-          </a:p>
-          <a:p>
-            <a:pPr marL="0" marR="0">
-              <a:spcBef>
-                <a:spcPts val="0"/>
-              </a:spcBef>
-              <a:spcAft>
-                <a:spcPts val="0"/>
-              </a:spcAft>
-              <a:tabLst>
-                <a:tab pos="228600" algn="l"/>
-              </a:tabLst>
-            </a:pPr>
-            <a:r>
-              <a:rPr lang="en-US" sz="1800" dirty="0">
-                <a:effectLst/>
-                <a:latin typeface="Calibri" panose="020F0502020204030204" pitchFamily="34" charset="0"/>
-                <a:ea typeface="Cambria" panose="02040503050406030204" pitchFamily="18" charset="0"/>
-                <a:cs typeface="Times New Roman" panose="02020603050405020304" pitchFamily="18" charset="0"/>
-              </a:rPr>
-              <a:t>	A variable like the income measure below, which has equal distances between categories</a:t>
-            </a:r>
-            <a:endParaRPr lang="en-US" sz="1800" dirty="0">
-              <a:effectLst/>
-              <a:latin typeface="Cambria" panose="02040503050406030204" pitchFamily="18" charset="0"/>
-              <a:ea typeface="Cambria" panose="02040503050406030204" pitchFamily="18" charset="0"/>
-              <a:cs typeface="Times New Roman" panose="02020603050405020304" pitchFamily="18" charset="0"/>
-            </a:endParaRPr>
-          </a:p>
-          <a:p>
-            <a:pPr marL="0" marR="0">
-              <a:spcBef>
-                <a:spcPts val="0"/>
-              </a:spcBef>
-              <a:spcAft>
-                <a:spcPts val="0"/>
-              </a:spcAft>
-              <a:tabLst>
-                <a:tab pos="400050" algn="l"/>
-              </a:tabLst>
-            </a:pPr>
-            <a:r>
-              <a:rPr lang="en-US" sz="1800" dirty="0">
-                <a:effectLst/>
-                <a:latin typeface="Calibri" panose="020F0502020204030204" pitchFamily="34" charset="0"/>
-                <a:ea typeface="Cambria" panose="02040503050406030204" pitchFamily="18" charset="0"/>
-                <a:cs typeface="Times New Roman" panose="02020603050405020304" pitchFamily="18" charset="0"/>
-              </a:rPr>
-              <a:t>		––– less than $25,000 </a:t>
-            </a:r>
-            <a:endParaRPr lang="en-US" sz="1800" dirty="0">
-              <a:effectLst/>
-              <a:latin typeface="Cambria" panose="02040503050406030204" pitchFamily="18" charset="0"/>
-              <a:ea typeface="Cambria" panose="02040503050406030204" pitchFamily="18" charset="0"/>
-              <a:cs typeface="Times New Roman" panose="02020603050405020304" pitchFamily="18" charset="0"/>
-            </a:endParaRPr>
-          </a:p>
-          <a:p>
-            <a:pPr marL="0" marR="0">
-              <a:spcBef>
-                <a:spcPts val="0"/>
-              </a:spcBef>
-              <a:spcAft>
-                <a:spcPts val="0"/>
-              </a:spcAft>
-              <a:tabLst>
-                <a:tab pos="400050" algn="l"/>
-              </a:tabLst>
-            </a:pPr>
-            <a:r>
-              <a:rPr lang="en-US" sz="1800" dirty="0">
-                <a:effectLst/>
-                <a:latin typeface="Calibri" panose="020F0502020204030204" pitchFamily="34" charset="0"/>
-                <a:ea typeface="Cambria" panose="02040503050406030204" pitchFamily="18" charset="0"/>
-                <a:cs typeface="Times New Roman" panose="02020603050405020304" pitchFamily="18" charset="0"/>
-              </a:rPr>
-              <a:t>		––– $25,000 - $49,999</a:t>
-            </a:r>
-            <a:endParaRPr lang="en-US" sz="1800" dirty="0">
-              <a:effectLst/>
-              <a:latin typeface="Cambria" panose="02040503050406030204" pitchFamily="18" charset="0"/>
-              <a:ea typeface="Cambria" panose="02040503050406030204" pitchFamily="18" charset="0"/>
-              <a:cs typeface="Times New Roman" panose="02020603050405020304" pitchFamily="18" charset="0"/>
-            </a:endParaRPr>
-          </a:p>
-          <a:p>
-            <a:pPr marL="0" marR="0">
-              <a:spcBef>
-                <a:spcPts val="0"/>
-              </a:spcBef>
-              <a:spcAft>
-                <a:spcPts val="0"/>
-              </a:spcAft>
-              <a:tabLst>
-                <a:tab pos="400050" algn="l"/>
-              </a:tabLst>
-            </a:pPr>
-            <a:r>
-              <a:rPr lang="en-US" sz="1800" dirty="0">
-                <a:effectLst/>
-                <a:latin typeface="Calibri" panose="020F0502020204030204" pitchFamily="34" charset="0"/>
-                <a:ea typeface="Cambria" panose="02040503050406030204" pitchFamily="18" charset="0"/>
-                <a:cs typeface="Times New Roman" panose="02020603050405020304" pitchFamily="18" charset="0"/>
-              </a:rPr>
-              <a:t>		––– $50,000 - $74,999</a:t>
-            </a:r>
-            <a:endParaRPr lang="en-US" sz="1800" dirty="0">
-              <a:effectLst/>
-              <a:latin typeface="Cambria" panose="02040503050406030204" pitchFamily="18" charset="0"/>
-              <a:ea typeface="Cambria" panose="02040503050406030204" pitchFamily="18" charset="0"/>
-              <a:cs typeface="Times New Roman" panose="02020603050405020304" pitchFamily="18" charset="0"/>
-            </a:endParaRPr>
-          </a:p>
-          <a:p>
-            <a:pPr marL="0" marR="0">
-              <a:spcBef>
-                <a:spcPts val="0"/>
-              </a:spcBef>
-              <a:spcAft>
-                <a:spcPts val="0"/>
-              </a:spcAft>
-              <a:tabLst>
-                <a:tab pos="400050" algn="l"/>
-              </a:tabLst>
-            </a:pPr>
-            <a:r>
-              <a:rPr lang="en-US" sz="1800" dirty="0">
-                <a:effectLst/>
-                <a:latin typeface="Calibri" panose="020F0502020204030204" pitchFamily="34" charset="0"/>
-                <a:ea typeface="Cambria" panose="02040503050406030204" pitchFamily="18" charset="0"/>
-                <a:cs typeface="Times New Roman" panose="02020603050405020304" pitchFamily="18" charset="0"/>
-              </a:rPr>
-              <a:t>		––– $75,000 - $99,999</a:t>
-            </a:r>
-            <a:endParaRPr lang="en-US" sz="1800" dirty="0">
-              <a:effectLst/>
-              <a:latin typeface="Cambria" panose="02040503050406030204" pitchFamily="18" charset="0"/>
-              <a:ea typeface="Cambria" panose="02040503050406030204" pitchFamily="18" charset="0"/>
-              <a:cs typeface="Times New Roman" panose="02020603050405020304" pitchFamily="18" charset="0"/>
-            </a:endParaRPr>
-          </a:p>
-          <a:p>
-            <a:pPr marL="0" marR="0">
-              <a:spcBef>
-                <a:spcPts val="0"/>
-              </a:spcBef>
-              <a:spcAft>
-                <a:spcPts val="0"/>
-              </a:spcAft>
-              <a:tabLst>
-                <a:tab pos="400050" algn="l"/>
-              </a:tabLst>
-            </a:pPr>
-            <a:r>
-              <a:rPr lang="en-US" sz="1800" dirty="0">
-                <a:effectLst/>
-                <a:latin typeface="Calibri" panose="020F0502020204030204" pitchFamily="34" charset="0"/>
-                <a:ea typeface="Cambria" panose="02040503050406030204" pitchFamily="18" charset="0"/>
-                <a:cs typeface="Times New Roman" panose="02020603050405020304" pitchFamily="18" charset="0"/>
-              </a:rPr>
-              <a:t>		––– $100,000 - $124,999</a:t>
-            </a:r>
-            <a:endParaRPr lang="en-US" sz="1800" dirty="0">
-              <a:effectLst/>
-              <a:latin typeface="Cambria" panose="02040503050406030204" pitchFamily="18" charset="0"/>
-              <a:ea typeface="Cambria" panose="02040503050406030204" pitchFamily="18" charset="0"/>
-              <a:cs typeface="Times New Roman" panose="02020603050405020304" pitchFamily="18" charset="0"/>
-            </a:endParaRPr>
-          </a:p>
-          <a:p>
-            <a:pPr marL="0" marR="0">
-              <a:spcBef>
-                <a:spcPts val="0"/>
-              </a:spcBef>
-              <a:spcAft>
-                <a:spcPts val="0"/>
-              </a:spcAft>
-              <a:tabLst>
-                <a:tab pos="400050" algn="l"/>
-              </a:tabLst>
-            </a:pPr>
-            <a:r>
-              <a:rPr lang="en-US" sz="1800" dirty="0">
-                <a:effectLst/>
-                <a:latin typeface="Calibri" panose="020F0502020204030204" pitchFamily="34" charset="0"/>
-                <a:ea typeface="Cambria" panose="02040503050406030204" pitchFamily="18" charset="0"/>
-                <a:cs typeface="Times New Roman" panose="02020603050405020304" pitchFamily="18" charset="0"/>
-              </a:rPr>
-              <a:t>		––– $125,000 - $149,999</a:t>
-            </a:r>
-            <a:endParaRPr lang="en-US" sz="1800" dirty="0">
-              <a:effectLst/>
-              <a:latin typeface="Cambria" panose="02040503050406030204" pitchFamily="18" charset="0"/>
-              <a:ea typeface="Cambria" panose="02040503050406030204" pitchFamily="18" charset="0"/>
-              <a:cs typeface="Times New Roman" panose="02020603050405020304" pitchFamily="18" charset="0"/>
-            </a:endParaRPr>
-          </a:p>
-          <a:p>
-            <a:pPr marL="0" marR="0">
-              <a:spcBef>
-                <a:spcPts val="0"/>
-              </a:spcBef>
-              <a:spcAft>
-                <a:spcPts val="0"/>
-              </a:spcAft>
-              <a:tabLst>
-                <a:tab pos="228600" algn="l"/>
-              </a:tabLst>
-            </a:pPr>
-            <a:r>
-              <a:rPr lang="en-US" sz="1800" dirty="0">
-                <a:effectLst/>
-                <a:latin typeface="Calibri" panose="020F0502020204030204" pitchFamily="34" charset="0"/>
-                <a:ea typeface="Cambria" panose="02040503050406030204" pitchFamily="18" charset="0"/>
-                <a:cs typeface="Times New Roman" panose="02020603050405020304" pitchFamily="18" charset="0"/>
-              </a:rPr>
-              <a:t> </a:t>
-            </a:r>
-            <a:endParaRPr lang="en-US" sz="1800" dirty="0">
-              <a:effectLst/>
-              <a:latin typeface="Cambria" panose="02040503050406030204" pitchFamily="18" charset="0"/>
-              <a:ea typeface="Cambria" panose="02040503050406030204" pitchFamily="18" charset="0"/>
-              <a:cs typeface="Times New Roman" panose="02020603050405020304" pitchFamily="18" charset="0"/>
-            </a:endParaRPr>
-          </a:p>
-          <a:p>
-            <a:pPr marL="0" marR="0">
-              <a:spcBef>
-                <a:spcPts val="0"/>
-              </a:spcBef>
-              <a:spcAft>
-                <a:spcPts val="0"/>
-              </a:spcAft>
-              <a:tabLst>
-                <a:tab pos="228600" algn="l"/>
-              </a:tabLst>
-            </a:pPr>
-            <a:r>
-              <a:rPr lang="en-US" sz="1800" b="1" i="1" dirty="0">
-                <a:effectLst/>
-                <a:latin typeface="Calibri" panose="020F0502020204030204" pitchFamily="34" charset="0"/>
-                <a:ea typeface="Cambria" panose="02040503050406030204" pitchFamily="18" charset="0"/>
-                <a:cs typeface="Times New Roman" panose="02020603050405020304" pitchFamily="18" charset="0"/>
-              </a:rPr>
-              <a:t>Ratio variables</a:t>
-            </a:r>
-            <a:r>
-              <a:rPr lang="en-US" sz="1800" dirty="0">
-                <a:effectLst/>
-                <a:latin typeface="Calibri" panose="020F0502020204030204" pitchFamily="34" charset="0"/>
-                <a:ea typeface="Cambria" panose="02040503050406030204" pitchFamily="18" charset="0"/>
-                <a:cs typeface="Times New Roman" panose="02020603050405020304" pitchFamily="18" charset="0"/>
-              </a:rPr>
-              <a:t> have specific </a:t>
-            </a:r>
-            <a:r>
-              <a:rPr lang="en-US" sz="1800" u="sng" dirty="0">
-                <a:effectLst/>
-                <a:latin typeface="Calibri" panose="020F0502020204030204" pitchFamily="34" charset="0"/>
-                <a:ea typeface="Cambria" panose="02040503050406030204" pitchFamily="18" charset="0"/>
-                <a:cs typeface="Times New Roman" panose="02020603050405020304" pitchFamily="18" charset="0"/>
-              </a:rPr>
-              <a:t>quantities</a:t>
-            </a:r>
-            <a:r>
-              <a:rPr lang="en-US" sz="1800" dirty="0">
-                <a:effectLst/>
-                <a:latin typeface="Calibri" panose="020F0502020204030204" pitchFamily="34" charset="0"/>
-                <a:ea typeface="Cambria" panose="02040503050406030204" pitchFamily="18" charset="0"/>
-                <a:cs typeface="Times New Roman" panose="02020603050405020304" pitchFamily="18" charset="0"/>
-              </a:rPr>
-              <a:t>, such as</a:t>
-            </a:r>
-            <a:endParaRPr lang="en-US" sz="1800" dirty="0">
-              <a:effectLst/>
-              <a:latin typeface="Cambria" panose="02040503050406030204" pitchFamily="18" charset="0"/>
-              <a:ea typeface="Cambria" panose="02040503050406030204" pitchFamily="18" charset="0"/>
-              <a:cs typeface="Times New Roman" panose="02020603050405020304" pitchFamily="18" charset="0"/>
-            </a:endParaRPr>
-          </a:p>
-          <a:p>
-            <a:pPr marL="0" marR="0">
-              <a:spcBef>
-                <a:spcPts val="0"/>
-              </a:spcBef>
-              <a:spcAft>
-                <a:spcPts val="0"/>
-              </a:spcAft>
-              <a:tabLst>
-                <a:tab pos="228600" algn="l"/>
-              </a:tabLst>
-            </a:pPr>
-            <a:r>
-              <a:rPr lang="en-US" sz="1800" dirty="0">
-                <a:effectLst/>
-                <a:latin typeface="Calibri" panose="020F0502020204030204" pitchFamily="34" charset="0"/>
-                <a:ea typeface="Cambria" panose="02040503050406030204" pitchFamily="18" charset="0"/>
-                <a:cs typeface="Times New Roman" panose="02020603050405020304" pitchFamily="18" charset="0"/>
-              </a:rPr>
-              <a:t> </a:t>
-            </a:r>
-            <a:endParaRPr lang="en-US" sz="1800" dirty="0">
-              <a:effectLst/>
-              <a:latin typeface="Cambria" panose="02040503050406030204" pitchFamily="18" charset="0"/>
-              <a:ea typeface="Cambria" panose="02040503050406030204" pitchFamily="18" charset="0"/>
-              <a:cs typeface="Times New Roman" panose="02020603050405020304" pitchFamily="18" charset="0"/>
-            </a:endParaRPr>
-          </a:p>
-          <a:p>
-            <a:pPr marL="0" marR="0">
-              <a:spcBef>
-                <a:spcPts val="0"/>
-              </a:spcBef>
-              <a:spcAft>
-                <a:spcPts val="0"/>
-              </a:spcAft>
-              <a:tabLst>
-                <a:tab pos="228600" algn="l"/>
-              </a:tabLst>
-            </a:pPr>
-            <a:r>
-              <a:rPr lang="en-US" sz="1800" dirty="0">
-                <a:effectLst/>
-                <a:latin typeface="Calibri" panose="020F0502020204030204" pitchFamily="34" charset="0"/>
-                <a:ea typeface="Cambria" panose="02040503050406030204" pitchFamily="18" charset="0"/>
-                <a:cs typeface="Times New Roman" panose="02020603050405020304" pitchFamily="18" charset="0"/>
-              </a:rPr>
-              <a:t>	number of employees</a:t>
-            </a:r>
-            <a:endParaRPr lang="en-US" sz="1800" dirty="0">
-              <a:effectLst/>
-              <a:latin typeface="Cambria" panose="02040503050406030204" pitchFamily="18" charset="0"/>
-              <a:ea typeface="Cambria" panose="02040503050406030204" pitchFamily="18" charset="0"/>
-              <a:cs typeface="Times New Roman" panose="02020603050405020304" pitchFamily="18" charset="0"/>
-            </a:endParaRPr>
-          </a:p>
-          <a:p>
-            <a:pPr marL="0" marR="0">
-              <a:spcBef>
-                <a:spcPts val="0"/>
-              </a:spcBef>
-              <a:spcAft>
-                <a:spcPts val="0"/>
-              </a:spcAft>
-              <a:tabLst>
-                <a:tab pos="228600" algn="l"/>
-              </a:tabLst>
-            </a:pPr>
-            <a:r>
-              <a:rPr lang="en-US" sz="1800" dirty="0">
-                <a:effectLst/>
-                <a:latin typeface="Calibri" panose="020F0502020204030204" pitchFamily="34" charset="0"/>
-                <a:ea typeface="Cambria" panose="02040503050406030204" pitchFamily="18" charset="0"/>
-                <a:cs typeface="Times New Roman" panose="02020603050405020304" pitchFamily="18" charset="0"/>
-              </a:rPr>
-              <a:t>	number of years of work experience</a:t>
-            </a:r>
-            <a:endParaRPr lang="en-US" sz="1800" dirty="0">
-              <a:effectLst/>
-              <a:latin typeface="Cambria" panose="02040503050406030204" pitchFamily="18" charset="0"/>
-              <a:ea typeface="Cambria" panose="02040503050406030204" pitchFamily="18" charset="0"/>
-              <a:cs typeface="Times New Roman" panose="02020603050405020304" pitchFamily="18" charset="0"/>
-            </a:endParaRPr>
-          </a:p>
-          <a:p>
-            <a:pPr marL="0" marR="0">
-              <a:spcBef>
-                <a:spcPts val="0"/>
-              </a:spcBef>
-              <a:spcAft>
-                <a:spcPts val="0"/>
-              </a:spcAft>
-              <a:tabLst>
-                <a:tab pos="228600" algn="l"/>
-              </a:tabLst>
-            </a:pPr>
-            <a:r>
-              <a:rPr lang="en-US" sz="1800" dirty="0">
-                <a:effectLst/>
-                <a:latin typeface="Calibri" panose="020F0502020204030204" pitchFamily="34" charset="0"/>
-                <a:ea typeface="Cambria" panose="02040503050406030204" pitchFamily="18" charset="0"/>
-                <a:cs typeface="Times New Roman" panose="02020603050405020304" pitchFamily="18" charset="0"/>
-              </a:rPr>
-              <a:t>	points on a test</a:t>
-            </a:r>
-            <a:endParaRPr lang="en-US" sz="1800" dirty="0">
-              <a:effectLst/>
-              <a:latin typeface="Cambria" panose="02040503050406030204" pitchFamily="18" charset="0"/>
-              <a:ea typeface="Cambria" panose="02040503050406030204" pitchFamily="18" charset="0"/>
-              <a:cs typeface="Times New Roman" panose="02020603050405020304" pitchFamily="18" charset="0"/>
-            </a:endParaRPr>
-          </a:p>
-          <a:p>
-            <a:pPr marL="0" marR="0">
-              <a:spcBef>
-                <a:spcPts val="0"/>
-              </a:spcBef>
-              <a:spcAft>
-                <a:spcPts val="0"/>
-              </a:spcAft>
-              <a:tabLst>
-                <a:tab pos="228600" algn="l"/>
-              </a:tabLst>
-            </a:pPr>
-            <a:r>
-              <a:rPr lang="en-US" sz="1800" dirty="0">
-                <a:effectLst/>
-                <a:latin typeface="Calibri" panose="020F0502020204030204" pitchFamily="34" charset="0"/>
-                <a:ea typeface="Cambria" panose="02040503050406030204" pitchFamily="18" charset="0"/>
-                <a:cs typeface="Times New Roman" panose="02020603050405020304" pitchFamily="18" charset="0"/>
-              </a:rPr>
-              <a:t>	price of a pair of jeans</a:t>
-            </a:r>
-            <a:endParaRPr lang="en-US" sz="1800" dirty="0">
-              <a:effectLst/>
-              <a:latin typeface="Cambria" panose="02040503050406030204" pitchFamily="18" charset="0"/>
-              <a:ea typeface="Cambria" panose="02040503050406030204" pitchFamily="18" charset="0"/>
-              <a:cs typeface="Times New Roman" panose="02020603050405020304" pitchFamily="18" charset="0"/>
-            </a:endParaRPr>
-          </a:p>
-          <a:p>
-            <a:pPr marL="0" marR="0">
-              <a:spcBef>
-                <a:spcPts val="0"/>
-              </a:spcBef>
-              <a:spcAft>
-                <a:spcPts val="0"/>
-              </a:spcAft>
-              <a:tabLst>
-                <a:tab pos="228600" algn="l"/>
-              </a:tabLst>
-            </a:pPr>
-            <a:r>
-              <a:rPr lang="en-US" sz="1800" dirty="0">
-                <a:effectLst/>
-                <a:latin typeface="Calibri" panose="020F0502020204030204" pitchFamily="34" charset="0"/>
-                <a:ea typeface="Cambria" panose="02040503050406030204" pitchFamily="18" charset="0"/>
-                <a:cs typeface="Times New Roman" panose="02020603050405020304" pitchFamily="18" charset="0"/>
-              </a:rPr>
-              <a:t>  </a:t>
-            </a:r>
-            <a:endParaRPr lang="en-US" sz="1800" dirty="0">
-              <a:effectLst/>
-              <a:latin typeface="Cambria" panose="02040503050406030204" pitchFamily="18" charset="0"/>
-              <a:ea typeface="Cambria" panose="02040503050406030204" pitchFamily="18" charset="0"/>
-              <a:cs typeface="Times New Roman" panose="02020603050405020304" pitchFamily="18" charset="0"/>
-            </a:endParaRPr>
-          </a:p>
-          <a:p>
-            <a:pPr marL="0" marR="0">
-              <a:spcBef>
-                <a:spcPts val="0"/>
-              </a:spcBef>
-              <a:spcAft>
-                <a:spcPts val="0"/>
-              </a:spcAft>
-              <a:tabLst>
-                <a:tab pos="228600" algn="l"/>
-              </a:tabLst>
-            </a:pPr>
-            <a:r>
-              <a:rPr lang="en-US" sz="1800" dirty="0">
-                <a:effectLst/>
-                <a:latin typeface="Calibri" panose="020F0502020204030204" pitchFamily="34" charset="0"/>
-                <a:ea typeface="Cambria" panose="02040503050406030204" pitchFamily="18" charset="0"/>
-                <a:cs typeface="Times New Roman" panose="02020603050405020304" pitchFamily="18" charset="0"/>
-              </a:rPr>
-              <a:t> </a:t>
-            </a:r>
-            <a:endParaRPr lang="en-US" sz="1800" dirty="0">
-              <a:effectLst/>
-              <a:latin typeface="Cambria" panose="02040503050406030204" pitchFamily="18" charset="0"/>
-              <a:ea typeface="Cambria" panose="02040503050406030204" pitchFamily="18" charset="0"/>
-              <a:cs typeface="Times New Roman" panose="02020603050405020304" pitchFamily="18" charset="0"/>
-            </a:endParaRPr>
-          </a:p>
-          <a:p>
-            <a:pPr marL="0" marR="0">
-              <a:spcBef>
-                <a:spcPts val="0"/>
-              </a:spcBef>
-              <a:spcAft>
-                <a:spcPts val="0"/>
-              </a:spcAft>
-              <a:tabLst>
-                <a:tab pos="228600" algn="l"/>
-              </a:tabLst>
-            </a:pPr>
-            <a:r>
-              <a:rPr lang="en-US" sz="1800" dirty="0">
-                <a:effectLst/>
-                <a:latin typeface="Calibri" panose="020F0502020204030204" pitchFamily="34" charset="0"/>
-                <a:ea typeface="Cambria" panose="02040503050406030204" pitchFamily="18" charset="0"/>
-                <a:cs typeface="Times New Roman" panose="02020603050405020304" pitchFamily="18" charset="0"/>
-              </a:rPr>
-              <a:t>Only binary, interval, and ratio level variables can be used in regression analysis</a:t>
-            </a:r>
             <a:endParaRPr lang="en-US" sz="1800" dirty="0">
               <a:effectLst/>
               <a:latin typeface="Cambria" panose="02040503050406030204" pitchFamily="18" charset="0"/>
@@ -5025,7 +3888,7 @@
           <a:p>
             <a:fld id="{BC849E9A-41F7-4779-A581-48A7C374A227}" type="slidenum">
               <a:rPr lang="en-US" smtClean="0"/>
-              <a:t>10</a:t>
+              <a:t>9</a:t>
             </a:fld>
             <a:endParaRPr lang="en-US" dirty="0"/>
           </a:p>
@@ -5034,7 +3897,7 @@
     </p:spTree>
     <p:extLst>
       <p:ext uri="{BB962C8B-B14F-4D97-AF65-F5344CB8AC3E}">
-        <p14:creationId xmlns:p14="http://schemas.microsoft.com/office/powerpoint/2010/main" val="951509284"/>
+        <p14:creationId xmlns:p14="http://schemas.microsoft.com/office/powerpoint/2010/main" val="297263007"/>
       </p:ext>
     </p:extLst>
   </p:cSld>
@@ -5090,7 +3953,7 @@
           <a:p>
             <a:r>
               <a:rPr lang="en-US" dirty="0"/>
-              <a:t>Now we will do an example to show how to identify suitable independent variables </a:t>
+              <a:t>Kinds of variables we can include in multiple regression analysis</a:t>
             </a:r>
           </a:p>
           <a:p>
@@ -5098,85 +3961,1236 @@
           </a:p>
           <a:p>
             <a:r>
-              <a:rPr lang="en-US" sz="1200" dirty="0"/>
-              <a:t>below is a list of the variables the analyst has data for. </a:t>
-            </a:r>
+              <a:rPr lang="en-US" dirty="0"/>
+              <a:t>Ask students: </a:t>
+            </a:r>
+          </a:p>
+          <a:p>
+            <a:r>
+              <a:rPr lang="en-US" dirty="0"/>
+              <a:t>Can somebody remind me what the levels of measurements are and their examples? </a:t>
+            </a:r>
+          </a:p>
+          <a:p>
             <a:endParaRPr lang="en-US" dirty="0"/>
           </a:p>
           <a:p>
-            <a:pPr marL="0" marR="0" lvl="0" indent="0" algn="l" defTabSz="914400" rtl="0" eaLnBrk="1" fontAlgn="auto" latinLnBrk="0" hangingPunct="1">
-              <a:lnSpc>
-                <a:spcPct val="100000"/>
-              </a:lnSpc>
+            <a:pPr marL="0" marR="0">
               <a:spcBef>
                 <a:spcPts val="0"/>
               </a:spcBef>
               <a:spcAft>
                 <a:spcPts val="0"/>
               </a:spcAft>
-              <a:buClrTx/>
-              <a:buSzTx/>
-              <a:buFontTx/>
-              <a:buNone/>
-              <a:tabLst/>
-              <a:defRPr/>
             </a:pPr>
             <a:r>
-              <a:rPr lang="en-US" sz="1200" dirty="0"/>
-              <a:t>Which of the above variables should not be included in the regression model because of level of measurement?</a:t>
-            </a:r>
-          </a:p>
-          <a:p>
-            <a:pPr marL="0" marR="0" lvl="0" indent="0" algn="l" defTabSz="914400" rtl="0" eaLnBrk="1" fontAlgn="auto" latinLnBrk="0" hangingPunct="1">
-              <a:lnSpc>
-                <a:spcPct val="100000"/>
-              </a:lnSpc>
+              <a:rPr lang="en-US" sz="1800" b="1" dirty="0">
+                <a:effectLst/>
+                <a:latin typeface="Calibri" panose="020F0502020204030204" pitchFamily="34" charset="0"/>
+                <a:ea typeface="Cambria" panose="02040503050406030204" pitchFamily="18" charset="0"/>
+                <a:cs typeface="Times New Roman" panose="02020603050405020304" pitchFamily="18" charset="0"/>
+              </a:rPr>
+              <a:t>Reviewing levels of measurement</a:t>
+            </a:r>
+            <a:endParaRPr lang="en-US" sz="1800" dirty="0">
+              <a:effectLst/>
+              <a:latin typeface="Cambria" panose="02040503050406030204" pitchFamily="18" charset="0"/>
+              <a:ea typeface="Cambria" panose="02040503050406030204" pitchFamily="18" charset="0"/>
+              <a:cs typeface="Times New Roman" panose="02020603050405020304" pitchFamily="18" charset="0"/>
+            </a:endParaRPr>
+          </a:p>
+          <a:p>
+            <a:pPr marL="0" marR="0">
               <a:spcBef>
                 <a:spcPts val="0"/>
               </a:spcBef>
               <a:spcAft>
                 <a:spcPts val="0"/>
               </a:spcAft>
-              <a:buClrTx/>
-              <a:buSzTx/>
-              <a:buFontTx/>
-              <a:buNone/>
-              <a:tabLst/>
-              <a:defRPr/>
             </a:pPr>
-            <a:endParaRPr lang="en-US" sz="1200" dirty="0"/>
-          </a:p>
-          <a:p>
-            <a:pPr marL="0" marR="0" lvl="0" indent="0" algn="l" defTabSz="914400" rtl="0" eaLnBrk="1" fontAlgn="auto" latinLnBrk="0" hangingPunct="1">
-              <a:lnSpc>
-                <a:spcPct val="100000"/>
-              </a:lnSpc>
+            <a:r>
+              <a:rPr lang="en-US" sz="1800" dirty="0">
+                <a:effectLst/>
+                <a:latin typeface="Calibri" panose="020F0502020204030204" pitchFamily="34" charset="0"/>
+                <a:ea typeface="Cambria" panose="02040503050406030204" pitchFamily="18" charset="0"/>
+                <a:cs typeface="Times New Roman" panose="02020603050405020304" pitchFamily="18" charset="0"/>
+              </a:rPr>
+              <a:t> </a:t>
+            </a:r>
+            <a:endParaRPr lang="en-US" sz="1800" dirty="0">
+              <a:effectLst/>
+              <a:latin typeface="Cambria" panose="02040503050406030204" pitchFamily="18" charset="0"/>
+              <a:ea typeface="Cambria" panose="02040503050406030204" pitchFamily="18" charset="0"/>
+              <a:cs typeface="Times New Roman" panose="02020603050405020304" pitchFamily="18" charset="0"/>
+            </a:endParaRPr>
+          </a:p>
+          <a:p>
+            <a:pPr marL="0" marR="0">
               <a:spcBef>
                 <a:spcPts val="0"/>
               </a:spcBef>
               <a:spcAft>
                 <a:spcPts val="0"/>
               </a:spcAft>
-              <a:buClrTx/>
-              <a:buSzTx/>
-              <a:buFontTx/>
-              <a:buNone/>
-              <a:tabLst/>
-              <a:defRPr/>
             </a:pPr>
             <a:r>
-              <a:rPr lang="en-US" sz="1200" dirty="0"/>
-              <a:t>Ask for each independent variable, the level of measurement </a:t>
-            </a:r>
-          </a:p>
-          <a:p>
-            <a:endParaRPr lang="en-US" dirty="0"/>
-          </a:p>
-          <a:p>
-            <a:r>
-              <a:rPr lang="en-US" dirty="0"/>
-              <a:t>4 and 7</a:t>
-            </a:r>
+              <a:rPr lang="en-US" sz="1800" b="1" i="1" dirty="0">
+                <a:effectLst/>
+                <a:latin typeface="Calibri" panose="020F0502020204030204" pitchFamily="34" charset="0"/>
+                <a:ea typeface="Cambria" panose="02040503050406030204" pitchFamily="18" charset="0"/>
+                <a:cs typeface="Times New Roman" panose="02020603050405020304" pitchFamily="18" charset="0"/>
+              </a:rPr>
+              <a:t>Nominal variables</a:t>
+            </a:r>
+            <a:r>
+              <a:rPr lang="en-US" sz="1800" dirty="0">
+                <a:effectLst/>
+                <a:latin typeface="Calibri" panose="020F0502020204030204" pitchFamily="34" charset="0"/>
+                <a:ea typeface="Cambria" panose="02040503050406030204" pitchFamily="18" charset="0"/>
+                <a:cs typeface="Times New Roman" panose="02020603050405020304" pitchFamily="18" charset="0"/>
+              </a:rPr>
+              <a:t> are composed of categories that have no order to them:</a:t>
+            </a:r>
+            <a:endParaRPr lang="en-US" sz="1800" dirty="0">
+              <a:effectLst/>
+              <a:latin typeface="Cambria" panose="02040503050406030204" pitchFamily="18" charset="0"/>
+              <a:ea typeface="Cambria" panose="02040503050406030204" pitchFamily="18" charset="0"/>
+              <a:cs typeface="Times New Roman" panose="02020603050405020304" pitchFamily="18" charset="0"/>
+            </a:endParaRPr>
+          </a:p>
+          <a:p>
+            <a:pPr marL="0" marR="0">
+              <a:spcBef>
+                <a:spcPts val="0"/>
+              </a:spcBef>
+              <a:spcAft>
+                <a:spcPts val="0"/>
+              </a:spcAft>
+              <a:tabLst>
+                <a:tab pos="228600" algn="l"/>
+              </a:tabLst>
+            </a:pPr>
+            <a:r>
+              <a:rPr lang="en-US" sz="1800" dirty="0">
+                <a:effectLst/>
+                <a:latin typeface="Calibri" panose="020F0502020204030204" pitchFamily="34" charset="0"/>
+                <a:ea typeface="Cambria" panose="02040503050406030204" pitchFamily="18" charset="0"/>
+                <a:cs typeface="Times New Roman" panose="02020603050405020304" pitchFamily="18" charset="0"/>
+              </a:rPr>
+              <a:t>	the state a business is located in</a:t>
+            </a:r>
+            <a:endParaRPr lang="en-US" sz="1800" dirty="0">
+              <a:effectLst/>
+              <a:latin typeface="Cambria" panose="02040503050406030204" pitchFamily="18" charset="0"/>
+              <a:ea typeface="Cambria" panose="02040503050406030204" pitchFamily="18" charset="0"/>
+              <a:cs typeface="Times New Roman" panose="02020603050405020304" pitchFamily="18" charset="0"/>
+            </a:endParaRPr>
+          </a:p>
+          <a:p>
+            <a:pPr marL="0" marR="0">
+              <a:spcBef>
+                <a:spcPts val="0"/>
+              </a:spcBef>
+              <a:spcAft>
+                <a:spcPts val="0"/>
+              </a:spcAft>
+              <a:tabLst>
+                <a:tab pos="228600" algn="l"/>
+              </a:tabLst>
+            </a:pPr>
+            <a:r>
+              <a:rPr lang="en-US" sz="1800" dirty="0">
+                <a:effectLst/>
+                <a:latin typeface="Calibri" panose="020F0502020204030204" pitchFamily="34" charset="0"/>
+                <a:ea typeface="Cambria" panose="02040503050406030204" pitchFamily="18" charset="0"/>
+                <a:cs typeface="Times New Roman" panose="02020603050405020304" pitchFamily="18" charset="0"/>
+              </a:rPr>
+              <a:t>	a student’s major in college</a:t>
+            </a:r>
+            <a:endParaRPr lang="en-US" sz="1800" dirty="0">
+              <a:effectLst/>
+              <a:latin typeface="Cambria" panose="02040503050406030204" pitchFamily="18" charset="0"/>
+              <a:ea typeface="Cambria" panose="02040503050406030204" pitchFamily="18" charset="0"/>
+              <a:cs typeface="Times New Roman" panose="02020603050405020304" pitchFamily="18" charset="0"/>
+            </a:endParaRPr>
+          </a:p>
+          <a:p>
+            <a:pPr marL="0" marR="0">
+              <a:spcBef>
+                <a:spcPts val="0"/>
+              </a:spcBef>
+              <a:spcAft>
+                <a:spcPts val="0"/>
+              </a:spcAft>
+              <a:tabLst>
+                <a:tab pos="228600" algn="l"/>
+              </a:tabLst>
+            </a:pPr>
+            <a:r>
+              <a:rPr lang="en-US" sz="1800" dirty="0">
+                <a:effectLst/>
+                <a:latin typeface="Calibri" panose="020F0502020204030204" pitchFamily="34" charset="0"/>
+                <a:ea typeface="Cambria" panose="02040503050406030204" pitchFamily="18" charset="0"/>
+                <a:cs typeface="Times New Roman" panose="02020603050405020304" pitchFamily="18" charset="0"/>
+              </a:rPr>
+              <a:t>	location of a pharmacy (a free standing store, in a strip mall, or inside a grocery store)</a:t>
+            </a:r>
+            <a:endParaRPr lang="en-US" sz="1800" dirty="0">
+              <a:effectLst/>
+              <a:latin typeface="Cambria" panose="02040503050406030204" pitchFamily="18" charset="0"/>
+              <a:ea typeface="Cambria" panose="02040503050406030204" pitchFamily="18" charset="0"/>
+              <a:cs typeface="Times New Roman" panose="02020603050405020304" pitchFamily="18" charset="0"/>
+            </a:endParaRPr>
+          </a:p>
+          <a:p>
+            <a:pPr marL="0" marR="0">
+              <a:spcBef>
+                <a:spcPts val="0"/>
+              </a:spcBef>
+              <a:spcAft>
+                <a:spcPts val="0"/>
+              </a:spcAft>
+              <a:tabLst>
+                <a:tab pos="228600" algn="l"/>
+              </a:tabLst>
+            </a:pPr>
+            <a:r>
+              <a:rPr lang="en-US" sz="1800" dirty="0">
+                <a:effectLst/>
+                <a:latin typeface="Calibri" panose="020F0502020204030204" pitchFamily="34" charset="0"/>
+                <a:ea typeface="Cambria" panose="02040503050406030204" pitchFamily="18" charset="0"/>
+                <a:cs typeface="Times New Roman" panose="02020603050405020304" pitchFamily="18" charset="0"/>
+              </a:rPr>
+              <a:t> </a:t>
+            </a:r>
+            <a:endParaRPr lang="en-US" sz="1800" dirty="0">
+              <a:effectLst/>
+              <a:latin typeface="Cambria" panose="02040503050406030204" pitchFamily="18" charset="0"/>
+              <a:ea typeface="Cambria" panose="02040503050406030204" pitchFamily="18" charset="0"/>
+              <a:cs typeface="Times New Roman" panose="02020603050405020304" pitchFamily="18" charset="0"/>
+            </a:endParaRPr>
+          </a:p>
+          <a:p>
+            <a:pPr marL="0" marR="0">
+              <a:spcBef>
+                <a:spcPts val="0"/>
+              </a:spcBef>
+              <a:spcAft>
+                <a:spcPts val="0"/>
+              </a:spcAft>
+            </a:pPr>
+            <a:r>
+              <a:rPr lang="en-US" sz="1800" b="1" i="1" dirty="0">
+                <a:effectLst/>
+                <a:latin typeface="Calibri" panose="020F0502020204030204" pitchFamily="34" charset="0"/>
+                <a:ea typeface="Cambria" panose="02040503050406030204" pitchFamily="18" charset="0"/>
+                <a:cs typeface="Times New Roman" panose="02020603050405020304" pitchFamily="18" charset="0"/>
+              </a:rPr>
+              <a:t>Binary variables</a:t>
+            </a:r>
+            <a:r>
+              <a:rPr lang="en-US" sz="1800" dirty="0">
+                <a:effectLst/>
+                <a:latin typeface="Calibri" panose="020F0502020204030204" pitchFamily="34" charset="0"/>
+                <a:ea typeface="Cambria" panose="02040503050406030204" pitchFamily="18" charset="0"/>
+                <a:cs typeface="Times New Roman" panose="02020603050405020304" pitchFamily="18" charset="0"/>
+              </a:rPr>
+              <a:t> are a type of nominal variable that has two categories:  </a:t>
+            </a:r>
+            <a:endParaRPr lang="en-US" sz="1800" dirty="0">
+              <a:effectLst/>
+              <a:latin typeface="Cambria" panose="02040503050406030204" pitchFamily="18" charset="0"/>
+              <a:ea typeface="Cambria" panose="02040503050406030204" pitchFamily="18" charset="0"/>
+              <a:cs typeface="Times New Roman" panose="02020603050405020304" pitchFamily="18" charset="0"/>
+            </a:endParaRPr>
+          </a:p>
+          <a:p>
+            <a:pPr marL="0" marR="0">
+              <a:spcBef>
+                <a:spcPts val="0"/>
+              </a:spcBef>
+              <a:spcAft>
+                <a:spcPts val="0"/>
+              </a:spcAft>
+              <a:tabLst>
+                <a:tab pos="228600" algn="l"/>
+              </a:tabLst>
+            </a:pPr>
+            <a:r>
+              <a:rPr lang="en-US" sz="1800" dirty="0">
+                <a:effectLst/>
+                <a:latin typeface="Calibri" panose="020F0502020204030204" pitchFamily="34" charset="0"/>
+                <a:ea typeface="Cambria" panose="02040503050406030204" pitchFamily="18" charset="0"/>
+                <a:cs typeface="Times New Roman" panose="02020603050405020304" pitchFamily="18" charset="0"/>
+              </a:rPr>
+              <a:t> 	yes/no</a:t>
+            </a:r>
+            <a:endParaRPr lang="en-US" sz="1800" dirty="0">
+              <a:effectLst/>
+              <a:latin typeface="Cambria" panose="02040503050406030204" pitchFamily="18" charset="0"/>
+              <a:ea typeface="Cambria" panose="02040503050406030204" pitchFamily="18" charset="0"/>
+              <a:cs typeface="Times New Roman" panose="02020603050405020304" pitchFamily="18" charset="0"/>
+            </a:endParaRPr>
+          </a:p>
+          <a:p>
+            <a:pPr marL="0" marR="0">
+              <a:spcBef>
+                <a:spcPts val="0"/>
+              </a:spcBef>
+              <a:spcAft>
+                <a:spcPts val="0"/>
+              </a:spcAft>
+              <a:tabLst>
+                <a:tab pos="228600" algn="l"/>
+              </a:tabLst>
+            </a:pPr>
+            <a:r>
+              <a:rPr lang="en-US" sz="1800" dirty="0">
+                <a:effectLst/>
+                <a:latin typeface="Calibri" panose="020F0502020204030204" pitchFamily="34" charset="0"/>
+                <a:ea typeface="Cambria" panose="02040503050406030204" pitchFamily="18" charset="0"/>
+                <a:cs typeface="Times New Roman" panose="02020603050405020304" pitchFamily="18" charset="0"/>
+              </a:rPr>
+              <a:t>	college graduate/not a college graduate</a:t>
+            </a:r>
+            <a:endParaRPr lang="en-US" sz="1800" dirty="0">
+              <a:effectLst/>
+              <a:latin typeface="Cambria" panose="02040503050406030204" pitchFamily="18" charset="0"/>
+              <a:ea typeface="Cambria" panose="02040503050406030204" pitchFamily="18" charset="0"/>
+              <a:cs typeface="Times New Roman" panose="02020603050405020304" pitchFamily="18" charset="0"/>
+            </a:endParaRPr>
+          </a:p>
+          <a:p>
+            <a:pPr marL="0" marR="0">
+              <a:spcBef>
+                <a:spcPts val="0"/>
+              </a:spcBef>
+              <a:spcAft>
+                <a:spcPts val="0"/>
+              </a:spcAft>
+              <a:tabLst>
+                <a:tab pos="228600" algn="l"/>
+              </a:tabLst>
+            </a:pPr>
+            <a:r>
+              <a:rPr lang="en-US" sz="1800" dirty="0">
+                <a:effectLst/>
+                <a:latin typeface="Calibri" panose="020F0502020204030204" pitchFamily="34" charset="0"/>
+                <a:ea typeface="Cambria" panose="02040503050406030204" pitchFamily="18" charset="0"/>
+                <a:cs typeface="Times New Roman" panose="02020603050405020304" pitchFamily="18" charset="0"/>
+              </a:rPr>
+              <a:t>	has coding experience/doesn’t have coding experience</a:t>
+            </a:r>
+            <a:endParaRPr lang="en-US" sz="1800" dirty="0">
+              <a:effectLst/>
+              <a:latin typeface="Cambria" panose="02040503050406030204" pitchFamily="18" charset="0"/>
+              <a:ea typeface="Cambria" panose="02040503050406030204" pitchFamily="18" charset="0"/>
+              <a:cs typeface="Times New Roman" panose="02020603050405020304" pitchFamily="18" charset="0"/>
+            </a:endParaRPr>
+          </a:p>
+          <a:p>
+            <a:pPr marL="0" marR="0">
+              <a:spcBef>
+                <a:spcPts val="0"/>
+              </a:spcBef>
+              <a:spcAft>
+                <a:spcPts val="0"/>
+              </a:spcAft>
+              <a:tabLst>
+                <a:tab pos="228600" algn="l"/>
+              </a:tabLst>
+            </a:pPr>
+            <a:r>
+              <a:rPr lang="en-US" sz="1800" dirty="0">
+                <a:effectLst/>
+                <a:latin typeface="Calibri" panose="020F0502020204030204" pitchFamily="34" charset="0"/>
+                <a:ea typeface="Cambria" panose="02040503050406030204" pitchFamily="18" charset="0"/>
+                <a:cs typeface="Times New Roman" panose="02020603050405020304" pitchFamily="18" charset="0"/>
+              </a:rPr>
+              <a:t>	mall store location/free-standing store location</a:t>
+            </a:r>
+            <a:endParaRPr lang="en-US" sz="1800" dirty="0">
+              <a:effectLst/>
+              <a:latin typeface="Cambria" panose="02040503050406030204" pitchFamily="18" charset="0"/>
+              <a:ea typeface="Cambria" panose="02040503050406030204" pitchFamily="18" charset="0"/>
+              <a:cs typeface="Times New Roman" panose="02020603050405020304" pitchFamily="18" charset="0"/>
+            </a:endParaRPr>
+          </a:p>
+          <a:p>
+            <a:pPr marL="0" marR="0">
+              <a:spcBef>
+                <a:spcPts val="0"/>
+              </a:spcBef>
+              <a:spcAft>
+                <a:spcPts val="0"/>
+              </a:spcAft>
+              <a:tabLst>
+                <a:tab pos="228600" algn="l"/>
+              </a:tabLst>
+            </a:pPr>
+            <a:r>
+              <a:rPr lang="en-US" sz="1800" dirty="0">
+                <a:effectLst/>
+                <a:latin typeface="Calibri" panose="020F0502020204030204" pitchFamily="34" charset="0"/>
+                <a:ea typeface="Cambria" panose="02040503050406030204" pitchFamily="18" charset="0"/>
+                <a:cs typeface="Times New Roman" panose="02020603050405020304" pitchFamily="18" charset="0"/>
+              </a:rPr>
+              <a:t>	offers delivery/doesn’t offer delivery</a:t>
+            </a:r>
+            <a:endParaRPr lang="en-US" sz="1800" dirty="0">
+              <a:effectLst/>
+              <a:latin typeface="Cambria" panose="02040503050406030204" pitchFamily="18" charset="0"/>
+              <a:ea typeface="Cambria" panose="02040503050406030204" pitchFamily="18" charset="0"/>
+              <a:cs typeface="Times New Roman" panose="02020603050405020304" pitchFamily="18" charset="0"/>
+            </a:endParaRPr>
+          </a:p>
+          <a:p>
+            <a:pPr marL="0" marR="0">
+              <a:spcBef>
+                <a:spcPts val="0"/>
+              </a:spcBef>
+              <a:spcAft>
+                <a:spcPts val="0"/>
+              </a:spcAft>
+              <a:tabLst>
+                <a:tab pos="228600" algn="l"/>
+              </a:tabLst>
+            </a:pPr>
+            <a:r>
+              <a:rPr lang="en-US" sz="1800" dirty="0">
+                <a:effectLst/>
+                <a:latin typeface="Calibri" panose="020F0502020204030204" pitchFamily="34" charset="0"/>
+                <a:ea typeface="Cambria" panose="02040503050406030204" pitchFamily="18" charset="0"/>
+                <a:cs typeface="Times New Roman" panose="02020603050405020304" pitchFamily="18" charset="0"/>
+              </a:rPr>
+              <a:t>	</a:t>
+            </a:r>
+            <a:endParaRPr lang="en-US" sz="1800" dirty="0">
+              <a:effectLst/>
+              <a:latin typeface="Cambria" panose="02040503050406030204" pitchFamily="18" charset="0"/>
+              <a:ea typeface="Cambria" panose="02040503050406030204" pitchFamily="18" charset="0"/>
+              <a:cs typeface="Times New Roman" panose="02020603050405020304" pitchFamily="18" charset="0"/>
+            </a:endParaRPr>
+          </a:p>
+          <a:p>
+            <a:pPr marL="0" marR="0">
+              <a:spcBef>
+                <a:spcPts val="0"/>
+              </a:spcBef>
+              <a:spcAft>
+                <a:spcPts val="0"/>
+              </a:spcAft>
+            </a:pPr>
+            <a:r>
+              <a:rPr lang="en-US" sz="1800" b="1" i="1" dirty="0">
+                <a:effectLst/>
+                <a:latin typeface="Calibri" panose="020F0502020204030204" pitchFamily="34" charset="0"/>
+                <a:ea typeface="Cambria" panose="02040503050406030204" pitchFamily="18" charset="0"/>
+                <a:cs typeface="Times New Roman" panose="02020603050405020304" pitchFamily="18" charset="0"/>
+              </a:rPr>
+              <a:t>Ordinal variables</a:t>
+            </a:r>
+            <a:r>
+              <a:rPr lang="en-US" sz="1800" dirty="0">
+                <a:effectLst/>
+                <a:latin typeface="Calibri" panose="020F0502020204030204" pitchFamily="34" charset="0"/>
+                <a:ea typeface="Cambria" panose="02040503050406030204" pitchFamily="18" charset="0"/>
+                <a:cs typeface="Times New Roman" panose="02020603050405020304" pitchFamily="18" charset="0"/>
+              </a:rPr>
+              <a:t> have ordered categories:</a:t>
+            </a:r>
+            <a:endParaRPr lang="en-US" sz="1800" dirty="0">
+              <a:effectLst/>
+              <a:latin typeface="Cambria" panose="02040503050406030204" pitchFamily="18" charset="0"/>
+              <a:ea typeface="Cambria" panose="02040503050406030204" pitchFamily="18" charset="0"/>
+              <a:cs typeface="Times New Roman" panose="02020603050405020304" pitchFamily="18" charset="0"/>
+            </a:endParaRPr>
+          </a:p>
+          <a:p>
+            <a:pPr marL="0" marR="0">
+              <a:spcBef>
+                <a:spcPts val="0"/>
+              </a:spcBef>
+              <a:spcAft>
+                <a:spcPts val="0"/>
+              </a:spcAft>
+              <a:tabLst>
+                <a:tab pos="228600" algn="l"/>
+              </a:tabLst>
+            </a:pPr>
+            <a:r>
+              <a:rPr lang="en-US" sz="1800" dirty="0">
+                <a:effectLst/>
+                <a:latin typeface="Calibri" panose="020F0502020204030204" pitchFamily="34" charset="0"/>
+                <a:ea typeface="Cambria" panose="02040503050406030204" pitchFamily="18" charset="0"/>
+                <a:cs typeface="Times New Roman" panose="02020603050405020304" pitchFamily="18" charset="0"/>
+              </a:rPr>
+              <a:t>	age categories (18-25, 26-35, 36-45, 46-60, 60+)</a:t>
+            </a:r>
+            <a:endParaRPr lang="en-US" sz="1800" dirty="0">
+              <a:effectLst/>
+              <a:latin typeface="Cambria" panose="02040503050406030204" pitchFamily="18" charset="0"/>
+              <a:ea typeface="Cambria" panose="02040503050406030204" pitchFamily="18" charset="0"/>
+              <a:cs typeface="Times New Roman" panose="02020603050405020304" pitchFamily="18" charset="0"/>
+            </a:endParaRPr>
+          </a:p>
+          <a:p>
+            <a:pPr marL="0" marR="0">
+              <a:spcBef>
+                <a:spcPts val="0"/>
+              </a:spcBef>
+              <a:spcAft>
+                <a:spcPts val="0"/>
+              </a:spcAft>
+              <a:tabLst>
+                <a:tab pos="228600" algn="l"/>
+              </a:tabLst>
+            </a:pPr>
+            <a:r>
+              <a:rPr lang="en-US" sz="1800" dirty="0">
+                <a:effectLst/>
+                <a:latin typeface="Calibri" panose="020F0502020204030204" pitchFamily="34" charset="0"/>
+                <a:ea typeface="Cambria" panose="02040503050406030204" pitchFamily="18" charset="0"/>
+                <a:cs typeface="Times New Roman" panose="02020603050405020304" pitchFamily="18" charset="0"/>
+              </a:rPr>
+              <a:t>	movie ratings (G, PG, PG-13, R, NC-17)</a:t>
+            </a:r>
+            <a:endParaRPr lang="en-US" sz="1800" dirty="0">
+              <a:effectLst/>
+              <a:latin typeface="Cambria" panose="02040503050406030204" pitchFamily="18" charset="0"/>
+              <a:ea typeface="Cambria" panose="02040503050406030204" pitchFamily="18" charset="0"/>
+              <a:cs typeface="Times New Roman" panose="02020603050405020304" pitchFamily="18" charset="0"/>
+            </a:endParaRPr>
+          </a:p>
+          <a:p>
+            <a:pPr marL="0" marR="0">
+              <a:spcBef>
+                <a:spcPts val="0"/>
+              </a:spcBef>
+              <a:spcAft>
+                <a:spcPts val="0"/>
+              </a:spcAft>
+              <a:tabLst>
+                <a:tab pos="228600" algn="l"/>
+              </a:tabLst>
+            </a:pPr>
+            <a:r>
+              <a:rPr lang="en-US" sz="1800" dirty="0">
+                <a:effectLst/>
+                <a:latin typeface="Calibri" panose="020F0502020204030204" pitchFamily="34" charset="0"/>
+                <a:ea typeface="Cambria" panose="02040503050406030204" pitchFamily="18" charset="0"/>
+                <a:cs typeface="Times New Roman" panose="02020603050405020304" pitchFamily="18" charset="0"/>
+              </a:rPr>
+              <a:t>	clothing sizes (small, medium, large)</a:t>
+            </a:r>
+            <a:endParaRPr lang="en-US" sz="1800" dirty="0">
+              <a:effectLst/>
+              <a:latin typeface="Cambria" panose="02040503050406030204" pitchFamily="18" charset="0"/>
+              <a:ea typeface="Cambria" panose="02040503050406030204" pitchFamily="18" charset="0"/>
+              <a:cs typeface="Times New Roman" panose="02020603050405020304" pitchFamily="18" charset="0"/>
+            </a:endParaRPr>
+          </a:p>
+          <a:p>
+            <a:pPr marL="0" marR="0">
+              <a:spcBef>
+                <a:spcPts val="0"/>
+              </a:spcBef>
+              <a:spcAft>
+                <a:spcPts val="0"/>
+              </a:spcAft>
+              <a:tabLst>
+                <a:tab pos="228600" algn="l"/>
+              </a:tabLst>
+            </a:pPr>
+            <a:r>
+              <a:rPr lang="en-US" sz="1800" dirty="0">
+                <a:effectLst/>
+                <a:latin typeface="Calibri" panose="020F0502020204030204" pitchFamily="34" charset="0"/>
+                <a:ea typeface="Cambria" panose="02040503050406030204" pitchFamily="18" charset="0"/>
+                <a:cs typeface="Times New Roman" panose="02020603050405020304" pitchFamily="18" charset="0"/>
+              </a:rPr>
+              <a:t> </a:t>
+            </a:r>
+            <a:endParaRPr lang="en-US" sz="1800" dirty="0">
+              <a:effectLst/>
+              <a:latin typeface="Cambria" panose="02040503050406030204" pitchFamily="18" charset="0"/>
+              <a:ea typeface="Cambria" panose="02040503050406030204" pitchFamily="18" charset="0"/>
+              <a:cs typeface="Times New Roman" panose="02020603050405020304" pitchFamily="18" charset="0"/>
+            </a:endParaRPr>
+          </a:p>
+          <a:p>
+            <a:pPr marL="0" marR="0">
+              <a:spcBef>
+                <a:spcPts val="0"/>
+              </a:spcBef>
+              <a:spcAft>
+                <a:spcPts val="0"/>
+              </a:spcAft>
+            </a:pPr>
+            <a:r>
+              <a:rPr lang="en-US" sz="1800" b="1" i="1" dirty="0">
+                <a:effectLst/>
+                <a:latin typeface="Calibri" panose="020F0502020204030204" pitchFamily="34" charset="0"/>
+                <a:ea typeface="Cambria" panose="02040503050406030204" pitchFamily="18" charset="0"/>
+                <a:cs typeface="Times New Roman" panose="02020603050405020304" pitchFamily="18" charset="0"/>
+              </a:rPr>
+              <a:t>Interval variables</a:t>
+            </a:r>
+            <a:r>
+              <a:rPr lang="en-US" sz="1800" dirty="0">
+                <a:effectLst/>
+                <a:latin typeface="Calibri" panose="020F0502020204030204" pitchFamily="34" charset="0"/>
+                <a:ea typeface="Cambria" panose="02040503050406030204" pitchFamily="18" charset="0"/>
+                <a:cs typeface="Times New Roman" panose="02020603050405020304" pitchFamily="18" charset="0"/>
+              </a:rPr>
+              <a:t> are scaled variables with equal distances between scale points:</a:t>
+            </a:r>
+            <a:endParaRPr lang="en-US" sz="1800" dirty="0">
+              <a:effectLst/>
+              <a:latin typeface="Cambria" panose="02040503050406030204" pitchFamily="18" charset="0"/>
+              <a:ea typeface="Cambria" panose="02040503050406030204" pitchFamily="18" charset="0"/>
+              <a:cs typeface="Times New Roman" panose="02020603050405020304" pitchFamily="18" charset="0"/>
+            </a:endParaRPr>
+          </a:p>
+          <a:p>
+            <a:pPr marL="0" marR="0">
+              <a:spcBef>
+                <a:spcPts val="0"/>
+              </a:spcBef>
+              <a:spcAft>
+                <a:spcPts val="0"/>
+              </a:spcAft>
+            </a:pPr>
+            <a:r>
+              <a:rPr lang="en-US" sz="1800" dirty="0">
+                <a:effectLst/>
+                <a:latin typeface="Calibri" panose="020F0502020204030204" pitchFamily="34" charset="0"/>
+                <a:ea typeface="Cambria" panose="02040503050406030204" pitchFamily="18" charset="0"/>
+                <a:cs typeface="Times New Roman" panose="02020603050405020304" pitchFamily="18" charset="0"/>
+              </a:rPr>
+              <a:t> </a:t>
+            </a:r>
+            <a:endParaRPr lang="en-US" sz="1800" dirty="0">
+              <a:effectLst/>
+              <a:latin typeface="Cambria" panose="02040503050406030204" pitchFamily="18" charset="0"/>
+              <a:ea typeface="Cambria" panose="02040503050406030204" pitchFamily="18" charset="0"/>
+              <a:cs typeface="Times New Roman" panose="02020603050405020304" pitchFamily="18" charset="0"/>
+            </a:endParaRPr>
+          </a:p>
+          <a:p>
+            <a:pPr marL="0" marR="0">
+              <a:spcBef>
+                <a:spcPts val="0"/>
+              </a:spcBef>
+              <a:spcAft>
+                <a:spcPts val="0"/>
+              </a:spcAft>
+              <a:tabLst>
+                <a:tab pos="228600" algn="l"/>
+              </a:tabLst>
+            </a:pPr>
+            <a:r>
+              <a:rPr lang="en-US" sz="1800" dirty="0">
+                <a:effectLst/>
+                <a:latin typeface="Calibri" panose="020F0502020204030204" pitchFamily="34" charset="0"/>
+                <a:ea typeface="Cambria" panose="02040503050406030204" pitchFamily="18" charset="0"/>
+                <a:cs typeface="Times New Roman" panose="02020603050405020304" pitchFamily="18" charset="0"/>
+              </a:rPr>
+              <a:t>	Job performance evaluation, where 1 = far below expectations and 10 = outstanding performance</a:t>
+            </a:r>
+            <a:endParaRPr lang="en-US" sz="1800" dirty="0">
+              <a:effectLst/>
+              <a:latin typeface="Cambria" panose="02040503050406030204" pitchFamily="18" charset="0"/>
+              <a:ea typeface="Cambria" panose="02040503050406030204" pitchFamily="18" charset="0"/>
+              <a:cs typeface="Times New Roman" panose="02020603050405020304" pitchFamily="18" charset="0"/>
+            </a:endParaRPr>
+          </a:p>
+          <a:p>
+            <a:pPr marL="0" marR="0">
+              <a:spcBef>
+                <a:spcPts val="0"/>
+              </a:spcBef>
+              <a:spcAft>
+                <a:spcPts val="0"/>
+              </a:spcAft>
+              <a:tabLst>
+                <a:tab pos="228600" algn="l"/>
+              </a:tabLst>
+            </a:pPr>
+            <a:r>
+              <a:rPr lang="en-US" sz="1800" dirty="0">
+                <a:effectLst/>
+                <a:latin typeface="Calibri" panose="020F0502020204030204" pitchFamily="34" charset="0"/>
+                <a:ea typeface="Cambria" panose="02040503050406030204" pitchFamily="18" charset="0"/>
+                <a:cs typeface="Times New Roman" panose="02020603050405020304" pitchFamily="18" charset="0"/>
+              </a:rPr>
+              <a:t> </a:t>
+            </a:r>
+            <a:endParaRPr lang="en-US" sz="1800" dirty="0">
+              <a:effectLst/>
+              <a:latin typeface="Cambria" panose="02040503050406030204" pitchFamily="18" charset="0"/>
+              <a:ea typeface="Cambria" panose="02040503050406030204" pitchFamily="18" charset="0"/>
+              <a:cs typeface="Times New Roman" panose="02020603050405020304" pitchFamily="18" charset="0"/>
+            </a:endParaRPr>
+          </a:p>
+          <a:p>
+            <a:pPr marL="0" marR="0">
+              <a:spcBef>
+                <a:spcPts val="0"/>
+              </a:spcBef>
+              <a:spcAft>
+                <a:spcPts val="0"/>
+              </a:spcAft>
+              <a:tabLst>
+                <a:tab pos="228600" algn="l"/>
+              </a:tabLst>
+            </a:pPr>
+            <a:r>
+              <a:rPr lang="en-US" sz="1800" dirty="0">
+                <a:effectLst/>
+                <a:latin typeface="Calibri" panose="020F0502020204030204" pitchFamily="34" charset="0"/>
+                <a:ea typeface="Cambria" panose="02040503050406030204" pitchFamily="18" charset="0"/>
+                <a:cs typeface="Times New Roman" panose="02020603050405020304" pitchFamily="18" charset="0"/>
+              </a:rPr>
+              <a:t>	Taste evaluation scale, where 1 = tastes terrible and 7 = tastes delicious</a:t>
+            </a:r>
+            <a:endParaRPr lang="en-US" sz="1800" dirty="0">
+              <a:effectLst/>
+              <a:latin typeface="Cambria" panose="02040503050406030204" pitchFamily="18" charset="0"/>
+              <a:ea typeface="Cambria" panose="02040503050406030204" pitchFamily="18" charset="0"/>
+              <a:cs typeface="Times New Roman" panose="02020603050405020304" pitchFamily="18" charset="0"/>
+            </a:endParaRPr>
+          </a:p>
+          <a:p>
+            <a:pPr marL="0" marR="0">
+              <a:spcBef>
+                <a:spcPts val="0"/>
+              </a:spcBef>
+              <a:spcAft>
+                <a:spcPts val="0"/>
+              </a:spcAft>
+              <a:tabLst>
+                <a:tab pos="228600" algn="l"/>
+              </a:tabLst>
+            </a:pPr>
+            <a:r>
+              <a:rPr lang="en-US" sz="1800" dirty="0">
+                <a:effectLst/>
+                <a:latin typeface="Calibri" panose="020F0502020204030204" pitchFamily="34" charset="0"/>
+                <a:ea typeface="Cambria" panose="02040503050406030204" pitchFamily="18" charset="0"/>
+                <a:cs typeface="Times New Roman" panose="02020603050405020304" pitchFamily="18" charset="0"/>
+              </a:rPr>
+              <a:t> </a:t>
+            </a:r>
+            <a:endParaRPr lang="en-US" sz="1800" dirty="0">
+              <a:effectLst/>
+              <a:latin typeface="Cambria" panose="02040503050406030204" pitchFamily="18" charset="0"/>
+              <a:ea typeface="Cambria" panose="02040503050406030204" pitchFamily="18" charset="0"/>
+              <a:cs typeface="Times New Roman" panose="02020603050405020304" pitchFamily="18" charset="0"/>
+            </a:endParaRPr>
+          </a:p>
+          <a:p>
+            <a:pPr marL="0" marR="0">
+              <a:spcBef>
+                <a:spcPts val="0"/>
+              </a:spcBef>
+              <a:spcAft>
+                <a:spcPts val="0"/>
+              </a:spcAft>
+              <a:tabLst>
+                <a:tab pos="228600" algn="l"/>
+              </a:tabLst>
+            </a:pPr>
+            <a:r>
+              <a:rPr lang="en-US" sz="1800" dirty="0">
+                <a:effectLst/>
+                <a:latin typeface="Calibri" panose="020F0502020204030204" pitchFamily="34" charset="0"/>
+                <a:ea typeface="Cambria" panose="02040503050406030204" pitchFamily="18" charset="0"/>
+                <a:cs typeface="Times New Roman" panose="02020603050405020304" pitchFamily="18" charset="0"/>
+              </a:rPr>
+              <a:t>	A variable like the income measure below, which has equal distances between categories</a:t>
+            </a:r>
+            <a:endParaRPr lang="en-US" sz="1800" dirty="0">
+              <a:effectLst/>
+              <a:latin typeface="Cambria" panose="02040503050406030204" pitchFamily="18" charset="0"/>
+              <a:ea typeface="Cambria" panose="02040503050406030204" pitchFamily="18" charset="0"/>
+              <a:cs typeface="Times New Roman" panose="02020603050405020304" pitchFamily="18" charset="0"/>
+            </a:endParaRPr>
+          </a:p>
+          <a:p>
+            <a:pPr marL="0" marR="0">
+              <a:spcBef>
+                <a:spcPts val="0"/>
+              </a:spcBef>
+              <a:spcAft>
+                <a:spcPts val="0"/>
+              </a:spcAft>
+              <a:tabLst>
+                <a:tab pos="400050" algn="l"/>
+              </a:tabLst>
+            </a:pPr>
+            <a:r>
+              <a:rPr lang="en-US" sz="1800" dirty="0">
+                <a:effectLst/>
+                <a:latin typeface="Calibri" panose="020F0502020204030204" pitchFamily="34" charset="0"/>
+                <a:ea typeface="Cambria" panose="02040503050406030204" pitchFamily="18" charset="0"/>
+                <a:cs typeface="Times New Roman" panose="02020603050405020304" pitchFamily="18" charset="0"/>
+              </a:rPr>
+              <a:t>		––– less than $25,000 </a:t>
+            </a:r>
+            <a:endParaRPr lang="en-US" sz="1800" dirty="0">
+              <a:effectLst/>
+              <a:latin typeface="Cambria" panose="02040503050406030204" pitchFamily="18" charset="0"/>
+              <a:ea typeface="Cambria" panose="02040503050406030204" pitchFamily="18" charset="0"/>
+              <a:cs typeface="Times New Roman" panose="02020603050405020304" pitchFamily="18" charset="0"/>
+            </a:endParaRPr>
+          </a:p>
+          <a:p>
+            <a:pPr marL="0" marR="0">
+              <a:spcBef>
+                <a:spcPts val="0"/>
+              </a:spcBef>
+              <a:spcAft>
+                <a:spcPts val="0"/>
+              </a:spcAft>
+              <a:tabLst>
+                <a:tab pos="400050" algn="l"/>
+              </a:tabLst>
+            </a:pPr>
+            <a:r>
+              <a:rPr lang="en-US" sz="1800" dirty="0">
+                <a:effectLst/>
+                <a:latin typeface="Calibri" panose="020F0502020204030204" pitchFamily="34" charset="0"/>
+                <a:ea typeface="Cambria" panose="02040503050406030204" pitchFamily="18" charset="0"/>
+                <a:cs typeface="Times New Roman" panose="02020603050405020304" pitchFamily="18" charset="0"/>
+              </a:rPr>
+              <a:t>		––– $25,000 - $49,999</a:t>
+            </a:r>
+            <a:endParaRPr lang="en-US" sz="1800" dirty="0">
+              <a:effectLst/>
+              <a:latin typeface="Cambria" panose="02040503050406030204" pitchFamily="18" charset="0"/>
+              <a:ea typeface="Cambria" panose="02040503050406030204" pitchFamily="18" charset="0"/>
+              <a:cs typeface="Times New Roman" panose="02020603050405020304" pitchFamily="18" charset="0"/>
+            </a:endParaRPr>
+          </a:p>
+          <a:p>
+            <a:pPr marL="0" marR="0">
+              <a:spcBef>
+                <a:spcPts val="0"/>
+              </a:spcBef>
+              <a:spcAft>
+                <a:spcPts val="0"/>
+              </a:spcAft>
+              <a:tabLst>
+                <a:tab pos="400050" algn="l"/>
+              </a:tabLst>
+            </a:pPr>
+            <a:r>
+              <a:rPr lang="en-US" sz="1800" dirty="0">
+                <a:effectLst/>
+                <a:latin typeface="Calibri" panose="020F0502020204030204" pitchFamily="34" charset="0"/>
+                <a:ea typeface="Cambria" panose="02040503050406030204" pitchFamily="18" charset="0"/>
+                <a:cs typeface="Times New Roman" panose="02020603050405020304" pitchFamily="18" charset="0"/>
+              </a:rPr>
+              <a:t>		––– $50,000 - $74,999</a:t>
+            </a:r>
+            <a:endParaRPr lang="en-US" sz="1800" dirty="0">
+              <a:effectLst/>
+              <a:latin typeface="Cambria" panose="02040503050406030204" pitchFamily="18" charset="0"/>
+              <a:ea typeface="Cambria" panose="02040503050406030204" pitchFamily="18" charset="0"/>
+              <a:cs typeface="Times New Roman" panose="02020603050405020304" pitchFamily="18" charset="0"/>
+            </a:endParaRPr>
+          </a:p>
+          <a:p>
+            <a:pPr marL="0" marR="0">
+              <a:spcBef>
+                <a:spcPts val="0"/>
+              </a:spcBef>
+              <a:spcAft>
+                <a:spcPts val="0"/>
+              </a:spcAft>
+              <a:tabLst>
+                <a:tab pos="400050" algn="l"/>
+              </a:tabLst>
+            </a:pPr>
+            <a:r>
+              <a:rPr lang="en-US" sz="1800" dirty="0">
+                <a:effectLst/>
+                <a:latin typeface="Calibri" panose="020F0502020204030204" pitchFamily="34" charset="0"/>
+                <a:ea typeface="Cambria" panose="02040503050406030204" pitchFamily="18" charset="0"/>
+                <a:cs typeface="Times New Roman" panose="02020603050405020304" pitchFamily="18" charset="0"/>
+              </a:rPr>
+              <a:t>		––– $75,000 - $99,999</a:t>
+            </a:r>
+            <a:endParaRPr lang="en-US" sz="1800" dirty="0">
+              <a:effectLst/>
+              <a:latin typeface="Cambria" panose="02040503050406030204" pitchFamily="18" charset="0"/>
+              <a:ea typeface="Cambria" panose="02040503050406030204" pitchFamily="18" charset="0"/>
+              <a:cs typeface="Times New Roman" panose="02020603050405020304" pitchFamily="18" charset="0"/>
+            </a:endParaRPr>
+          </a:p>
+          <a:p>
+            <a:pPr marL="0" marR="0">
+              <a:spcBef>
+                <a:spcPts val="0"/>
+              </a:spcBef>
+              <a:spcAft>
+                <a:spcPts val="0"/>
+              </a:spcAft>
+              <a:tabLst>
+                <a:tab pos="400050" algn="l"/>
+              </a:tabLst>
+            </a:pPr>
+            <a:r>
+              <a:rPr lang="en-US" sz="1800" dirty="0">
+                <a:effectLst/>
+                <a:latin typeface="Calibri" panose="020F0502020204030204" pitchFamily="34" charset="0"/>
+                <a:ea typeface="Cambria" panose="02040503050406030204" pitchFamily="18" charset="0"/>
+                <a:cs typeface="Times New Roman" panose="02020603050405020304" pitchFamily="18" charset="0"/>
+              </a:rPr>
+              <a:t>		––– $100,000 - $124,999</a:t>
+            </a:r>
+            <a:endParaRPr lang="en-US" sz="1800" dirty="0">
+              <a:effectLst/>
+              <a:latin typeface="Cambria" panose="02040503050406030204" pitchFamily="18" charset="0"/>
+              <a:ea typeface="Cambria" panose="02040503050406030204" pitchFamily="18" charset="0"/>
+              <a:cs typeface="Times New Roman" panose="02020603050405020304" pitchFamily="18" charset="0"/>
+            </a:endParaRPr>
+          </a:p>
+          <a:p>
+            <a:pPr marL="0" marR="0">
+              <a:spcBef>
+                <a:spcPts val="0"/>
+              </a:spcBef>
+              <a:spcAft>
+                <a:spcPts val="0"/>
+              </a:spcAft>
+              <a:tabLst>
+                <a:tab pos="400050" algn="l"/>
+              </a:tabLst>
+            </a:pPr>
+            <a:r>
+              <a:rPr lang="en-US" sz="1800" dirty="0">
+                <a:effectLst/>
+                <a:latin typeface="Calibri" panose="020F0502020204030204" pitchFamily="34" charset="0"/>
+                <a:ea typeface="Cambria" panose="02040503050406030204" pitchFamily="18" charset="0"/>
+                <a:cs typeface="Times New Roman" panose="02020603050405020304" pitchFamily="18" charset="0"/>
+              </a:rPr>
+              <a:t>		––– $125,000 - $149,999</a:t>
+            </a:r>
+            <a:endParaRPr lang="en-US" sz="1800" dirty="0">
+              <a:effectLst/>
+              <a:latin typeface="Cambria" panose="02040503050406030204" pitchFamily="18" charset="0"/>
+              <a:ea typeface="Cambria" panose="02040503050406030204" pitchFamily="18" charset="0"/>
+              <a:cs typeface="Times New Roman" panose="02020603050405020304" pitchFamily="18" charset="0"/>
+            </a:endParaRPr>
+          </a:p>
+          <a:p>
+            <a:pPr marL="0" marR="0">
+              <a:spcBef>
+                <a:spcPts val="0"/>
+              </a:spcBef>
+              <a:spcAft>
+                <a:spcPts val="0"/>
+              </a:spcAft>
+              <a:tabLst>
+                <a:tab pos="228600" algn="l"/>
+              </a:tabLst>
+            </a:pPr>
+            <a:r>
+              <a:rPr lang="en-US" sz="1800" dirty="0">
+                <a:effectLst/>
+                <a:latin typeface="Calibri" panose="020F0502020204030204" pitchFamily="34" charset="0"/>
+                <a:ea typeface="Cambria" panose="02040503050406030204" pitchFamily="18" charset="0"/>
+                <a:cs typeface="Times New Roman" panose="02020603050405020304" pitchFamily="18" charset="0"/>
+              </a:rPr>
+              <a:t> </a:t>
+            </a:r>
+            <a:endParaRPr lang="en-US" sz="1800" dirty="0">
+              <a:effectLst/>
+              <a:latin typeface="Cambria" panose="02040503050406030204" pitchFamily="18" charset="0"/>
+              <a:ea typeface="Cambria" panose="02040503050406030204" pitchFamily="18" charset="0"/>
+              <a:cs typeface="Times New Roman" panose="02020603050405020304" pitchFamily="18" charset="0"/>
+            </a:endParaRPr>
+          </a:p>
+          <a:p>
+            <a:pPr marL="0" marR="0">
+              <a:spcBef>
+                <a:spcPts val="0"/>
+              </a:spcBef>
+              <a:spcAft>
+                <a:spcPts val="0"/>
+              </a:spcAft>
+              <a:tabLst>
+                <a:tab pos="228600" algn="l"/>
+              </a:tabLst>
+            </a:pPr>
+            <a:r>
+              <a:rPr lang="en-US" sz="1800" b="1" i="1" dirty="0">
+                <a:effectLst/>
+                <a:latin typeface="Calibri" panose="020F0502020204030204" pitchFamily="34" charset="0"/>
+                <a:ea typeface="Cambria" panose="02040503050406030204" pitchFamily="18" charset="0"/>
+                <a:cs typeface="Times New Roman" panose="02020603050405020304" pitchFamily="18" charset="0"/>
+              </a:rPr>
+              <a:t>Ratio variables</a:t>
+            </a:r>
+            <a:r>
+              <a:rPr lang="en-US" sz="1800" dirty="0">
+                <a:effectLst/>
+                <a:latin typeface="Calibri" panose="020F0502020204030204" pitchFamily="34" charset="0"/>
+                <a:ea typeface="Cambria" panose="02040503050406030204" pitchFamily="18" charset="0"/>
+                <a:cs typeface="Times New Roman" panose="02020603050405020304" pitchFamily="18" charset="0"/>
+              </a:rPr>
+              <a:t> have specific </a:t>
+            </a:r>
+            <a:r>
+              <a:rPr lang="en-US" sz="1800" u="sng" dirty="0">
+                <a:effectLst/>
+                <a:latin typeface="Calibri" panose="020F0502020204030204" pitchFamily="34" charset="0"/>
+                <a:ea typeface="Cambria" panose="02040503050406030204" pitchFamily="18" charset="0"/>
+                <a:cs typeface="Times New Roman" panose="02020603050405020304" pitchFamily="18" charset="0"/>
+              </a:rPr>
+              <a:t>quantities</a:t>
+            </a:r>
+            <a:r>
+              <a:rPr lang="en-US" sz="1800" dirty="0">
+                <a:effectLst/>
+                <a:latin typeface="Calibri" panose="020F0502020204030204" pitchFamily="34" charset="0"/>
+                <a:ea typeface="Cambria" panose="02040503050406030204" pitchFamily="18" charset="0"/>
+                <a:cs typeface="Times New Roman" panose="02020603050405020304" pitchFamily="18" charset="0"/>
+              </a:rPr>
+              <a:t>, such as</a:t>
+            </a:r>
+            <a:endParaRPr lang="en-US" sz="1800" dirty="0">
+              <a:effectLst/>
+              <a:latin typeface="Cambria" panose="02040503050406030204" pitchFamily="18" charset="0"/>
+              <a:ea typeface="Cambria" panose="02040503050406030204" pitchFamily="18" charset="0"/>
+              <a:cs typeface="Times New Roman" panose="02020603050405020304" pitchFamily="18" charset="0"/>
+            </a:endParaRPr>
+          </a:p>
+          <a:p>
+            <a:pPr marL="0" marR="0">
+              <a:spcBef>
+                <a:spcPts val="0"/>
+              </a:spcBef>
+              <a:spcAft>
+                <a:spcPts val="0"/>
+              </a:spcAft>
+              <a:tabLst>
+                <a:tab pos="228600" algn="l"/>
+              </a:tabLst>
+            </a:pPr>
+            <a:r>
+              <a:rPr lang="en-US" sz="1800" dirty="0">
+                <a:effectLst/>
+                <a:latin typeface="Calibri" panose="020F0502020204030204" pitchFamily="34" charset="0"/>
+                <a:ea typeface="Cambria" panose="02040503050406030204" pitchFamily="18" charset="0"/>
+                <a:cs typeface="Times New Roman" panose="02020603050405020304" pitchFamily="18" charset="0"/>
+              </a:rPr>
+              <a:t> </a:t>
+            </a:r>
+            <a:endParaRPr lang="en-US" sz="1800" dirty="0">
+              <a:effectLst/>
+              <a:latin typeface="Cambria" panose="02040503050406030204" pitchFamily="18" charset="0"/>
+              <a:ea typeface="Cambria" panose="02040503050406030204" pitchFamily="18" charset="0"/>
+              <a:cs typeface="Times New Roman" panose="02020603050405020304" pitchFamily="18" charset="0"/>
+            </a:endParaRPr>
+          </a:p>
+          <a:p>
+            <a:pPr marL="0" marR="0">
+              <a:spcBef>
+                <a:spcPts val="0"/>
+              </a:spcBef>
+              <a:spcAft>
+                <a:spcPts val="0"/>
+              </a:spcAft>
+              <a:tabLst>
+                <a:tab pos="228600" algn="l"/>
+              </a:tabLst>
+            </a:pPr>
+            <a:r>
+              <a:rPr lang="en-US" sz="1800" dirty="0">
+                <a:effectLst/>
+                <a:latin typeface="Calibri" panose="020F0502020204030204" pitchFamily="34" charset="0"/>
+                <a:ea typeface="Cambria" panose="02040503050406030204" pitchFamily="18" charset="0"/>
+                <a:cs typeface="Times New Roman" panose="02020603050405020304" pitchFamily="18" charset="0"/>
+              </a:rPr>
+              <a:t>	number of employees</a:t>
+            </a:r>
+            <a:endParaRPr lang="en-US" sz="1800" dirty="0">
+              <a:effectLst/>
+              <a:latin typeface="Cambria" panose="02040503050406030204" pitchFamily="18" charset="0"/>
+              <a:ea typeface="Cambria" panose="02040503050406030204" pitchFamily="18" charset="0"/>
+              <a:cs typeface="Times New Roman" panose="02020603050405020304" pitchFamily="18" charset="0"/>
+            </a:endParaRPr>
+          </a:p>
+          <a:p>
+            <a:pPr marL="0" marR="0">
+              <a:spcBef>
+                <a:spcPts val="0"/>
+              </a:spcBef>
+              <a:spcAft>
+                <a:spcPts val="0"/>
+              </a:spcAft>
+              <a:tabLst>
+                <a:tab pos="228600" algn="l"/>
+              </a:tabLst>
+            </a:pPr>
+            <a:r>
+              <a:rPr lang="en-US" sz="1800" dirty="0">
+                <a:effectLst/>
+                <a:latin typeface="Calibri" panose="020F0502020204030204" pitchFamily="34" charset="0"/>
+                <a:ea typeface="Cambria" panose="02040503050406030204" pitchFamily="18" charset="0"/>
+                <a:cs typeface="Times New Roman" panose="02020603050405020304" pitchFamily="18" charset="0"/>
+              </a:rPr>
+              <a:t>	number of years of work experience</a:t>
+            </a:r>
+            <a:endParaRPr lang="en-US" sz="1800" dirty="0">
+              <a:effectLst/>
+              <a:latin typeface="Cambria" panose="02040503050406030204" pitchFamily="18" charset="0"/>
+              <a:ea typeface="Cambria" panose="02040503050406030204" pitchFamily="18" charset="0"/>
+              <a:cs typeface="Times New Roman" panose="02020603050405020304" pitchFamily="18" charset="0"/>
+            </a:endParaRPr>
+          </a:p>
+          <a:p>
+            <a:pPr marL="0" marR="0">
+              <a:spcBef>
+                <a:spcPts val="0"/>
+              </a:spcBef>
+              <a:spcAft>
+                <a:spcPts val="0"/>
+              </a:spcAft>
+              <a:tabLst>
+                <a:tab pos="228600" algn="l"/>
+              </a:tabLst>
+            </a:pPr>
+            <a:r>
+              <a:rPr lang="en-US" sz="1800" dirty="0">
+                <a:effectLst/>
+                <a:latin typeface="Calibri" panose="020F0502020204030204" pitchFamily="34" charset="0"/>
+                <a:ea typeface="Cambria" panose="02040503050406030204" pitchFamily="18" charset="0"/>
+                <a:cs typeface="Times New Roman" panose="02020603050405020304" pitchFamily="18" charset="0"/>
+              </a:rPr>
+              <a:t>	points on a test</a:t>
+            </a:r>
+            <a:endParaRPr lang="en-US" sz="1800" dirty="0">
+              <a:effectLst/>
+              <a:latin typeface="Cambria" panose="02040503050406030204" pitchFamily="18" charset="0"/>
+              <a:ea typeface="Cambria" panose="02040503050406030204" pitchFamily="18" charset="0"/>
+              <a:cs typeface="Times New Roman" panose="02020603050405020304" pitchFamily="18" charset="0"/>
+            </a:endParaRPr>
+          </a:p>
+          <a:p>
+            <a:pPr marL="0" marR="0">
+              <a:spcBef>
+                <a:spcPts val="0"/>
+              </a:spcBef>
+              <a:spcAft>
+                <a:spcPts val="0"/>
+              </a:spcAft>
+              <a:tabLst>
+                <a:tab pos="228600" algn="l"/>
+              </a:tabLst>
+            </a:pPr>
+            <a:r>
+              <a:rPr lang="en-US" sz="1800" dirty="0">
+                <a:effectLst/>
+                <a:latin typeface="Calibri" panose="020F0502020204030204" pitchFamily="34" charset="0"/>
+                <a:ea typeface="Cambria" panose="02040503050406030204" pitchFamily="18" charset="0"/>
+                <a:cs typeface="Times New Roman" panose="02020603050405020304" pitchFamily="18" charset="0"/>
+              </a:rPr>
+              <a:t>	price of a pair of jeans</a:t>
+            </a:r>
+            <a:endParaRPr lang="en-US" sz="1800" dirty="0">
+              <a:effectLst/>
+              <a:latin typeface="Cambria" panose="02040503050406030204" pitchFamily="18" charset="0"/>
+              <a:ea typeface="Cambria" panose="02040503050406030204" pitchFamily="18" charset="0"/>
+              <a:cs typeface="Times New Roman" panose="02020603050405020304" pitchFamily="18" charset="0"/>
+            </a:endParaRPr>
+          </a:p>
+          <a:p>
+            <a:pPr marL="0" marR="0">
+              <a:spcBef>
+                <a:spcPts val="0"/>
+              </a:spcBef>
+              <a:spcAft>
+                <a:spcPts val="0"/>
+              </a:spcAft>
+              <a:tabLst>
+                <a:tab pos="228600" algn="l"/>
+              </a:tabLst>
+            </a:pPr>
+            <a:r>
+              <a:rPr lang="en-US" sz="1800" dirty="0">
+                <a:effectLst/>
+                <a:latin typeface="Calibri" panose="020F0502020204030204" pitchFamily="34" charset="0"/>
+                <a:ea typeface="Cambria" panose="02040503050406030204" pitchFamily="18" charset="0"/>
+                <a:cs typeface="Times New Roman" panose="02020603050405020304" pitchFamily="18" charset="0"/>
+              </a:rPr>
+              <a:t>  </a:t>
+            </a:r>
+            <a:endParaRPr lang="en-US" sz="1800" dirty="0">
+              <a:effectLst/>
+              <a:latin typeface="Cambria" panose="02040503050406030204" pitchFamily="18" charset="0"/>
+              <a:ea typeface="Cambria" panose="02040503050406030204" pitchFamily="18" charset="0"/>
+              <a:cs typeface="Times New Roman" panose="02020603050405020304" pitchFamily="18" charset="0"/>
+            </a:endParaRPr>
+          </a:p>
+          <a:p>
+            <a:pPr marL="0" marR="0">
+              <a:spcBef>
+                <a:spcPts val="0"/>
+              </a:spcBef>
+              <a:spcAft>
+                <a:spcPts val="0"/>
+              </a:spcAft>
+              <a:tabLst>
+                <a:tab pos="228600" algn="l"/>
+              </a:tabLst>
+            </a:pPr>
+            <a:r>
+              <a:rPr lang="en-US" sz="1800" dirty="0">
+                <a:effectLst/>
+                <a:latin typeface="Calibri" panose="020F0502020204030204" pitchFamily="34" charset="0"/>
+                <a:ea typeface="Cambria" panose="02040503050406030204" pitchFamily="18" charset="0"/>
+                <a:cs typeface="Times New Roman" panose="02020603050405020304" pitchFamily="18" charset="0"/>
+              </a:rPr>
+              <a:t> </a:t>
+            </a:r>
+            <a:endParaRPr lang="en-US" sz="1800" dirty="0">
+              <a:effectLst/>
+              <a:latin typeface="Cambria" panose="02040503050406030204" pitchFamily="18" charset="0"/>
+              <a:ea typeface="Cambria" panose="02040503050406030204" pitchFamily="18" charset="0"/>
+              <a:cs typeface="Times New Roman" panose="02020603050405020304" pitchFamily="18" charset="0"/>
+            </a:endParaRPr>
+          </a:p>
+          <a:p>
+            <a:pPr marL="0" marR="0">
+              <a:spcBef>
+                <a:spcPts val="0"/>
+              </a:spcBef>
+              <a:spcAft>
+                <a:spcPts val="0"/>
+              </a:spcAft>
+              <a:tabLst>
+                <a:tab pos="228600" algn="l"/>
+              </a:tabLst>
+            </a:pPr>
+            <a:r>
+              <a:rPr lang="en-US" sz="1800" dirty="0">
+                <a:effectLst/>
+                <a:latin typeface="Calibri" panose="020F0502020204030204" pitchFamily="34" charset="0"/>
+                <a:ea typeface="Cambria" panose="02040503050406030204" pitchFamily="18" charset="0"/>
+                <a:cs typeface="Times New Roman" panose="02020603050405020304" pitchFamily="18" charset="0"/>
+              </a:rPr>
+              <a:t>Only binary, interval, and ratio level variables can be used in regression analysis</a:t>
+            </a:r>
+            <a:endParaRPr lang="en-US" sz="1800" dirty="0">
+              <a:effectLst/>
+              <a:latin typeface="Cambria" panose="02040503050406030204" pitchFamily="18" charset="0"/>
+              <a:ea typeface="Cambria" panose="02040503050406030204" pitchFamily="18" charset="0"/>
+              <a:cs typeface="Times New Roman" panose="02020603050405020304" pitchFamily="18" charset="0"/>
+            </a:endParaRPr>
           </a:p>
           <a:p>
             <a:endParaRPr lang="en-US" dirty="0"/>
@@ -5200,7 +5214,7 @@
           <a:p>
             <a:fld id="{BC849E9A-41F7-4779-A581-48A7C374A227}" type="slidenum">
               <a:rPr lang="en-US" smtClean="0"/>
-              <a:t>11</a:t>
+              <a:t>10</a:t>
             </a:fld>
             <a:endParaRPr lang="en-US" dirty="0"/>
           </a:p>
@@ -5209,7 +5223,7 @@
     </p:spTree>
     <p:extLst>
       <p:ext uri="{BB962C8B-B14F-4D97-AF65-F5344CB8AC3E}">
-        <p14:creationId xmlns:p14="http://schemas.microsoft.com/office/powerpoint/2010/main" val="2305708039"/>
+        <p14:creationId xmlns:p14="http://schemas.microsoft.com/office/powerpoint/2010/main" val="951509284"/>
       </p:ext>
     </p:extLst>
   </p:cSld>
@@ -5263,6 +5277,22 @@
           <a:bodyPr/>
           <a:lstStyle/>
           <a:p>
+            <a:r>
+              <a:rPr lang="en-US" dirty="0"/>
+              <a:t>Now we will do an example to show how to identify suitable independent variables </a:t>
+            </a:r>
+          </a:p>
+          <a:p>
+            <a:endParaRPr lang="en-US" dirty="0"/>
+          </a:p>
+          <a:p>
+            <a:r>
+              <a:rPr lang="en-US" sz="1200" dirty="0"/>
+              <a:t>below is a list of the variables the analyst has data for. </a:t>
+            </a:r>
+            <a:endParaRPr lang="en-US" dirty="0"/>
+          </a:p>
+          <a:p>
             <a:pPr marL="0" marR="0" lvl="0" indent="0" algn="l" defTabSz="914400" rtl="0" eaLnBrk="1" fontAlgn="auto" latinLnBrk="0" hangingPunct="1">
               <a:lnSpc>
                 <a:spcPct val="100000"/>
@@ -5281,8 +5311,60 @@
               <a:defRPr/>
             </a:pPr>
             <a:r>
+              <a:rPr lang="en-US" sz="1200" dirty="0"/>
+              <a:t>Which of the above variables should not be included in the regression model because of level of measurement?</a:t>
+            </a:r>
+          </a:p>
+          <a:p>
+            <a:pPr marL="0" marR="0" lvl="0" indent="0" algn="l" defTabSz="914400" rtl="0" eaLnBrk="1" fontAlgn="auto" latinLnBrk="0" hangingPunct="1">
+              <a:lnSpc>
+                <a:spcPct val="100000"/>
+              </a:lnSpc>
+              <a:spcBef>
+                <a:spcPts val="0"/>
+              </a:spcBef>
+              <a:spcAft>
+                <a:spcPts val="0"/>
+              </a:spcAft>
+              <a:buClrTx/>
+              <a:buSzTx/>
+              <a:buFontTx/>
+              <a:buNone/>
+              <a:tabLst/>
+              <a:defRPr/>
+            </a:pPr>
+            <a:endParaRPr lang="en-US" sz="1200" dirty="0"/>
+          </a:p>
+          <a:p>
+            <a:pPr marL="0" marR="0" lvl="0" indent="0" algn="l" defTabSz="914400" rtl="0" eaLnBrk="1" fontAlgn="auto" latinLnBrk="0" hangingPunct="1">
+              <a:lnSpc>
+                <a:spcPct val="100000"/>
+              </a:lnSpc>
+              <a:spcBef>
+                <a:spcPts val="0"/>
+              </a:spcBef>
+              <a:spcAft>
+                <a:spcPts val="0"/>
+              </a:spcAft>
+              <a:buClrTx/>
+              <a:buSzTx/>
+              <a:buFontTx/>
+              <a:buNone/>
+              <a:tabLst/>
+              <a:defRPr/>
+            </a:pPr>
+            <a:r>
+              <a:rPr lang="en-US" sz="1200" dirty="0"/>
+              <a:t>Ask for each independent variable, the level of measurement </a:t>
+            </a:r>
+          </a:p>
+          <a:p>
+            <a:endParaRPr lang="en-US" dirty="0"/>
+          </a:p>
+          <a:p>
+            <a:r>
               <a:rPr lang="en-US" dirty="0"/>
-              <a:t>An analyst used regression to develop the model below.</a:t>
+              <a:t>4 and 7</a:t>
             </a:r>
           </a:p>
           <a:p>
@@ -5307,7 +5389,7 @@
           <a:p>
             <a:fld id="{BC849E9A-41F7-4779-A581-48A7C374A227}" type="slidenum">
               <a:rPr lang="en-US" smtClean="0"/>
-              <a:t>12</a:t>
+              <a:t>11</a:t>
             </a:fld>
             <a:endParaRPr lang="en-US" dirty="0"/>
           </a:p>
@@ -5316,7 +5398,7 @@
     </p:spTree>
     <p:extLst>
       <p:ext uri="{BB962C8B-B14F-4D97-AF65-F5344CB8AC3E}">
-        <p14:creationId xmlns:p14="http://schemas.microsoft.com/office/powerpoint/2010/main" val="2252212419"/>
+        <p14:creationId xmlns:p14="http://schemas.microsoft.com/office/powerpoint/2010/main" val="2305708039"/>
       </p:ext>
     </p:extLst>
   </p:cSld>
@@ -5370,10 +5452,30 @@
           <a:bodyPr/>
           <a:lstStyle/>
           <a:p>
+            <a:pPr marL="0" marR="0" lvl="0" indent="0" algn="l" defTabSz="914400" rtl="0" eaLnBrk="1" fontAlgn="auto" latinLnBrk="0" hangingPunct="1">
+              <a:lnSpc>
+                <a:spcPct val="100000"/>
+              </a:lnSpc>
+              <a:spcBef>
+                <a:spcPts val="0"/>
+              </a:spcBef>
+              <a:spcAft>
+                <a:spcPts val="0"/>
+              </a:spcAft>
+              <a:buClrTx/>
+              <a:buSzTx/>
+              <a:buFontTx/>
+              <a:buNone/>
+              <a:tabLst/>
+              <a:defRPr/>
+            </a:pPr>
             <a:r>
               <a:rPr lang="en-US" dirty="0"/>
-              <a:t>So can some tell me if a person … </a:t>
-            </a:r>
+              <a:t>An analyst used regression to develop the model below.</a:t>
+            </a:r>
+          </a:p>
+          <a:p>
+            <a:endParaRPr lang="en-US" dirty="0"/>
           </a:p>
         </p:txBody>
       </p:sp>
@@ -5394,7 +5496,7 @@
           <a:p>
             <a:fld id="{BC849E9A-41F7-4779-A581-48A7C374A227}" type="slidenum">
               <a:rPr lang="en-US" smtClean="0"/>
-              <a:t>13</a:t>
+              <a:t>12</a:t>
             </a:fld>
             <a:endParaRPr lang="en-US" dirty="0"/>
           </a:p>
@@ -5403,7 +5505,7 @@
     </p:spTree>
     <p:extLst>
       <p:ext uri="{BB962C8B-B14F-4D97-AF65-F5344CB8AC3E}">
-        <p14:creationId xmlns:p14="http://schemas.microsoft.com/office/powerpoint/2010/main" val="3009943961"/>
+        <p14:creationId xmlns:p14="http://schemas.microsoft.com/office/powerpoint/2010/main" val="2252212419"/>
       </p:ext>
     </p:extLst>
   </p:cSld>
@@ -5459,7 +5561,7 @@
           <a:p>
             <a:r>
               <a:rPr lang="en-US" dirty="0"/>
-              <a:t>What if for a person with … , what the estimate would be? </a:t>
+              <a:t>So can some tell me if a person … </a:t>
             </a:r>
           </a:p>
         </p:txBody>
@@ -5481,7 +5583,7 @@
           <a:p>
             <a:fld id="{BC849E9A-41F7-4779-A581-48A7C374A227}" type="slidenum">
               <a:rPr lang="en-US" smtClean="0"/>
-              <a:t>14</a:t>
+              <a:t>13</a:t>
             </a:fld>
             <a:endParaRPr lang="en-US" dirty="0"/>
           </a:p>
@@ -5490,7 +5592,7 @@
     </p:spTree>
     <p:extLst>
       <p:ext uri="{BB962C8B-B14F-4D97-AF65-F5344CB8AC3E}">
-        <p14:creationId xmlns:p14="http://schemas.microsoft.com/office/powerpoint/2010/main" val="201525352"/>
+        <p14:creationId xmlns:p14="http://schemas.microsoft.com/office/powerpoint/2010/main" val="3009943961"/>
       </p:ext>
     </p:extLst>
   </p:cSld>
@@ -5546,11 +5648,8 @@
           <a:p>
             <a:r>
               <a:rPr lang="en-US" dirty="0"/>
-              <a:t>For the last inquiry, for a person who …, what would be his or her estimate? </a:t>
-            </a:r>
-          </a:p>
-          <a:p>
-            <a:endParaRPr lang="en-US" dirty="0"/>
+              <a:t>What if for a person with … , what the estimate would be? </a:t>
+            </a:r>
           </a:p>
         </p:txBody>
       </p:sp>
@@ -5571,7 +5670,7 @@
           <a:p>
             <a:fld id="{BC849E9A-41F7-4779-A581-48A7C374A227}" type="slidenum">
               <a:rPr lang="en-US" smtClean="0"/>
-              <a:t>15</a:t>
+              <a:t>14</a:t>
             </a:fld>
             <a:endParaRPr lang="en-US" dirty="0"/>
           </a:p>
@@ -5580,7 +5679,7 @@
     </p:spTree>
     <p:extLst>
       <p:ext uri="{BB962C8B-B14F-4D97-AF65-F5344CB8AC3E}">
-        <p14:creationId xmlns:p14="http://schemas.microsoft.com/office/powerpoint/2010/main" val="2624033711"/>
+        <p14:creationId xmlns:p14="http://schemas.microsoft.com/office/powerpoint/2010/main" val="201525352"/>
       </p:ext>
     </p:extLst>
   </p:cSld>
@@ -5636,20 +5735,8 @@
           <a:p>
             <a:r>
               <a:rPr lang="en-US" dirty="0"/>
-              <a:t>How can we interpret the first coefficient? </a:t>
-            </a:r>
-          </a:p>
-          <a:p>
-            <a:r>
-              <a:rPr lang="en-US" dirty="0"/>
-              <a:t>After mechanically interpret our last result, how should you think of this coefficient. </a:t>
-            </a:r>
-          </a:p>
-          <a:p>
-            <a:endParaRPr lang="en-US" dirty="0"/>
-          </a:p>
-          <a:p>
-            <a:endParaRPr lang="en-US" dirty="0"/>
+              <a:t>For the last inquiry, for a person who …, what would be his or her estimate? </a:t>
+            </a:r>
           </a:p>
           <a:p>
             <a:endParaRPr lang="en-US" dirty="0"/>
@@ -5673,7 +5760,7 @@
           <a:p>
             <a:fld id="{BC849E9A-41F7-4779-A581-48A7C374A227}" type="slidenum">
               <a:rPr lang="en-US" smtClean="0"/>
-              <a:t>16</a:t>
+              <a:t>15</a:t>
             </a:fld>
             <a:endParaRPr lang="en-US" dirty="0"/>
           </a:p>
@@ -5682,7 +5769,7 @@
     </p:spTree>
     <p:extLst>
       <p:ext uri="{BB962C8B-B14F-4D97-AF65-F5344CB8AC3E}">
-        <p14:creationId xmlns:p14="http://schemas.microsoft.com/office/powerpoint/2010/main" val="2963586083"/>
+        <p14:creationId xmlns:p14="http://schemas.microsoft.com/office/powerpoint/2010/main" val="2624033711"/>
       </p:ext>
     </p:extLst>
   </p:cSld>
@@ -5839,7 +5926,7 @@
           <a:p>
             <a:fld id="{461436DF-F24E-48E3-BE9F-68AFE2C6589C}" type="datetime1">
               <a:rPr lang="en-US" smtClean="0"/>
-              <a:t>11/9/2021</a:t>
+              <a:t>4/10/2022</a:t>
             </a:fld>
             <a:endParaRPr lang="en-US" dirty="0"/>
           </a:p>
@@ -6041,7 +6128,7 @@
           <a:p>
             <a:fld id="{CD9681C5-637A-43AB-A7C4-E7DFC89EBD58}" type="datetime1">
               <a:rPr lang="en-US" smtClean="0"/>
-              <a:t>11/9/2021</a:t>
+              <a:t>4/10/2022</a:t>
             </a:fld>
             <a:endParaRPr lang="en-US" dirty="0"/>
           </a:p>
@@ -6253,7 +6340,7 @@
           <a:p>
             <a:fld id="{4742C380-EB37-4688-ACA2-A268C2AE5967}" type="datetime1">
               <a:rPr lang="en-US" smtClean="0"/>
-              <a:t>11/9/2021</a:t>
+              <a:t>4/10/2022</a:t>
             </a:fld>
             <a:endParaRPr lang="en-US" dirty="0"/>
           </a:p>
@@ -6477,7 +6564,7 @@
           <a:p>
             <a:fld id="{DECF21A4-E71B-4D3A-AF45-E989C23A7BB1}" type="datetimeFigureOut">
               <a:rPr lang="en-US" smtClean="0"/>
-              <a:t>11/9/2021</a:t>
+              <a:t>4/10/2022</a:t>
             </a:fld>
             <a:endParaRPr lang="en-US" dirty="0"/>
           </a:p>
@@ -6675,7 +6762,7 @@
           <a:p>
             <a:fld id="{DECF21A4-E71B-4D3A-AF45-E989C23A7BB1}" type="datetimeFigureOut">
               <a:rPr lang="en-US" smtClean="0"/>
-              <a:t>11/9/2021</a:t>
+              <a:t>4/10/2022</a:t>
             </a:fld>
             <a:endParaRPr lang="en-US" dirty="0"/>
           </a:p>
@@ -6950,7 +7037,7 @@
           <a:p>
             <a:fld id="{DECF21A4-E71B-4D3A-AF45-E989C23A7BB1}" type="datetimeFigureOut">
               <a:rPr lang="en-US" smtClean="0"/>
-              <a:t>11/9/2021</a:t>
+              <a:t>4/10/2022</a:t>
             </a:fld>
             <a:endParaRPr lang="en-US" dirty="0"/>
           </a:p>
@@ -7215,7 +7302,7 @@
           <a:p>
             <a:fld id="{DECF21A4-E71B-4D3A-AF45-E989C23A7BB1}" type="datetimeFigureOut">
               <a:rPr lang="en-US" smtClean="0"/>
-              <a:t>11/9/2021</a:t>
+              <a:t>4/10/2022</a:t>
             </a:fld>
             <a:endParaRPr lang="en-US" dirty="0"/>
           </a:p>
@@ -7627,7 +7714,7 @@
           <a:p>
             <a:fld id="{DECF21A4-E71B-4D3A-AF45-E989C23A7BB1}" type="datetimeFigureOut">
               <a:rPr lang="en-US" smtClean="0"/>
-              <a:t>11/9/2021</a:t>
+              <a:t>4/10/2022</a:t>
             </a:fld>
             <a:endParaRPr lang="en-US" dirty="0"/>
           </a:p>
@@ -7768,7 +7855,7 @@
           <a:p>
             <a:fld id="{DECF21A4-E71B-4D3A-AF45-E989C23A7BB1}" type="datetimeFigureOut">
               <a:rPr lang="en-US" smtClean="0"/>
-              <a:t>11/9/2021</a:t>
+              <a:t>4/10/2022</a:t>
             </a:fld>
             <a:endParaRPr lang="en-US" dirty="0"/>
           </a:p>
@@ -7881,7 +7968,7 @@
           <a:p>
             <a:fld id="{DECF21A4-E71B-4D3A-AF45-E989C23A7BB1}" type="datetimeFigureOut">
               <a:rPr lang="en-US" smtClean="0"/>
-              <a:t>11/9/2021</a:t>
+              <a:t>4/10/2022</a:t>
             </a:fld>
             <a:endParaRPr lang="en-US" dirty="0"/>
           </a:p>
@@ -8192,7 +8279,7 @@
           <a:p>
             <a:fld id="{DECF21A4-E71B-4D3A-AF45-E989C23A7BB1}" type="datetimeFigureOut">
               <a:rPr lang="en-US" smtClean="0"/>
-              <a:t>11/9/2021</a:t>
+              <a:t>4/10/2022</a:t>
             </a:fld>
             <a:endParaRPr lang="en-US" dirty="0"/>
           </a:p>
@@ -8390,7 +8477,7 @@
           <a:p>
             <a:fld id="{601661FD-B672-4D8F-8356-4A12CA89AA63}" type="datetime1">
               <a:rPr lang="en-US" smtClean="0"/>
-              <a:t>11/9/2021</a:t>
+              <a:t>4/10/2022</a:t>
             </a:fld>
             <a:endParaRPr lang="en-US" dirty="0"/>
           </a:p>
@@ -8686,7 +8773,7 @@
           <a:p>
             <a:fld id="{DECF21A4-E71B-4D3A-AF45-E989C23A7BB1}" type="datetimeFigureOut">
               <a:rPr lang="en-US" smtClean="0"/>
-              <a:t>11/9/2021</a:t>
+              <a:t>4/10/2022</a:t>
             </a:fld>
             <a:endParaRPr lang="en-US" dirty="0"/>
           </a:p>
@@ -8884,7 +8971,7 @@
           <a:p>
             <a:fld id="{DECF21A4-E71B-4D3A-AF45-E989C23A7BB1}" type="datetimeFigureOut">
               <a:rPr lang="en-US" smtClean="0"/>
-              <a:t>11/9/2021</a:t>
+              <a:t>4/10/2022</a:t>
             </a:fld>
             <a:endParaRPr lang="en-US" dirty="0"/>
           </a:p>
@@ -9092,7 +9179,7 @@
           <a:p>
             <a:fld id="{DECF21A4-E71B-4D3A-AF45-E989C23A7BB1}" type="datetimeFigureOut">
               <a:rPr lang="en-US" smtClean="0"/>
-              <a:t>11/9/2021</a:t>
+              <a:t>4/10/2022</a:t>
             </a:fld>
             <a:endParaRPr lang="en-US" dirty="0"/>
           </a:p>
@@ -9367,7 +9454,7 @@
           <a:p>
             <a:fld id="{83037F5D-6B5E-445B-A7D6-D5272A907639}" type="datetime1">
               <a:rPr lang="en-US" smtClean="0"/>
-              <a:t>11/9/2021</a:t>
+              <a:t>4/10/2022</a:t>
             </a:fld>
             <a:endParaRPr lang="en-US" dirty="0"/>
           </a:p>
@@ -9636,7 +9723,7 @@
           <a:p>
             <a:fld id="{38AB59E4-EFCB-416B-8597-2977CD513C8F}" type="datetime1">
               <a:rPr lang="en-US" smtClean="0"/>
-              <a:t>11/9/2021</a:t>
+              <a:t>4/10/2022</a:t>
             </a:fld>
             <a:endParaRPr lang="en-US" dirty="0"/>
           </a:p>
@@ -10052,7 +10139,7 @@
           <a:p>
             <a:fld id="{744DE904-C2A5-4777-8FC5-B8D2FECC7571}" type="datetime1">
               <a:rPr lang="en-US" smtClean="0"/>
-              <a:t>11/9/2021</a:t>
+              <a:t>4/10/2022</a:t>
             </a:fld>
             <a:endParaRPr lang="en-US" dirty="0"/>
           </a:p>
@@ -10197,7 +10284,7 @@
           <a:p>
             <a:fld id="{56D6020D-AEF5-4548-AE67-C5782FBCD88A}" type="datetime1">
               <a:rPr lang="en-US" smtClean="0"/>
-              <a:t>11/9/2021</a:t>
+              <a:t>4/10/2022</a:t>
             </a:fld>
             <a:endParaRPr lang="en-US" dirty="0"/>
           </a:p>
@@ -10314,7 +10401,7 @@
           <a:p>
             <a:fld id="{CC1B33E5-E33B-4FE4-9AAB-74E67996C9CD}" type="datetime1">
               <a:rPr lang="en-US" smtClean="0"/>
-              <a:t>11/9/2021</a:t>
+              <a:t>4/10/2022</a:t>
             </a:fld>
             <a:endParaRPr lang="en-US" dirty="0"/>
           </a:p>
@@ -10629,7 +10716,7 @@
           <a:p>
             <a:fld id="{F38E6434-5ED1-4478-B475-B5D0455674B4}" type="datetime1">
               <a:rPr lang="en-US" smtClean="0"/>
-              <a:t>11/9/2021</a:t>
+              <a:t>4/10/2022</a:t>
             </a:fld>
             <a:endParaRPr lang="en-US" dirty="0"/>
           </a:p>
@@ -10925,7 +11012,7 @@
           <a:p>
             <a:fld id="{C60241AD-501F-4E01-AB37-27CC7835DE35}" type="datetime1">
               <a:rPr lang="en-US" smtClean="0"/>
-              <a:t>11/9/2021</a:t>
+              <a:t>4/10/2022</a:t>
             </a:fld>
             <a:endParaRPr lang="en-US" dirty="0"/>
           </a:p>
@@ -11170,7 +11257,7 @@
           <a:p>
             <a:fld id="{E8A74AA5-2820-462D-B05E-9F8E9E238163}" type="datetime1">
               <a:rPr lang="en-US" smtClean="0"/>
-              <a:t>11/9/2021</a:t>
+              <a:t>4/10/2022</a:t>
             </a:fld>
             <a:endParaRPr lang="en-US" dirty="0"/>
           </a:p>
@@ -11743,7 +11830,7 @@
           <a:p>
             <a:fld id="{DECF21A4-E71B-4D3A-AF45-E989C23A7BB1}" type="datetimeFigureOut">
               <a:rPr lang="en-US" smtClean="0"/>
-              <a:t>11/9/2021</a:t>
+              <a:t>4/10/2022</a:t>
             </a:fld>
             <a:endParaRPr lang="en-US" dirty="0"/>
           </a:p>
@@ -13089,41 +13176,41 @@
           <a:lstStyle/>
           <a:p>
             <a:r>
-              <a:rPr lang="en-US" sz="2200"/>
+              <a:rPr lang="en-US" sz="2200" dirty="0"/>
               <a:t>The dependent variable (the thing we try to “predict”) must be</a:t>
             </a:r>
           </a:p>
           <a:p>
             <a:pPr lvl="1"/>
             <a:r>
-              <a:rPr lang="en-US" sz="2200"/>
+              <a:rPr lang="en-US" sz="2200" dirty="0"/>
               <a:t>Interval or Ratio (this class covers)</a:t>
             </a:r>
           </a:p>
           <a:p>
             <a:pPr lvl="1"/>
             <a:r>
-              <a:rPr lang="en-US" sz="2200"/>
+              <a:rPr lang="en-US" sz="2200" dirty="0"/>
               <a:t>Technically, Ordinal and Ordinal (e.g., logistic regression)</a:t>
             </a:r>
           </a:p>
           <a:p>
             <a:r>
-              <a:rPr lang="en-US" sz="2200"/>
+              <a:rPr lang="en-US" sz="2200" dirty="0"/>
               <a:t>The independent variables must be </a:t>
             </a:r>
           </a:p>
           <a:p>
             <a:pPr lvl="1"/>
             <a:r>
-              <a:rPr lang="en-US" sz="2200"/>
+              <a:rPr lang="en-US" sz="2200" dirty="0"/>
               <a:t>Binary Variables (technically more!!!)</a:t>
             </a:r>
           </a:p>
           <a:p>
             <a:pPr lvl="1"/>
             <a:r>
-              <a:rPr lang="en-US" sz="2200"/>
+              <a:rPr lang="en-US" sz="2200" dirty="0"/>
               <a:t>Interval or Ratio</a:t>
             </a:r>
           </a:p>
@@ -13225,6 +13312,261 @@
   <p:clrMapOvr>
     <a:masterClrMapping/>
   </p:clrMapOvr>
+  <p:timing>
+    <p:tnLst>
+      <p:par>
+        <p:cTn id="1" dur="indefinite" restart="never" nodeType="tmRoot">
+          <p:childTnLst>
+            <p:seq concurrent="1" nextAc="seek">
+              <p:cTn id="2" dur="indefinite" nodeType="mainSeq">
+                <p:childTnLst>
+                  <p:par>
+                    <p:cTn id="3" fill="hold">
+                      <p:stCondLst>
+                        <p:cond delay="indefinite"/>
+                      </p:stCondLst>
+                      <p:childTnLst>
+                        <p:par>
+                          <p:cTn id="4" fill="hold">
+                            <p:stCondLst>
+                              <p:cond delay="0"/>
+                            </p:stCondLst>
+                            <p:childTnLst>
+                              <p:par>
+                                <p:cTn id="5" presetID="1" presetClass="entr" presetSubtype="0" fill="hold" grpId="0" nodeType="clickEffect">
+                                  <p:stCondLst>
+                                    <p:cond delay="0"/>
+                                  </p:stCondLst>
+                                  <p:childTnLst>
+                                    <p:set>
+                                      <p:cBhvr>
+                                        <p:cTn id="6" dur="1" fill="hold">
+                                          <p:stCondLst>
+                                            <p:cond delay="0"/>
+                                          </p:stCondLst>
+                                        </p:cTn>
+                                        <p:tgtEl>
+                                          <p:spTgt spid="40">
+                                            <p:txEl>
+                                              <p:pRg st="0" end="0"/>
+                                            </p:txEl>
+                                          </p:spTgt>
+                                        </p:tgtEl>
+                                        <p:attrNameLst>
+                                          <p:attrName>style.visibility</p:attrName>
+                                        </p:attrNameLst>
+                                      </p:cBhvr>
+                                      <p:to>
+                                        <p:strVal val="visible"/>
+                                      </p:to>
+                                    </p:set>
+                                  </p:childTnLst>
+                                </p:cTn>
+                              </p:par>
+                              <p:par>
+                                <p:cTn id="7" presetID="1" presetClass="entr" presetSubtype="0" fill="hold" grpId="0" nodeType="withEffect">
+                                  <p:stCondLst>
+                                    <p:cond delay="0"/>
+                                  </p:stCondLst>
+                                  <p:childTnLst>
+                                    <p:set>
+                                      <p:cBhvr>
+                                        <p:cTn id="8" dur="1" fill="hold">
+                                          <p:stCondLst>
+                                            <p:cond delay="0"/>
+                                          </p:stCondLst>
+                                        </p:cTn>
+                                        <p:tgtEl>
+                                          <p:spTgt spid="40">
+                                            <p:txEl>
+                                              <p:pRg st="1" end="1"/>
+                                            </p:txEl>
+                                          </p:spTgt>
+                                        </p:tgtEl>
+                                        <p:attrNameLst>
+                                          <p:attrName>style.visibility</p:attrName>
+                                        </p:attrNameLst>
+                                      </p:cBhvr>
+                                      <p:to>
+                                        <p:strVal val="visible"/>
+                                      </p:to>
+                                    </p:set>
+                                  </p:childTnLst>
+                                </p:cTn>
+                              </p:par>
+                              <p:par>
+                                <p:cTn id="9" presetID="1" presetClass="entr" presetSubtype="0" fill="hold" grpId="0" nodeType="withEffect">
+                                  <p:stCondLst>
+                                    <p:cond delay="0"/>
+                                  </p:stCondLst>
+                                  <p:childTnLst>
+                                    <p:set>
+                                      <p:cBhvr>
+                                        <p:cTn id="10" dur="1" fill="hold">
+                                          <p:stCondLst>
+                                            <p:cond delay="0"/>
+                                          </p:stCondLst>
+                                        </p:cTn>
+                                        <p:tgtEl>
+                                          <p:spTgt spid="40">
+                                            <p:txEl>
+                                              <p:pRg st="2" end="2"/>
+                                            </p:txEl>
+                                          </p:spTgt>
+                                        </p:tgtEl>
+                                        <p:attrNameLst>
+                                          <p:attrName>style.visibility</p:attrName>
+                                        </p:attrNameLst>
+                                      </p:cBhvr>
+                                      <p:to>
+                                        <p:strVal val="visible"/>
+                                      </p:to>
+                                    </p:set>
+                                  </p:childTnLst>
+                                </p:cTn>
+                              </p:par>
+                            </p:childTnLst>
+                          </p:cTn>
+                        </p:par>
+                      </p:childTnLst>
+                    </p:cTn>
+                  </p:par>
+                  <p:par>
+                    <p:cTn id="11" fill="hold">
+                      <p:stCondLst>
+                        <p:cond delay="indefinite"/>
+                      </p:stCondLst>
+                      <p:childTnLst>
+                        <p:par>
+                          <p:cTn id="12" fill="hold">
+                            <p:stCondLst>
+                              <p:cond delay="0"/>
+                            </p:stCondLst>
+                            <p:childTnLst>
+                              <p:par>
+                                <p:cTn id="13" presetID="1" presetClass="entr" presetSubtype="0" fill="hold" grpId="0" nodeType="clickEffect">
+                                  <p:stCondLst>
+                                    <p:cond delay="0"/>
+                                  </p:stCondLst>
+                                  <p:childTnLst>
+                                    <p:set>
+                                      <p:cBhvr>
+                                        <p:cTn id="14" dur="1" fill="hold">
+                                          <p:stCondLst>
+                                            <p:cond delay="0"/>
+                                          </p:stCondLst>
+                                        </p:cTn>
+                                        <p:tgtEl>
+                                          <p:spTgt spid="40">
+                                            <p:txEl>
+                                              <p:pRg st="3" end="3"/>
+                                            </p:txEl>
+                                          </p:spTgt>
+                                        </p:tgtEl>
+                                        <p:attrNameLst>
+                                          <p:attrName>style.visibility</p:attrName>
+                                        </p:attrNameLst>
+                                      </p:cBhvr>
+                                      <p:to>
+                                        <p:strVal val="visible"/>
+                                      </p:to>
+                                    </p:set>
+                                  </p:childTnLst>
+                                </p:cTn>
+                              </p:par>
+                              <p:par>
+                                <p:cTn id="15" presetID="1" presetClass="entr" presetSubtype="0" fill="hold" grpId="0" nodeType="withEffect">
+                                  <p:stCondLst>
+                                    <p:cond delay="0"/>
+                                  </p:stCondLst>
+                                  <p:childTnLst>
+                                    <p:set>
+                                      <p:cBhvr>
+                                        <p:cTn id="16" dur="1" fill="hold">
+                                          <p:stCondLst>
+                                            <p:cond delay="0"/>
+                                          </p:stCondLst>
+                                        </p:cTn>
+                                        <p:tgtEl>
+                                          <p:spTgt spid="40">
+                                            <p:txEl>
+                                              <p:pRg st="4" end="4"/>
+                                            </p:txEl>
+                                          </p:spTgt>
+                                        </p:tgtEl>
+                                        <p:attrNameLst>
+                                          <p:attrName>style.visibility</p:attrName>
+                                        </p:attrNameLst>
+                                      </p:cBhvr>
+                                      <p:to>
+                                        <p:strVal val="visible"/>
+                                      </p:to>
+                                    </p:set>
+                                  </p:childTnLst>
+                                </p:cTn>
+                              </p:par>
+                              <p:par>
+                                <p:cTn id="17" presetID="1" presetClass="entr" presetSubtype="0" fill="hold" grpId="0" nodeType="withEffect">
+                                  <p:stCondLst>
+                                    <p:cond delay="0"/>
+                                  </p:stCondLst>
+                                  <p:childTnLst>
+                                    <p:set>
+                                      <p:cBhvr>
+                                        <p:cTn id="18" dur="1" fill="hold">
+                                          <p:stCondLst>
+                                            <p:cond delay="0"/>
+                                          </p:stCondLst>
+                                        </p:cTn>
+                                        <p:tgtEl>
+                                          <p:spTgt spid="40">
+                                            <p:txEl>
+                                              <p:pRg st="5" end="5"/>
+                                            </p:txEl>
+                                          </p:spTgt>
+                                        </p:tgtEl>
+                                        <p:attrNameLst>
+                                          <p:attrName>style.visibility</p:attrName>
+                                        </p:attrNameLst>
+                                      </p:cBhvr>
+                                      <p:to>
+                                        <p:strVal val="visible"/>
+                                      </p:to>
+                                    </p:set>
+                                  </p:childTnLst>
+                                </p:cTn>
+                              </p:par>
+                            </p:childTnLst>
+                          </p:cTn>
+                        </p:par>
+                      </p:childTnLst>
+                    </p:cTn>
+                  </p:par>
+                </p:childTnLst>
+              </p:cTn>
+              <p:prevCondLst>
+                <p:cond evt="onPrev" delay="0">
+                  <p:tgtEl>
+                    <p:sldTgt/>
+                  </p:tgtEl>
+                </p:cond>
+              </p:prevCondLst>
+              <p:nextCondLst>
+                <p:cond evt="onNext" delay="0">
+                  <p:tgtEl>
+                    <p:sldTgt/>
+                  </p:tgtEl>
+                </p:cond>
+              </p:nextCondLst>
+            </p:seq>
+          </p:childTnLst>
+        </p:cTn>
+      </p:par>
+    </p:tnLst>
+    <p:bldLst>
+      <p:bldP spid="40" grpId="0" build="p"/>
+    </p:bldLst>
+  </p:timing>
 </p:sld>
 </file>
 
@@ -14118,7 +14460,7 @@
             </a:pPr>
             <a:r>
               <a:rPr lang="en-US" sz="1500" dirty="0"/>
-              <a:t>score on most recent inspection report (graded 1 through 10)</a:t>
+              <a:t>score on the most recent inspection report (graded 1 through 10)</a:t>
             </a:r>
           </a:p>
           <a:p>
@@ -14229,6 +14571,578 @@
   <p:clrMapOvr>
     <a:masterClrMapping/>
   </p:clrMapOvr>
+  <p:timing>
+    <p:tnLst>
+      <p:par>
+        <p:cTn id="1" dur="indefinite" restart="never" nodeType="tmRoot">
+          <p:childTnLst>
+            <p:seq concurrent="1" nextAc="seek">
+              <p:cTn id="2" dur="indefinite" nodeType="mainSeq">
+                <p:childTnLst>
+                  <p:par>
+                    <p:cTn id="3" fill="hold">
+                      <p:stCondLst>
+                        <p:cond delay="indefinite"/>
+                      </p:stCondLst>
+                      <p:childTnLst>
+                        <p:par>
+                          <p:cTn id="4" fill="hold">
+                            <p:stCondLst>
+                              <p:cond delay="0"/>
+                            </p:stCondLst>
+                            <p:childTnLst>
+                              <p:par>
+                                <p:cTn id="5" presetID="1" presetClass="entr" presetSubtype="0" fill="hold" grpId="0" nodeType="clickEffect">
+                                  <p:stCondLst>
+                                    <p:cond delay="0"/>
+                                  </p:stCondLst>
+                                  <p:childTnLst>
+                                    <p:set>
+                                      <p:cBhvr>
+                                        <p:cTn id="6" dur="1" fill="hold">
+                                          <p:stCondLst>
+                                            <p:cond delay="0"/>
+                                          </p:stCondLst>
+                                        </p:cTn>
+                                        <p:tgtEl>
+                                          <p:spTgt spid="3">
+                                            <p:txEl>
+                                              <p:pRg st="0" end="0"/>
+                                            </p:txEl>
+                                          </p:spTgt>
+                                        </p:tgtEl>
+                                        <p:attrNameLst>
+                                          <p:attrName>style.visibility</p:attrName>
+                                        </p:attrNameLst>
+                                      </p:cBhvr>
+                                      <p:to>
+                                        <p:strVal val="visible"/>
+                                      </p:to>
+                                    </p:set>
+                                  </p:childTnLst>
+                                </p:cTn>
+                              </p:par>
+                            </p:childTnLst>
+                          </p:cTn>
+                        </p:par>
+                      </p:childTnLst>
+                    </p:cTn>
+                  </p:par>
+                  <p:par>
+                    <p:cTn id="7" fill="hold">
+                      <p:stCondLst>
+                        <p:cond delay="indefinite"/>
+                      </p:stCondLst>
+                      <p:childTnLst>
+                        <p:par>
+                          <p:cTn id="8" fill="hold">
+                            <p:stCondLst>
+                              <p:cond delay="0"/>
+                            </p:stCondLst>
+                            <p:childTnLst>
+                              <p:par>
+                                <p:cTn id="9" presetID="1" presetClass="entr" presetSubtype="0" fill="hold" grpId="0" nodeType="clickEffect">
+                                  <p:stCondLst>
+                                    <p:cond delay="0"/>
+                                  </p:stCondLst>
+                                  <p:childTnLst>
+                                    <p:set>
+                                      <p:cBhvr>
+                                        <p:cTn id="10" dur="1" fill="hold">
+                                          <p:stCondLst>
+                                            <p:cond delay="0"/>
+                                          </p:stCondLst>
+                                        </p:cTn>
+                                        <p:tgtEl>
+                                          <p:spTgt spid="3">
+                                            <p:txEl>
+                                              <p:pRg st="1" end="1"/>
+                                            </p:txEl>
+                                          </p:spTgt>
+                                        </p:tgtEl>
+                                        <p:attrNameLst>
+                                          <p:attrName>style.visibility</p:attrName>
+                                        </p:attrNameLst>
+                                      </p:cBhvr>
+                                      <p:to>
+                                        <p:strVal val="visible"/>
+                                      </p:to>
+                                    </p:set>
+                                  </p:childTnLst>
+                                </p:cTn>
+                              </p:par>
+                            </p:childTnLst>
+                          </p:cTn>
+                        </p:par>
+                      </p:childTnLst>
+                    </p:cTn>
+                  </p:par>
+                  <p:par>
+                    <p:cTn id="11" fill="hold">
+                      <p:stCondLst>
+                        <p:cond delay="indefinite"/>
+                      </p:stCondLst>
+                      <p:childTnLst>
+                        <p:par>
+                          <p:cTn id="12" fill="hold">
+                            <p:stCondLst>
+                              <p:cond delay="0"/>
+                            </p:stCondLst>
+                            <p:childTnLst>
+                              <p:par>
+                                <p:cTn id="13" presetID="1" presetClass="entr" presetSubtype="0" fill="hold" grpId="0" nodeType="clickEffect">
+                                  <p:stCondLst>
+                                    <p:cond delay="0"/>
+                                  </p:stCondLst>
+                                  <p:childTnLst>
+                                    <p:set>
+                                      <p:cBhvr>
+                                        <p:cTn id="14" dur="1" fill="hold">
+                                          <p:stCondLst>
+                                            <p:cond delay="0"/>
+                                          </p:stCondLst>
+                                        </p:cTn>
+                                        <p:tgtEl>
+                                          <p:spTgt spid="3">
+                                            <p:txEl>
+                                              <p:pRg st="2" end="2"/>
+                                            </p:txEl>
+                                          </p:spTgt>
+                                        </p:tgtEl>
+                                        <p:attrNameLst>
+                                          <p:attrName>style.visibility</p:attrName>
+                                        </p:attrNameLst>
+                                      </p:cBhvr>
+                                      <p:to>
+                                        <p:strVal val="visible"/>
+                                      </p:to>
+                                    </p:set>
+                                  </p:childTnLst>
+                                </p:cTn>
+                              </p:par>
+                            </p:childTnLst>
+                          </p:cTn>
+                        </p:par>
+                      </p:childTnLst>
+                    </p:cTn>
+                  </p:par>
+                  <p:par>
+                    <p:cTn id="15" fill="hold">
+                      <p:stCondLst>
+                        <p:cond delay="indefinite"/>
+                      </p:stCondLst>
+                      <p:childTnLst>
+                        <p:par>
+                          <p:cTn id="16" fill="hold">
+                            <p:stCondLst>
+                              <p:cond delay="0"/>
+                            </p:stCondLst>
+                            <p:childTnLst>
+                              <p:par>
+                                <p:cTn id="17" presetID="1" presetClass="entr" presetSubtype="0" fill="hold" grpId="0" nodeType="clickEffect">
+                                  <p:stCondLst>
+                                    <p:cond delay="0"/>
+                                  </p:stCondLst>
+                                  <p:childTnLst>
+                                    <p:set>
+                                      <p:cBhvr>
+                                        <p:cTn id="18" dur="1" fill="hold">
+                                          <p:stCondLst>
+                                            <p:cond delay="0"/>
+                                          </p:stCondLst>
+                                        </p:cTn>
+                                        <p:tgtEl>
+                                          <p:spTgt spid="3">
+                                            <p:txEl>
+                                              <p:pRg st="3" end="3"/>
+                                            </p:txEl>
+                                          </p:spTgt>
+                                        </p:tgtEl>
+                                        <p:attrNameLst>
+                                          <p:attrName>style.visibility</p:attrName>
+                                        </p:attrNameLst>
+                                      </p:cBhvr>
+                                      <p:to>
+                                        <p:strVal val="visible"/>
+                                      </p:to>
+                                    </p:set>
+                                  </p:childTnLst>
+                                </p:cTn>
+                              </p:par>
+                            </p:childTnLst>
+                          </p:cTn>
+                        </p:par>
+                      </p:childTnLst>
+                    </p:cTn>
+                  </p:par>
+                  <p:par>
+                    <p:cTn id="19" fill="hold">
+                      <p:stCondLst>
+                        <p:cond delay="indefinite"/>
+                      </p:stCondLst>
+                      <p:childTnLst>
+                        <p:par>
+                          <p:cTn id="20" fill="hold">
+                            <p:stCondLst>
+                              <p:cond delay="0"/>
+                            </p:stCondLst>
+                            <p:childTnLst>
+                              <p:par>
+                                <p:cTn id="21" presetID="1" presetClass="entr" presetSubtype="0" fill="hold" grpId="0" nodeType="clickEffect">
+                                  <p:stCondLst>
+                                    <p:cond delay="0"/>
+                                  </p:stCondLst>
+                                  <p:childTnLst>
+                                    <p:set>
+                                      <p:cBhvr>
+                                        <p:cTn id="22" dur="1" fill="hold">
+                                          <p:stCondLst>
+                                            <p:cond delay="0"/>
+                                          </p:stCondLst>
+                                        </p:cTn>
+                                        <p:tgtEl>
+                                          <p:spTgt spid="3">
+                                            <p:txEl>
+                                              <p:pRg st="4" end="4"/>
+                                            </p:txEl>
+                                          </p:spTgt>
+                                        </p:tgtEl>
+                                        <p:attrNameLst>
+                                          <p:attrName>style.visibility</p:attrName>
+                                        </p:attrNameLst>
+                                      </p:cBhvr>
+                                      <p:to>
+                                        <p:strVal val="visible"/>
+                                      </p:to>
+                                    </p:set>
+                                  </p:childTnLst>
+                                </p:cTn>
+                              </p:par>
+                            </p:childTnLst>
+                          </p:cTn>
+                        </p:par>
+                      </p:childTnLst>
+                    </p:cTn>
+                  </p:par>
+                  <p:par>
+                    <p:cTn id="23" fill="hold">
+                      <p:stCondLst>
+                        <p:cond delay="indefinite"/>
+                      </p:stCondLst>
+                      <p:childTnLst>
+                        <p:par>
+                          <p:cTn id="24" fill="hold">
+                            <p:stCondLst>
+                              <p:cond delay="0"/>
+                            </p:stCondLst>
+                            <p:childTnLst>
+                              <p:par>
+                                <p:cTn id="25" presetID="1" presetClass="entr" presetSubtype="0" fill="hold" grpId="0" nodeType="clickEffect">
+                                  <p:stCondLst>
+                                    <p:cond delay="0"/>
+                                  </p:stCondLst>
+                                  <p:childTnLst>
+                                    <p:set>
+                                      <p:cBhvr>
+                                        <p:cTn id="26" dur="1" fill="hold">
+                                          <p:stCondLst>
+                                            <p:cond delay="0"/>
+                                          </p:stCondLst>
+                                        </p:cTn>
+                                        <p:tgtEl>
+                                          <p:spTgt spid="3">
+                                            <p:txEl>
+                                              <p:pRg st="5" end="5"/>
+                                            </p:txEl>
+                                          </p:spTgt>
+                                        </p:tgtEl>
+                                        <p:attrNameLst>
+                                          <p:attrName>style.visibility</p:attrName>
+                                        </p:attrNameLst>
+                                      </p:cBhvr>
+                                      <p:to>
+                                        <p:strVal val="visible"/>
+                                      </p:to>
+                                    </p:set>
+                                  </p:childTnLst>
+                                </p:cTn>
+                              </p:par>
+                            </p:childTnLst>
+                          </p:cTn>
+                        </p:par>
+                      </p:childTnLst>
+                    </p:cTn>
+                  </p:par>
+                  <p:par>
+                    <p:cTn id="27" fill="hold">
+                      <p:stCondLst>
+                        <p:cond delay="indefinite"/>
+                      </p:stCondLst>
+                      <p:childTnLst>
+                        <p:par>
+                          <p:cTn id="28" fill="hold">
+                            <p:stCondLst>
+                              <p:cond delay="0"/>
+                            </p:stCondLst>
+                            <p:childTnLst>
+                              <p:par>
+                                <p:cTn id="29" presetID="1" presetClass="entr" presetSubtype="0" fill="hold" grpId="0" nodeType="clickEffect">
+                                  <p:stCondLst>
+                                    <p:cond delay="0"/>
+                                  </p:stCondLst>
+                                  <p:childTnLst>
+                                    <p:set>
+                                      <p:cBhvr>
+                                        <p:cTn id="30" dur="1" fill="hold">
+                                          <p:stCondLst>
+                                            <p:cond delay="0"/>
+                                          </p:stCondLst>
+                                        </p:cTn>
+                                        <p:tgtEl>
+                                          <p:spTgt spid="3">
+                                            <p:txEl>
+                                              <p:pRg st="6" end="6"/>
+                                            </p:txEl>
+                                          </p:spTgt>
+                                        </p:tgtEl>
+                                        <p:attrNameLst>
+                                          <p:attrName>style.visibility</p:attrName>
+                                        </p:attrNameLst>
+                                      </p:cBhvr>
+                                      <p:to>
+                                        <p:strVal val="visible"/>
+                                      </p:to>
+                                    </p:set>
+                                  </p:childTnLst>
+                                </p:cTn>
+                              </p:par>
+                            </p:childTnLst>
+                          </p:cTn>
+                        </p:par>
+                      </p:childTnLst>
+                    </p:cTn>
+                  </p:par>
+                  <p:par>
+                    <p:cTn id="31" fill="hold">
+                      <p:stCondLst>
+                        <p:cond delay="indefinite"/>
+                      </p:stCondLst>
+                      <p:childTnLst>
+                        <p:par>
+                          <p:cTn id="32" fill="hold">
+                            <p:stCondLst>
+                              <p:cond delay="0"/>
+                            </p:stCondLst>
+                            <p:childTnLst>
+                              <p:par>
+                                <p:cTn id="33" presetID="1" presetClass="entr" presetSubtype="0" fill="hold" grpId="0" nodeType="clickEffect">
+                                  <p:stCondLst>
+                                    <p:cond delay="0"/>
+                                  </p:stCondLst>
+                                  <p:childTnLst>
+                                    <p:set>
+                                      <p:cBhvr>
+                                        <p:cTn id="34" dur="1" fill="hold">
+                                          <p:stCondLst>
+                                            <p:cond delay="0"/>
+                                          </p:stCondLst>
+                                        </p:cTn>
+                                        <p:tgtEl>
+                                          <p:spTgt spid="3">
+                                            <p:txEl>
+                                              <p:pRg st="7" end="7"/>
+                                            </p:txEl>
+                                          </p:spTgt>
+                                        </p:tgtEl>
+                                        <p:attrNameLst>
+                                          <p:attrName>style.visibility</p:attrName>
+                                        </p:attrNameLst>
+                                      </p:cBhvr>
+                                      <p:to>
+                                        <p:strVal val="visible"/>
+                                      </p:to>
+                                    </p:set>
+                                  </p:childTnLst>
+                                </p:cTn>
+                              </p:par>
+                            </p:childTnLst>
+                          </p:cTn>
+                        </p:par>
+                      </p:childTnLst>
+                    </p:cTn>
+                  </p:par>
+                  <p:par>
+                    <p:cTn id="35" fill="hold">
+                      <p:stCondLst>
+                        <p:cond delay="indefinite"/>
+                      </p:stCondLst>
+                      <p:childTnLst>
+                        <p:par>
+                          <p:cTn id="36" fill="hold">
+                            <p:stCondLst>
+                              <p:cond delay="0"/>
+                            </p:stCondLst>
+                            <p:childTnLst>
+                              <p:par>
+                                <p:cTn id="37" presetID="1" presetClass="entr" presetSubtype="0" fill="hold" grpId="0" nodeType="clickEffect">
+                                  <p:stCondLst>
+                                    <p:cond delay="0"/>
+                                  </p:stCondLst>
+                                  <p:childTnLst>
+                                    <p:set>
+                                      <p:cBhvr>
+                                        <p:cTn id="38" dur="1" fill="hold">
+                                          <p:stCondLst>
+                                            <p:cond delay="0"/>
+                                          </p:stCondLst>
+                                        </p:cTn>
+                                        <p:tgtEl>
+                                          <p:spTgt spid="3">
+                                            <p:txEl>
+                                              <p:pRg st="8" end="8"/>
+                                            </p:txEl>
+                                          </p:spTgt>
+                                        </p:tgtEl>
+                                        <p:attrNameLst>
+                                          <p:attrName>style.visibility</p:attrName>
+                                        </p:attrNameLst>
+                                      </p:cBhvr>
+                                      <p:to>
+                                        <p:strVal val="visible"/>
+                                      </p:to>
+                                    </p:set>
+                                  </p:childTnLst>
+                                </p:cTn>
+                              </p:par>
+                            </p:childTnLst>
+                          </p:cTn>
+                        </p:par>
+                      </p:childTnLst>
+                    </p:cTn>
+                  </p:par>
+                  <p:par>
+                    <p:cTn id="39" fill="hold">
+                      <p:stCondLst>
+                        <p:cond delay="indefinite"/>
+                      </p:stCondLst>
+                      <p:childTnLst>
+                        <p:par>
+                          <p:cTn id="40" fill="hold">
+                            <p:stCondLst>
+                              <p:cond delay="0"/>
+                            </p:stCondLst>
+                            <p:childTnLst>
+                              <p:par>
+                                <p:cTn id="41" presetID="1" presetClass="entr" presetSubtype="0" fill="hold" grpId="0" nodeType="clickEffect">
+                                  <p:stCondLst>
+                                    <p:cond delay="0"/>
+                                  </p:stCondLst>
+                                  <p:childTnLst>
+                                    <p:set>
+                                      <p:cBhvr>
+                                        <p:cTn id="42" dur="1" fill="hold">
+                                          <p:stCondLst>
+                                            <p:cond delay="0"/>
+                                          </p:stCondLst>
+                                        </p:cTn>
+                                        <p:tgtEl>
+                                          <p:spTgt spid="3">
+                                            <p:txEl>
+                                              <p:pRg st="9" end="9"/>
+                                            </p:txEl>
+                                          </p:spTgt>
+                                        </p:tgtEl>
+                                        <p:attrNameLst>
+                                          <p:attrName>style.visibility</p:attrName>
+                                        </p:attrNameLst>
+                                      </p:cBhvr>
+                                      <p:to>
+                                        <p:strVal val="visible"/>
+                                      </p:to>
+                                    </p:set>
+                                  </p:childTnLst>
+                                </p:cTn>
+                              </p:par>
+                            </p:childTnLst>
+                          </p:cTn>
+                        </p:par>
+                      </p:childTnLst>
+                    </p:cTn>
+                  </p:par>
+                  <p:par>
+                    <p:cTn id="43" fill="hold">
+                      <p:stCondLst>
+                        <p:cond delay="indefinite"/>
+                      </p:stCondLst>
+                      <p:childTnLst>
+                        <p:par>
+                          <p:cTn id="44" fill="hold">
+                            <p:stCondLst>
+                              <p:cond delay="0"/>
+                            </p:stCondLst>
+                            <p:childTnLst>
+                              <p:par>
+                                <p:cTn id="45" presetID="1" presetClass="entr" presetSubtype="0" fill="hold" grpId="0" nodeType="clickEffect">
+                                  <p:stCondLst>
+                                    <p:cond delay="0"/>
+                                  </p:stCondLst>
+                                  <p:childTnLst>
+                                    <p:set>
+                                      <p:cBhvr>
+                                        <p:cTn id="46" dur="1" fill="hold">
+                                          <p:stCondLst>
+                                            <p:cond delay="0"/>
+                                          </p:stCondLst>
+                                        </p:cTn>
+                                        <p:tgtEl>
+                                          <p:spTgt spid="3">
+                                            <p:txEl>
+                                              <p:pRg st="10" end="10"/>
+                                            </p:txEl>
+                                          </p:spTgt>
+                                        </p:tgtEl>
+                                        <p:attrNameLst>
+                                          <p:attrName>style.visibility</p:attrName>
+                                        </p:attrNameLst>
+                                      </p:cBhvr>
+                                      <p:to>
+                                        <p:strVal val="visible"/>
+                                      </p:to>
+                                    </p:set>
+                                  </p:childTnLst>
+                                </p:cTn>
+                              </p:par>
+                            </p:childTnLst>
+                          </p:cTn>
+                        </p:par>
+                      </p:childTnLst>
+                    </p:cTn>
+                  </p:par>
+                </p:childTnLst>
+              </p:cTn>
+              <p:prevCondLst>
+                <p:cond evt="onPrev" delay="0">
+                  <p:tgtEl>
+                    <p:sldTgt/>
+                  </p:tgtEl>
+                </p:cond>
+              </p:prevCondLst>
+              <p:nextCondLst>
+                <p:cond evt="onNext" delay="0">
+                  <p:tgtEl>
+                    <p:sldTgt/>
+                  </p:tgtEl>
+                </p:cond>
+              </p:nextCondLst>
+            </p:seq>
+          </p:childTnLst>
+        </p:cTn>
+      </p:par>
+    </p:tnLst>
+    <p:bldLst>
+      <p:bldP spid="3" grpId="0" build="p"/>
+    </p:bldLst>
+  </p:timing>
 </p:sld>
 </file>
 
@@ -15022,8 +15936,8 @@
               <a:buNone/>
             </a:pPr>
             <a:r>
-              <a:rPr lang="en-US" sz="2200"/>
-              <a:t>A major fast-food franchise wants to identify the factors related to frequency of fast-food restaurant visits by consumers. </a:t>
+              <a:rPr lang="en-US" sz="2200" dirty="0"/>
+              <a:t>A major fast-food franchise wants to identify the factors related to the frequency of fast-food restaurant visits by consumers. </a:t>
             </a:r>
           </a:p>
           <a:p>
@@ -15031,7 +15945,7 @@
               <a:buNone/>
             </a:pPr>
             <a:r>
-              <a:rPr lang="en-US" sz="2200"/>
+              <a:rPr lang="en-US" sz="2200" dirty="0"/>
               <a:t>The dependent variable is the number of fast-food restaurant visits a person makes per month.</a:t>
             </a:r>
           </a:p>
@@ -15040,7 +15954,7 @@
               <a:buNone/>
             </a:pPr>
             <a:r>
-              <a:rPr lang="en-US" sz="2200"/>
+              <a:rPr lang="en-US" sz="2200" dirty="0"/>
               <a:t>The independent variables are</a:t>
             </a:r>
           </a:p>
@@ -15049,7 +15963,7 @@
               <a:buNone/>
             </a:pPr>
             <a:r>
-              <a:rPr lang="en-US" sz="2200"/>
+              <a:rPr lang="en-US" sz="2200" dirty="0"/>
               <a:t>• number of hours working outside the home per day</a:t>
             </a:r>
           </a:p>
@@ -15058,7 +15972,7 @@
               <a:buNone/>
             </a:pPr>
             <a:r>
-              <a:rPr lang="en-US" sz="2200"/>
+              <a:rPr lang="en-US" sz="2200" dirty="0"/>
               <a:t> • monthly income (in thousands of dollars; $000)</a:t>
             </a:r>
           </a:p>
@@ -15067,7 +15981,7 @@
               <a:buNone/>
             </a:pPr>
             <a:r>
-              <a:rPr lang="en-US" sz="2200"/>
+              <a:rPr lang="en-US" sz="2200" dirty="0"/>
               <a:t>• presence of children at home (binary variable; 0 = children not present, 1 = children present)</a:t>
             </a:r>
           </a:p>
@@ -15076,7 +15990,7 @@
               <a:buNone/>
             </a:pPr>
             <a:r>
-              <a:rPr lang="en-US" sz="2200"/>
+              <a:rPr lang="en-US" sz="2200" dirty="0"/>
               <a:t># of visits = 2.1 + .68 (# of hours worked) - .11 (monthly income) + .51 (if children present)</a:t>
             </a:r>
           </a:p>
@@ -15084,7 +15998,7 @@
             <a:pPr marL="0" indent="0">
               <a:buNone/>
             </a:pPr>
-            <a:endParaRPr lang="en-US" sz="2200"/>
+            <a:endParaRPr lang="en-US" sz="2200" dirty="0"/>
           </a:p>
         </p:txBody>
       </p:sp>
@@ -15184,6 +16098,382 @@
   <p:clrMapOvr>
     <a:masterClrMapping/>
   </p:clrMapOvr>
+  <p:timing>
+    <p:tnLst>
+      <p:par>
+        <p:cTn id="1" dur="indefinite" restart="never" nodeType="tmRoot">
+          <p:childTnLst>
+            <p:seq concurrent="1" nextAc="seek">
+              <p:cTn id="2" dur="indefinite" nodeType="mainSeq">
+                <p:childTnLst>
+                  <p:par>
+                    <p:cTn id="3" fill="hold">
+                      <p:stCondLst>
+                        <p:cond delay="indefinite"/>
+                      </p:stCondLst>
+                      <p:childTnLst>
+                        <p:par>
+                          <p:cTn id="4" fill="hold">
+                            <p:stCondLst>
+                              <p:cond delay="0"/>
+                            </p:stCondLst>
+                            <p:childTnLst>
+                              <p:par>
+                                <p:cTn id="5" presetID="1" presetClass="entr" presetSubtype="0" fill="hold" grpId="0" nodeType="clickEffect">
+                                  <p:stCondLst>
+                                    <p:cond delay="0"/>
+                                  </p:stCondLst>
+                                  <p:childTnLst>
+                                    <p:set>
+                                      <p:cBhvr>
+                                        <p:cTn id="6" dur="1" fill="hold">
+                                          <p:stCondLst>
+                                            <p:cond delay="0"/>
+                                          </p:stCondLst>
+                                        </p:cTn>
+                                        <p:tgtEl>
+                                          <p:spTgt spid="3">
+                                            <p:txEl>
+                                              <p:pRg st="0" end="0"/>
+                                            </p:txEl>
+                                          </p:spTgt>
+                                        </p:tgtEl>
+                                        <p:attrNameLst>
+                                          <p:attrName>style.visibility</p:attrName>
+                                        </p:attrNameLst>
+                                      </p:cBhvr>
+                                      <p:to>
+                                        <p:strVal val="visible"/>
+                                      </p:to>
+                                    </p:set>
+                                  </p:childTnLst>
+                                </p:cTn>
+                              </p:par>
+                            </p:childTnLst>
+                          </p:cTn>
+                        </p:par>
+                      </p:childTnLst>
+                    </p:cTn>
+                  </p:par>
+                  <p:par>
+                    <p:cTn id="7" fill="hold">
+                      <p:stCondLst>
+                        <p:cond delay="indefinite"/>
+                      </p:stCondLst>
+                      <p:childTnLst>
+                        <p:par>
+                          <p:cTn id="8" fill="hold">
+                            <p:stCondLst>
+                              <p:cond delay="0"/>
+                            </p:stCondLst>
+                            <p:childTnLst>
+                              <p:par>
+                                <p:cTn id="9" presetID="1" presetClass="entr" presetSubtype="0" fill="hold" grpId="0" nodeType="clickEffect">
+                                  <p:stCondLst>
+                                    <p:cond delay="0"/>
+                                  </p:stCondLst>
+                                  <p:childTnLst>
+                                    <p:set>
+                                      <p:cBhvr>
+                                        <p:cTn id="10" dur="1" fill="hold">
+                                          <p:stCondLst>
+                                            <p:cond delay="0"/>
+                                          </p:stCondLst>
+                                        </p:cTn>
+                                        <p:tgtEl>
+                                          <p:spTgt spid="3">
+                                            <p:txEl>
+                                              <p:pRg st="1" end="1"/>
+                                            </p:txEl>
+                                          </p:spTgt>
+                                        </p:tgtEl>
+                                        <p:attrNameLst>
+                                          <p:attrName>style.visibility</p:attrName>
+                                        </p:attrNameLst>
+                                      </p:cBhvr>
+                                      <p:to>
+                                        <p:strVal val="visible"/>
+                                      </p:to>
+                                    </p:set>
+                                  </p:childTnLst>
+                                </p:cTn>
+                              </p:par>
+                            </p:childTnLst>
+                          </p:cTn>
+                        </p:par>
+                      </p:childTnLst>
+                    </p:cTn>
+                  </p:par>
+                  <p:par>
+                    <p:cTn id="11" fill="hold">
+                      <p:stCondLst>
+                        <p:cond delay="indefinite"/>
+                      </p:stCondLst>
+                      <p:childTnLst>
+                        <p:par>
+                          <p:cTn id="12" fill="hold">
+                            <p:stCondLst>
+                              <p:cond delay="0"/>
+                            </p:stCondLst>
+                            <p:childTnLst>
+                              <p:par>
+                                <p:cTn id="13" presetID="1" presetClass="entr" presetSubtype="0" fill="hold" grpId="0" nodeType="clickEffect">
+                                  <p:stCondLst>
+                                    <p:cond delay="0"/>
+                                  </p:stCondLst>
+                                  <p:childTnLst>
+                                    <p:set>
+                                      <p:cBhvr>
+                                        <p:cTn id="14" dur="1" fill="hold">
+                                          <p:stCondLst>
+                                            <p:cond delay="0"/>
+                                          </p:stCondLst>
+                                        </p:cTn>
+                                        <p:tgtEl>
+                                          <p:spTgt spid="3">
+                                            <p:txEl>
+                                              <p:pRg st="2" end="2"/>
+                                            </p:txEl>
+                                          </p:spTgt>
+                                        </p:tgtEl>
+                                        <p:attrNameLst>
+                                          <p:attrName>style.visibility</p:attrName>
+                                        </p:attrNameLst>
+                                      </p:cBhvr>
+                                      <p:to>
+                                        <p:strVal val="visible"/>
+                                      </p:to>
+                                    </p:set>
+                                  </p:childTnLst>
+                                </p:cTn>
+                              </p:par>
+                            </p:childTnLst>
+                          </p:cTn>
+                        </p:par>
+                      </p:childTnLst>
+                    </p:cTn>
+                  </p:par>
+                  <p:par>
+                    <p:cTn id="15" fill="hold">
+                      <p:stCondLst>
+                        <p:cond delay="indefinite"/>
+                      </p:stCondLst>
+                      <p:childTnLst>
+                        <p:par>
+                          <p:cTn id="16" fill="hold">
+                            <p:stCondLst>
+                              <p:cond delay="0"/>
+                            </p:stCondLst>
+                            <p:childTnLst>
+                              <p:par>
+                                <p:cTn id="17" presetID="1" presetClass="entr" presetSubtype="0" fill="hold" grpId="0" nodeType="clickEffect">
+                                  <p:stCondLst>
+                                    <p:cond delay="0"/>
+                                  </p:stCondLst>
+                                  <p:childTnLst>
+                                    <p:set>
+                                      <p:cBhvr>
+                                        <p:cTn id="18" dur="1" fill="hold">
+                                          <p:stCondLst>
+                                            <p:cond delay="0"/>
+                                          </p:stCondLst>
+                                        </p:cTn>
+                                        <p:tgtEl>
+                                          <p:spTgt spid="3">
+                                            <p:txEl>
+                                              <p:pRg st="3" end="3"/>
+                                            </p:txEl>
+                                          </p:spTgt>
+                                        </p:tgtEl>
+                                        <p:attrNameLst>
+                                          <p:attrName>style.visibility</p:attrName>
+                                        </p:attrNameLst>
+                                      </p:cBhvr>
+                                      <p:to>
+                                        <p:strVal val="visible"/>
+                                      </p:to>
+                                    </p:set>
+                                  </p:childTnLst>
+                                </p:cTn>
+                              </p:par>
+                            </p:childTnLst>
+                          </p:cTn>
+                        </p:par>
+                      </p:childTnLst>
+                    </p:cTn>
+                  </p:par>
+                  <p:par>
+                    <p:cTn id="19" fill="hold">
+                      <p:stCondLst>
+                        <p:cond delay="indefinite"/>
+                      </p:stCondLst>
+                      <p:childTnLst>
+                        <p:par>
+                          <p:cTn id="20" fill="hold">
+                            <p:stCondLst>
+                              <p:cond delay="0"/>
+                            </p:stCondLst>
+                            <p:childTnLst>
+                              <p:par>
+                                <p:cTn id="21" presetID="1" presetClass="entr" presetSubtype="0" fill="hold" grpId="0" nodeType="clickEffect">
+                                  <p:stCondLst>
+                                    <p:cond delay="0"/>
+                                  </p:stCondLst>
+                                  <p:childTnLst>
+                                    <p:set>
+                                      <p:cBhvr>
+                                        <p:cTn id="22" dur="1" fill="hold">
+                                          <p:stCondLst>
+                                            <p:cond delay="0"/>
+                                          </p:stCondLst>
+                                        </p:cTn>
+                                        <p:tgtEl>
+                                          <p:spTgt spid="3">
+                                            <p:txEl>
+                                              <p:pRg st="4" end="4"/>
+                                            </p:txEl>
+                                          </p:spTgt>
+                                        </p:tgtEl>
+                                        <p:attrNameLst>
+                                          <p:attrName>style.visibility</p:attrName>
+                                        </p:attrNameLst>
+                                      </p:cBhvr>
+                                      <p:to>
+                                        <p:strVal val="visible"/>
+                                      </p:to>
+                                    </p:set>
+                                  </p:childTnLst>
+                                </p:cTn>
+                              </p:par>
+                            </p:childTnLst>
+                          </p:cTn>
+                        </p:par>
+                      </p:childTnLst>
+                    </p:cTn>
+                  </p:par>
+                  <p:par>
+                    <p:cTn id="23" fill="hold">
+                      <p:stCondLst>
+                        <p:cond delay="indefinite"/>
+                      </p:stCondLst>
+                      <p:childTnLst>
+                        <p:par>
+                          <p:cTn id="24" fill="hold">
+                            <p:stCondLst>
+                              <p:cond delay="0"/>
+                            </p:stCondLst>
+                            <p:childTnLst>
+                              <p:par>
+                                <p:cTn id="25" presetID="1" presetClass="entr" presetSubtype="0" fill="hold" grpId="0" nodeType="clickEffect">
+                                  <p:stCondLst>
+                                    <p:cond delay="0"/>
+                                  </p:stCondLst>
+                                  <p:childTnLst>
+                                    <p:set>
+                                      <p:cBhvr>
+                                        <p:cTn id="26" dur="1" fill="hold">
+                                          <p:stCondLst>
+                                            <p:cond delay="0"/>
+                                          </p:stCondLst>
+                                        </p:cTn>
+                                        <p:tgtEl>
+                                          <p:spTgt spid="3">
+                                            <p:txEl>
+                                              <p:pRg st="5" end="5"/>
+                                            </p:txEl>
+                                          </p:spTgt>
+                                        </p:tgtEl>
+                                        <p:attrNameLst>
+                                          <p:attrName>style.visibility</p:attrName>
+                                        </p:attrNameLst>
+                                      </p:cBhvr>
+                                      <p:to>
+                                        <p:strVal val="visible"/>
+                                      </p:to>
+                                    </p:set>
+                                  </p:childTnLst>
+                                </p:cTn>
+                              </p:par>
+                            </p:childTnLst>
+                          </p:cTn>
+                        </p:par>
+                      </p:childTnLst>
+                    </p:cTn>
+                  </p:par>
+                  <p:par>
+                    <p:cTn id="27" fill="hold">
+                      <p:stCondLst>
+                        <p:cond delay="indefinite"/>
+                      </p:stCondLst>
+                      <p:childTnLst>
+                        <p:par>
+                          <p:cTn id="28" fill="hold">
+                            <p:stCondLst>
+                              <p:cond delay="0"/>
+                            </p:stCondLst>
+                            <p:childTnLst>
+                              <p:par>
+                                <p:cTn id="29" presetID="1" presetClass="entr" presetSubtype="0" fill="hold" grpId="0" nodeType="clickEffect">
+                                  <p:stCondLst>
+                                    <p:cond delay="0"/>
+                                  </p:stCondLst>
+                                  <p:childTnLst>
+                                    <p:set>
+                                      <p:cBhvr>
+                                        <p:cTn id="30" dur="1" fill="hold">
+                                          <p:stCondLst>
+                                            <p:cond delay="0"/>
+                                          </p:stCondLst>
+                                        </p:cTn>
+                                        <p:tgtEl>
+                                          <p:spTgt spid="3">
+                                            <p:txEl>
+                                              <p:pRg st="6" end="6"/>
+                                            </p:txEl>
+                                          </p:spTgt>
+                                        </p:tgtEl>
+                                        <p:attrNameLst>
+                                          <p:attrName>style.visibility</p:attrName>
+                                        </p:attrNameLst>
+                                      </p:cBhvr>
+                                      <p:to>
+                                        <p:strVal val="visible"/>
+                                      </p:to>
+                                    </p:set>
+                                  </p:childTnLst>
+                                </p:cTn>
+                              </p:par>
+                            </p:childTnLst>
+                          </p:cTn>
+                        </p:par>
+                      </p:childTnLst>
+                    </p:cTn>
+                  </p:par>
+                </p:childTnLst>
+              </p:cTn>
+              <p:prevCondLst>
+                <p:cond evt="onPrev" delay="0">
+                  <p:tgtEl>
+                    <p:sldTgt/>
+                  </p:tgtEl>
+                </p:cond>
+              </p:prevCondLst>
+              <p:nextCondLst>
+                <p:cond evt="onNext" delay="0">
+                  <p:tgtEl>
+                    <p:sldTgt/>
+                  </p:tgtEl>
+                </p:cond>
+              </p:nextCondLst>
+            </p:seq>
+          </p:childTnLst>
+        </p:cTn>
+      </p:par>
+    </p:tnLst>
+    <p:bldLst>
+      <p:bldP spid="3" grpId="0" build="p"/>
+    </p:bldLst>
+  </p:timing>
 </p:sld>
 </file>
 
@@ -21296,6 +22586,382 @@
   <p:clrMapOvr>
     <a:masterClrMapping/>
   </p:clrMapOvr>
+  <p:timing>
+    <p:tnLst>
+      <p:par>
+        <p:cTn id="1" dur="indefinite" restart="never" nodeType="tmRoot">
+          <p:childTnLst>
+            <p:seq concurrent="1" nextAc="seek">
+              <p:cTn id="2" dur="indefinite" nodeType="mainSeq">
+                <p:childTnLst>
+                  <p:par>
+                    <p:cTn id="3" fill="hold">
+                      <p:stCondLst>
+                        <p:cond delay="indefinite"/>
+                      </p:stCondLst>
+                      <p:childTnLst>
+                        <p:par>
+                          <p:cTn id="4" fill="hold">
+                            <p:stCondLst>
+                              <p:cond delay="0"/>
+                            </p:stCondLst>
+                            <p:childTnLst>
+                              <p:par>
+                                <p:cTn id="5" presetID="1" presetClass="entr" presetSubtype="0" fill="hold" grpId="0" nodeType="clickEffect">
+                                  <p:stCondLst>
+                                    <p:cond delay="0"/>
+                                  </p:stCondLst>
+                                  <p:childTnLst>
+                                    <p:set>
+                                      <p:cBhvr>
+                                        <p:cTn id="6" dur="1" fill="hold">
+                                          <p:stCondLst>
+                                            <p:cond delay="0"/>
+                                          </p:stCondLst>
+                                        </p:cTn>
+                                        <p:tgtEl>
+                                          <p:spTgt spid="3">
+                                            <p:txEl>
+                                              <p:pRg st="0" end="0"/>
+                                            </p:txEl>
+                                          </p:spTgt>
+                                        </p:tgtEl>
+                                        <p:attrNameLst>
+                                          <p:attrName>style.visibility</p:attrName>
+                                        </p:attrNameLst>
+                                      </p:cBhvr>
+                                      <p:to>
+                                        <p:strVal val="visible"/>
+                                      </p:to>
+                                    </p:set>
+                                  </p:childTnLst>
+                                </p:cTn>
+                              </p:par>
+                            </p:childTnLst>
+                          </p:cTn>
+                        </p:par>
+                      </p:childTnLst>
+                    </p:cTn>
+                  </p:par>
+                  <p:par>
+                    <p:cTn id="7" fill="hold">
+                      <p:stCondLst>
+                        <p:cond delay="indefinite"/>
+                      </p:stCondLst>
+                      <p:childTnLst>
+                        <p:par>
+                          <p:cTn id="8" fill="hold">
+                            <p:stCondLst>
+                              <p:cond delay="0"/>
+                            </p:stCondLst>
+                            <p:childTnLst>
+                              <p:par>
+                                <p:cTn id="9" presetID="1" presetClass="entr" presetSubtype="0" fill="hold" grpId="0" nodeType="clickEffect">
+                                  <p:stCondLst>
+                                    <p:cond delay="0"/>
+                                  </p:stCondLst>
+                                  <p:childTnLst>
+                                    <p:set>
+                                      <p:cBhvr>
+                                        <p:cTn id="10" dur="1" fill="hold">
+                                          <p:stCondLst>
+                                            <p:cond delay="0"/>
+                                          </p:stCondLst>
+                                        </p:cTn>
+                                        <p:tgtEl>
+                                          <p:spTgt spid="3">
+                                            <p:txEl>
+                                              <p:pRg st="1" end="1"/>
+                                            </p:txEl>
+                                          </p:spTgt>
+                                        </p:tgtEl>
+                                        <p:attrNameLst>
+                                          <p:attrName>style.visibility</p:attrName>
+                                        </p:attrNameLst>
+                                      </p:cBhvr>
+                                      <p:to>
+                                        <p:strVal val="visible"/>
+                                      </p:to>
+                                    </p:set>
+                                  </p:childTnLst>
+                                </p:cTn>
+                              </p:par>
+                            </p:childTnLst>
+                          </p:cTn>
+                        </p:par>
+                      </p:childTnLst>
+                    </p:cTn>
+                  </p:par>
+                  <p:par>
+                    <p:cTn id="11" fill="hold">
+                      <p:stCondLst>
+                        <p:cond delay="indefinite"/>
+                      </p:stCondLst>
+                      <p:childTnLst>
+                        <p:par>
+                          <p:cTn id="12" fill="hold">
+                            <p:stCondLst>
+                              <p:cond delay="0"/>
+                            </p:stCondLst>
+                            <p:childTnLst>
+                              <p:par>
+                                <p:cTn id="13" presetID="1" presetClass="entr" presetSubtype="0" fill="hold" grpId="0" nodeType="clickEffect">
+                                  <p:stCondLst>
+                                    <p:cond delay="0"/>
+                                  </p:stCondLst>
+                                  <p:childTnLst>
+                                    <p:set>
+                                      <p:cBhvr>
+                                        <p:cTn id="14" dur="1" fill="hold">
+                                          <p:stCondLst>
+                                            <p:cond delay="0"/>
+                                          </p:stCondLst>
+                                        </p:cTn>
+                                        <p:tgtEl>
+                                          <p:spTgt spid="3">
+                                            <p:txEl>
+                                              <p:pRg st="2" end="2"/>
+                                            </p:txEl>
+                                          </p:spTgt>
+                                        </p:tgtEl>
+                                        <p:attrNameLst>
+                                          <p:attrName>style.visibility</p:attrName>
+                                        </p:attrNameLst>
+                                      </p:cBhvr>
+                                      <p:to>
+                                        <p:strVal val="visible"/>
+                                      </p:to>
+                                    </p:set>
+                                  </p:childTnLst>
+                                </p:cTn>
+                              </p:par>
+                            </p:childTnLst>
+                          </p:cTn>
+                        </p:par>
+                      </p:childTnLst>
+                    </p:cTn>
+                  </p:par>
+                  <p:par>
+                    <p:cTn id="15" fill="hold">
+                      <p:stCondLst>
+                        <p:cond delay="indefinite"/>
+                      </p:stCondLst>
+                      <p:childTnLst>
+                        <p:par>
+                          <p:cTn id="16" fill="hold">
+                            <p:stCondLst>
+                              <p:cond delay="0"/>
+                            </p:stCondLst>
+                            <p:childTnLst>
+                              <p:par>
+                                <p:cTn id="17" presetID="1" presetClass="entr" presetSubtype="0" fill="hold" grpId="0" nodeType="clickEffect">
+                                  <p:stCondLst>
+                                    <p:cond delay="0"/>
+                                  </p:stCondLst>
+                                  <p:childTnLst>
+                                    <p:set>
+                                      <p:cBhvr>
+                                        <p:cTn id="18" dur="1" fill="hold">
+                                          <p:stCondLst>
+                                            <p:cond delay="0"/>
+                                          </p:stCondLst>
+                                        </p:cTn>
+                                        <p:tgtEl>
+                                          <p:spTgt spid="3">
+                                            <p:txEl>
+                                              <p:pRg st="3" end="3"/>
+                                            </p:txEl>
+                                          </p:spTgt>
+                                        </p:tgtEl>
+                                        <p:attrNameLst>
+                                          <p:attrName>style.visibility</p:attrName>
+                                        </p:attrNameLst>
+                                      </p:cBhvr>
+                                      <p:to>
+                                        <p:strVal val="visible"/>
+                                      </p:to>
+                                    </p:set>
+                                  </p:childTnLst>
+                                </p:cTn>
+                              </p:par>
+                            </p:childTnLst>
+                          </p:cTn>
+                        </p:par>
+                      </p:childTnLst>
+                    </p:cTn>
+                  </p:par>
+                  <p:par>
+                    <p:cTn id="19" fill="hold">
+                      <p:stCondLst>
+                        <p:cond delay="indefinite"/>
+                      </p:stCondLst>
+                      <p:childTnLst>
+                        <p:par>
+                          <p:cTn id="20" fill="hold">
+                            <p:stCondLst>
+                              <p:cond delay="0"/>
+                            </p:stCondLst>
+                            <p:childTnLst>
+                              <p:par>
+                                <p:cTn id="21" presetID="1" presetClass="entr" presetSubtype="0" fill="hold" grpId="0" nodeType="clickEffect">
+                                  <p:stCondLst>
+                                    <p:cond delay="0"/>
+                                  </p:stCondLst>
+                                  <p:childTnLst>
+                                    <p:set>
+                                      <p:cBhvr>
+                                        <p:cTn id="22" dur="1" fill="hold">
+                                          <p:stCondLst>
+                                            <p:cond delay="0"/>
+                                          </p:stCondLst>
+                                        </p:cTn>
+                                        <p:tgtEl>
+                                          <p:spTgt spid="3">
+                                            <p:txEl>
+                                              <p:pRg st="4" end="4"/>
+                                            </p:txEl>
+                                          </p:spTgt>
+                                        </p:tgtEl>
+                                        <p:attrNameLst>
+                                          <p:attrName>style.visibility</p:attrName>
+                                        </p:attrNameLst>
+                                      </p:cBhvr>
+                                      <p:to>
+                                        <p:strVal val="visible"/>
+                                      </p:to>
+                                    </p:set>
+                                  </p:childTnLst>
+                                </p:cTn>
+                              </p:par>
+                            </p:childTnLst>
+                          </p:cTn>
+                        </p:par>
+                      </p:childTnLst>
+                    </p:cTn>
+                  </p:par>
+                  <p:par>
+                    <p:cTn id="23" fill="hold">
+                      <p:stCondLst>
+                        <p:cond delay="indefinite"/>
+                      </p:stCondLst>
+                      <p:childTnLst>
+                        <p:par>
+                          <p:cTn id="24" fill="hold">
+                            <p:stCondLst>
+                              <p:cond delay="0"/>
+                            </p:stCondLst>
+                            <p:childTnLst>
+                              <p:par>
+                                <p:cTn id="25" presetID="1" presetClass="entr" presetSubtype="0" fill="hold" grpId="0" nodeType="clickEffect">
+                                  <p:stCondLst>
+                                    <p:cond delay="0"/>
+                                  </p:stCondLst>
+                                  <p:childTnLst>
+                                    <p:set>
+                                      <p:cBhvr>
+                                        <p:cTn id="26" dur="1" fill="hold">
+                                          <p:stCondLst>
+                                            <p:cond delay="0"/>
+                                          </p:stCondLst>
+                                        </p:cTn>
+                                        <p:tgtEl>
+                                          <p:spTgt spid="3">
+                                            <p:txEl>
+                                              <p:pRg st="5" end="5"/>
+                                            </p:txEl>
+                                          </p:spTgt>
+                                        </p:tgtEl>
+                                        <p:attrNameLst>
+                                          <p:attrName>style.visibility</p:attrName>
+                                        </p:attrNameLst>
+                                      </p:cBhvr>
+                                      <p:to>
+                                        <p:strVal val="visible"/>
+                                      </p:to>
+                                    </p:set>
+                                  </p:childTnLst>
+                                </p:cTn>
+                              </p:par>
+                            </p:childTnLst>
+                          </p:cTn>
+                        </p:par>
+                      </p:childTnLst>
+                    </p:cTn>
+                  </p:par>
+                  <p:par>
+                    <p:cTn id="27" fill="hold">
+                      <p:stCondLst>
+                        <p:cond delay="indefinite"/>
+                      </p:stCondLst>
+                      <p:childTnLst>
+                        <p:par>
+                          <p:cTn id="28" fill="hold">
+                            <p:stCondLst>
+                              <p:cond delay="0"/>
+                            </p:stCondLst>
+                            <p:childTnLst>
+                              <p:par>
+                                <p:cTn id="29" presetID="1" presetClass="entr" presetSubtype="0" fill="hold" grpId="0" nodeType="clickEffect">
+                                  <p:stCondLst>
+                                    <p:cond delay="0"/>
+                                  </p:stCondLst>
+                                  <p:childTnLst>
+                                    <p:set>
+                                      <p:cBhvr>
+                                        <p:cTn id="30" dur="1" fill="hold">
+                                          <p:stCondLst>
+                                            <p:cond delay="0"/>
+                                          </p:stCondLst>
+                                        </p:cTn>
+                                        <p:tgtEl>
+                                          <p:spTgt spid="3">
+                                            <p:txEl>
+                                              <p:pRg st="7" end="7"/>
+                                            </p:txEl>
+                                          </p:spTgt>
+                                        </p:tgtEl>
+                                        <p:attrNameLst>
+                                          <p:attrName>style.visibility</p:attrName>
+                                        </p:attrNameLst>
+                                      </p:cBhvr>
+                                      <p:to>
+                                        <p:strVal val="visible"/>
+                                      </p:to>
+                                    </p:set>
+                                  </p:childTnLst>
+                                </p:cTn>
+                              </p:par>
+                            </p:childTnLst>
+                          </p:cTn>
+                        </p:par>
+                      </p:childTnLst>
+                    </p:cTn>
+                  </p:par>
+                </p:childTnLst>
+              </p:cTn>
+              <p:prevCondLst>
+                <p:cond evt="onPrev" delay="0">
+                  <p:tgtEl>
+                    <p:sldTgt/>
+                  </p:tgtEl>
+                </p:cond>
+              </p:prevCondLst>
+              <p:nextCondLst>
+                <p:cond evt="onNext" delay="0">
+                  <p:tgtEl>
+                    <p:sldTgt/>
+                  </p:tgtEl>
+                </p:cond>
+              </p:nextCondLst>
+            </p:seq>
+          </p:childTnLst>
+        </p:cTn>
+      </p:par>
+    </p:tnLst>
+    <p:bldLst>
+      <p:bldP spid="3" grpId="0" build="p"/>
+    </p:bldLst>
+  </p:timing>
 </p:sld>
 </file>
 
@@ -33881,8 +35547,8 @@
           </a:p>
         </p:txBody>
       </p:sp>
-      <mc:AlternateContent xmlns:mc="http://schemas.openxmlformats.org/markup-compatibility/2006">
-        <mc:Choice xmlns:a14="http://schemas.microsoft.com/office/drawing/2010/main" Requires="a14">
+      <mc:AlternateContent xmlns:mc="http://schemas.openxmlformats.org/markup-compatibility/2006" xmlns:a14="http://schemas.microsoft.com/office/drawing/2010/main">
+        <mc:Choice Requires="a14">
           <p:sp>
             <p:nvSpPr>
               <p:cNvPr id="3" name="Content Placeholder 2">
@@ -33922,7 +35588,6 @@
                 </a:r>
               </a:p>
               <a:p>
-                <a:pPr/>
                 <a14:m>
                   <m:oMath xmlns:m="http://schemas.openxmlformats.org/officeDocument/2006/math">
                     <m:r>
@@ -33969,7 +35634,6 @@
                 </a:r>
               </a:p>
               <a:p>
-                <a:pPr/>
                 <a14:m>
                   <m:oMath xmlns:m="http://schemas.openxmlformats.org/officeDocument/2006/math">
                     <m:r>
@@ -34165,7 +35829,7 @@
             </p:txBody>
           </p:sp>
         </mc:Choice>
-        <mc:Fallback>
+        <mc:Fallback xmlns="">
           <p:sp>
             <p:nvSpPr>
               <p:cNvPr id="3" name="Content Placeholder 2">
@@ -35350,30 +37014,30 @@
               <a:buNone/>
             </a:pPr>
             <a:r>
-              <a:rPr lang="en-US" sz="2200"/>
+              <a:rPr lang="en-US" sz="2200" dirty="0"/>
               <a:t>Multiple regression is a powerful analytical tool with many applications in business.  For example, it can be used to....</a:t>
             </a:r>
           </a:p>
           <a:p>
             <a:r>
-              <a:rPr lang="en-US" sz="2200"/>
+              <a:rPr lang="en-US" sz="2200" dirty="0"/>
               <a:t>Screen job applicants</a:t>
             </a:r>
           </a:p>
           <a:p>
             <a:r>
-              <a:rPr lang="en-US" sz="2200"/>
+              <a:rPr lang="en-US" sz="2200" dirty="0"/>
               <a:t>Identify successful locations</a:t>
             </a:r>
           </a:p>
           <a:p>
             <a:r>
-              <a:rPr lang="en-US" sz="2200"/>
+              <a:rPr lang="en-US" sz="2200" dirty="0"/>
               <a:t>Factors associated with video streaming service use</a:t>
             </a:r>
           </a:p>
           <a:p>
-            <a:endParaRPr lang="en-US" sz="2200"/>
+            <a:endParaRPr lang="en-US" sz="2200" dirty="0"/>
           </a:p>
         </p:txBody>
       </p:sp>
@@ -35565,6 +37229,235 @@
   <p:clrMapOvr>
     <a:masterClrMapping/>
   </p:clrMapOvr>
+  <p:timing>
+    <p:tnLst>
+      <p:par>
+        <p:cTn id="1" dur="indefinite" restart="never" nodeType="tmRoot">
+          <p:childTnLst>
+            <p:seq concurrent="1" nextAc="seek">
+              <p:cTn id="2" dur="indefinite" nodeType="mainSeq">
+                <p:childTnLst>
+                  <p:par>
+                    <p:cTn id="3" fill="hold">
+                      <p:stCondLst>
+                        <p:cond delay="indefinite"/>
+                      </p:stCondLst>
+                      <p:childTnLst>
+                        <p:par>
+                          <p:cTn id="4" fill="hold">
+                            <p:stCondLst>
+                              <p:cond delay="0"/>
+                            </p:stCondLst>
+                            <p:childTnLst>
+                              <p:par>
+                                <p:cTn id="5" presetID="1" presetClass="entr" presetSubtype="0" fill="hold" grpId="0" nodeType="clickEffect">
+                                  <p:stCondLst>
+                                    <p:cond delay="0"/>
+                                  </p:stCondLst>
+                                  <p:childTnLst>
+                                    <p:set>
+                                      <p:cBhvr>
+                                        <p:cTn id="6" dur="1" fill="hold">
+                                          <p:stCondLst>
+                                            <p:cond delay="0"/>
+                                          </p:stCondLst>
+                                        </p:cTn>
+                                        <p:tgtEl>
+                                          <p:spTgt spid="3">
+                                            <p:txEl>
+                                              <p:pRg st="0" end="0"/>
+                                            </p:txEl>
+                                          </p:spTgt>
+                                        </p:tgtEl>
+                                        <p:attrNameLst>
+                                          <p:attrName>style.visibility</p:attrName>
+                                        </p:attrNameLst>
+                                      </p:cBhvr>
+                                      <p:to>
+                                        <p:strVal val="visible"/>
+                                      </p:to>
+                                    </p:set>
+                                  </p:childTnLst>
+                                </p:cTn>
+                              </p:par>
+                            </p:childTnLst>
+                          </p:cTn>
+                        </p:par>
+                      </p:childTnLst>
+                    </p:cTn>
+                  </p:par>
+                  <p:par>
+                    <p:cTn id="7" fill="hold">
+                      <p:stCondLst>
+                        <p:cond delay="indefinite"/>
+                      </p:stCondLst>
+                      <p:childTnLst>
+                        <p:par>
+                          <p:cTn id="8" fill="hold">
+                            <p:stCondLst>
+                              <p:cond delay="0"/>
+                            </p:stCondLst>
+                            <p:childTnLst>
+                              <p:par>
+                                <p:cTn id="9" presetID="1" presetClass="entr" presetSubtype="0" fill="hold" grpId="0" nodeType="clickEffect">
+                                  <p:stCondLst>
+                                    <p:cond delay="0"/>
+                                  </p:stCondLst>
+                                  <p:childTnLst>
+                                    <p:set>
+                                      <p:cBhvr>
+                                        <p:cTn id="10" dur="1" fill="hold">
+                                          <p:stCondLst>
+                                            <p:cond delay="0"/>
+                                          </p:stCondLst>
+                                        </p:cTn>
+                                        <p:tgtEl>
+                                          <p:spTgt spid="3">
+                                            <p:txEl>
+                                              <p:pRg st="1" end="1"/>
+                                            </p:txEl>
+                                          </p:spTgt>
+                                        </p:tgtEl>
+                                        <p:attrNameLst>
+                                          <p:attrName>style.visibility</p:attrName>
+                                        </p:attrNameLst>
+                                      </p:cBhvr>
+                                      <p:to>
+                                        <p:strVal val="visible"/>
+                                      </p:to>
+                                    </p:set>
+                                  </p:childTnLst>
+                                </p:cTn>
+                              </p:par>
+                            </p:childTnLst>
+                          </p:cTn>
+                        </p:par>
+                      </p:childTnLst>
+                    </p:cTn>
+                  </p:par>
+                  <p:par>
+                    <p:cTn id="11" fill="hold">
+                      <p:stCondLst>
+                        <p:cond delay="indefinite"/>
+                      </p:stCondLst>
+                      <p:childTnLst>
+                        <p:par>
+                          <p:cTn id="12" fill="hold">
+                            <p:stCondLst>
+                              <p:cond delay="0"/>
+                            </p:stCondLst>
+                            <p:childTnLst>
+                              <p:par>
+                                <p:cTn id="13" presetID="1" presetClass="entr" presetSubtype="0" fill="hold" grpId="0" nodeType="clickEffect">
+                                  <p:stCondLst>
+                                    <p:cond delay="0"/>
+                                  </p:stCondLst>
+                                  <p:childTnLst>
+                                    <p:set>
+                                      <p:cBhvr>
+                                        <p:cTn id="14" dur="1" fill="hold">
+                                          <p:stCondLst>
+                                            <p:cond delay="0"/>
+                                          </p:stCondLst>
+                                        </p:cTn>
+                                        <p:tgtEl>
+                                          <p:spTgt spid="3">
+                                            <p:txEl>
+                                              <p:pRg st="2" end="2"/>
+                                            </p:txEl>
+                                          </p:spTgt>
+                                        </p:tgtEl>
+                                        <p:attrNameLst>
+                                          <p:attrName>style.visibility</p:attrName>
+                                        </p:attrNameLst>
+                                      </p:cBhvr>
+                                      <p:to>
+                                        <p:strVal val="visible"/>
+                                      </p:to>
+                                    </p:set>
+                                  </p:childTnLst>
+                                </p:cTn>
+                              </p:par>
+                            </p:childTnLst>
+                          </p:cTn>
+                        </p:par>
+                      </p:childTnLst>
+                    </p:cTn>
+                  </p:par>
+                  <p:par>
+                    <p:cTn id="15" fill="hold">
+                      <p:stCondLst>
+                        <p:cond delay="indefinite"/>
+                      </p:stCondLst>
+                      <p:childTnLst>
+                        <p:par>
+                          <p:cTn id="16" fill="hold">
+                            <p:stCondLst>
+                              <p:cond delay="0"/>
+                            </p:stCondLst>
+                            <p:childTnLst>
+                              <p:par>
+                                <p:cTn id="17" presetID="1" presetClass="entr" presetSubtype="0" fill="hold" grpId="0" nodeType="clickEffect">
+                                  <p:stCondLst>
+                                    <p:cond delay="0"/>
+                                  </p:stCondLst>
+                                  <p:childTnLst>
+                                    <p:set>
+                                      <p:cBhvr>
+                                        <p:cTn id="18" dur="1" fill="hold">
+                                          <p:stCondLst>
+                                            <p:cond delay="0"/>
+                                          </p:stCondLst>
+                                        </p:cTn>
+                                        <p:tgtEl>
+                                          <p:spTgt spid="3">
+                                            <p:txEl>
+                                              <p:pRg st="3" end="3"/>
+                                            </p:txEl>
+                                          </p:spTgt>
+                                        </p:tgtEl>
+                                        <p:attrNameLst>
+                                          <p:attrName>style.visibility</p:attrName>
+                                        </p:attrNameLst>
+                                      </p:cBhvr>
+                                      <p:to>
+                                        <p:strVal val="visible"/>
+                                      </p:to>
+                                    </p:set>
+                                  </p:childTnLst>
+                                </p:cTn>
+                              </p:par>
+                            </p:childTnLst>
+                          </p:cTn>
+                        </p:par>
+                      </p:childTnLst>
+                    </p:cTn>
+                  </p:par>
+                </p:childTnLst>
+              </p:cTn>
+              <p:prevCondLst>
+                <p:cond evt="onPrev" delay="0">
+                  <p:tgtEl>
+                    <p:sldTgt/>
+                  </p:tgtEl>
+                </p:cond>
+              </p:prevCondLst>
+              <p:nextCondLst>
+                <p:cond evt="onNext" delay="0">
+                  <p:tgtEl>
+                    <p:sldTgt/>
+                  </p:tgtEl>
+                </p:cond>
+              </p:nextCondLst>
+            </p:seq>
+          </p:childTnLst>
+        </p:cTn>
+      </p:par>
+    </p:tnLst>
+    <p:bldLst>
+      <p:bldP spid="3" grpId="0" build="p"/>
+    </p:bldLst>
+  </p:timing>
 </p:sld>
 </file>
 
@@ -36749,15 +38642,6 @@
 </file>
 
 <file path=customXml/item1.xml><?xml version="1.0" encoding="utf-8"?>
-<?mso-contentType ?>
-<FormTemplates xmlns="http://schemas.microsoft.com/sharepoint/v3/contenttype/forms">
-  <Display>DocumentLibraryForm</Display>
-  <Edit>DocumentLibraryForm</Edit>
-  <New>DocumentLibraryForm</New>
-</FormTemplates>
-</file>
-
-<file path=customXml/item2.xml><?xml version="1.0" encoding="utf-8"?>
 <ct:contentTypeSchema xmlns:ct="http://schemas.microsoft.com/office/2006/metadata/contentType" xmlns:ma="http://schemas.microsoft.com/office/2006/metadata/properties/metaAttributes" ct:_="" ma:_="" ma:contentTypeName="Document" ma:contentTypeID="0x01010079F111ED35F8CC479449609E8A0923A6" ma:contentTypeVersion="11" ma:contentTypeDescription="Create a new document." ma:contentTypeScope="" ma:versionID="96291512c1ee715ab617f4c07df79fc1">
   <xsd:schema xmlns:xsd="http://www.w3.org/2001/XMLSchema" xmlns:xs="http://www.w3.org/2001/XMLSchema" xmlns:p="http://schemas.microsoft.com/office/2006/metadata/properties" xmlns:ns2="71af3243-3dd4-4a8d-8c0d-dd76da1f02a5" xmlns:ns3="16c05727-aa75-4e4a-9b5f-8a80a1165891" targetNamespace="http://schemas.microsoft.com/office/2006/metadata/properties" ma:root="true" ma:fieldsID="8256c27c40ca5c40ce1cf6c44f0205df" ns2:_="" ns3:_="">
     <xsd:import namespace="71af3243-3dd4-4a8d-8c0d-dd76da1f02a5"/>
@@ -36968,6 +38852,15 @@
 </ct:contentTypeSchema>
 </file>
 
+<file path=customXml/item2.xml><?xml version="1.0" encoding="utf-8"?>
+<?mso-contentType ?>
+<FormTemplates xmlns="http://schemas.microsoft.com/sharepoint/v3/contenttype/forms">
+  <Display>DocumentLibraryForm</Display>
+  <Edit>DocumentLibraryForm</Edit>
+  <New>DocumentLibraryForm</New>
+</FormTemplates>
+</file>
+
 <file path=customXml/item3.xml><?xml version="1.0" encoding="utf-8"?>
 <p:properties xmlns:p="http://schemas.microsoft.com/office/2006/metadata/properties" xmlns:xsi="http://www.w3.org/2001/XMLSchema-instance" xmlns:pc="http://schemas.microsoft.com/office/infopath/2007/PartnerControls">
   <documentManagement>
@@ -36977,14 +38870,6 @@
 </file>
 
 <file path=customXml/itemProps1.xml><?xml version="1.0" encoding="utf-8"?>
-<ds:datastoreItem xmlns:ds="http://schemas.openxmlformats.org/officeDocument/2006/customXml" ds:itemID="{5CA875DA-F9FD-4F83-A049-3B1027B542DE}">
-  <ds:schemaRefs>
-    <ds:schemaRef ds:uri="http://schemas.microsoft.com/sharepoint/v3/contenttype/forms"/>
-  </ds:schemaRefs>
-</ds:datastoreItem>
-</file>
-
-<file path=customXml/itemProps2.xml><?xml version="1.0" encoding="utf-8"?>
 <ds:datastoreItem xmlns:ds="http://schemas.openxmlformats.org/officeDocument/2006/customXml" ds:itemID="{B2AB02E3-5ADF-4BF0-9C1B-35CDF3FE95B0}">
   <ds:schemaRefs>
     <ds:schemaRef ds:uri="http://schemas.microsoft.com/office/2006/metadata/contentType"/>
@@ -37003,6 +38888,14 @@
 </ds:datastoreItem>
 </file>
 
+<file path=customXml/itemProps2.xml><?xml version="1.0" encoding="utf-8"?>
+<ds:datastoreItem xmlns:ds="http://schemas.openxmlformats.org/officeDocument/2006/customXml" ds:itemID="{5CA875DA-F9FD-4F83-A049-3B1027B542DE}">
+  <ds:schemaRefs>
+    <ds:schemaRef ds:uri="http://schemas.microsoft.com/sharepoint/v3/contenttype/forms"/>
+  </ds:schemaRefs>
+</ds:datastoreItem>
+</file>
+
 <file path=customXml/itemProps3.xml><?xml version="1.0" encoding="utf-8"?>
 <ds:datastoreItem xmlns:ds="http://schemas.openxmlformats.org/officeDocument/2006/customXml" ds:itemID="{03C7D9E6-B0D9-433E-BD46-EB60F64F4DA8}">
   <ds:schemaRefs>
